--- a/code/Jin2020/200903_LL.pptx
+++ b/code/Jin2020/200903_LL.pptx
@@ -4,21 +4,27 @@
   <p:sldMasterIdLst>
     <p:sldMasterId id="2147483648" r:id="rId1"/>
   </p:sldMasterIdLst>
+  <p:notesMasterIdLst>
+    <p:notesMasterId r:id="rId19"/>
+  </p:notesMasterIdLst>
   <p:sldIdLst>
     <p:sldId id="256" r:id="rId2"/>
     <p:sldId id="264" r:id="rId3"/>
     <p:sldId id="271" r:id="rId4"/>
     <p:sldId id="266" r:id="rId5"/>
-    <p:sldId id="267" r:id="rId6"/>
+    <p:sldId id="275" r:id="rId6"/>
     <p:sldId id="268" r:id="rId7"/>
     <p:sldId id="258" r:id="rId8"/>
-    <p:sldId id="272" r:id="rId9"/>
-    <p:sldId id="269" r:id="rId10"/>
-    <p:sldId id="260" r:id="rId11"/>
-    <p:sldId id="270" r:id="rId12"/>
-    <p:sldId id="263" r:id="rId13"/>
-    <p:sldId id="273" r:id="rId14"/>
-    <p:sldId id="274" r:id="rId15"/>
+    <p:sldId id="276" r:id="rId9"/>
+    <p:sldId id="272" r:id="rId10"/>
+    <p:sldId id="269" r:id="rId11"/>
+    <p:sldId id="260" r:id="rId12"/>
+    <p:sldId id="277" r:id="rId13"/>
+    <p:sldId id="270" r:id="rId14"/>
+    <p:sldId id="263" r:id="rId15"/>
+    <p:sldId id="278" r:id="rId16"/>
+    <p:sldId id="273" r:id="rId17"/>
+    <p:sldId id="274" r:id="rId18"/>
   </p:sldIdLst>
   <p:sldSz cx="12192000" cy="6858000"/>
   <p:notesSz cx="6858000" cy="9144000"/>
@@ -133,6 +139,720 @@
 </p1510:revInfo>
 </file>
 
+<file path=ppt/notesMasters/notesMaster1.xml><?xml version="1.0" encoding="utf-8"?>
+<p:notesMaster xmlns:a="http://schemas.openxmlformats.org/drawingml/2006/main" xmlns:r="http://schemas.openxmlformats.org/officeDocument/2006/relationships" xmlns:p="http://schemas.openxmlformats.org/presentationml/2006/main">
+  <p:cSld>
+    <p:bg>
+      <p:bgRef idx="1001">
+        <a:schemeClr val="bg1"/>
+      </p:bgRef>
+    </p:bg>
+    <p:spTree>
+      <p:nvGrpSpPr>
+        <p:cNvPr id="1" name=""/>
+        <p:cNvGrpSpPr/>
+        <p:nvPr/>
+      </p:nvGrpSpPr>
+      <p:grpSpPr>
+        <a:xfrm>
+          <a:off x="0" y="0"/>
+          <a:ext cx="0" cy="0"/>
+          <a:chOff x="0" y="0"/>
+          <a:chExt cx="0" cy="0"/>
+        </a:xfrm>
+      </p:grpSpPr>
+      <p:sp>
+        <p:nvSpPr>
+          <p:cNvPr id="2" name="Header Placeholder 1"/>
+          <p:cNvSpPr>
+            <a:spLocks noGrp="1"/>
+          </p:cNvSpPr>
+          <p:nvPr>
+            <p:ph type="hdr" sz="quarter"/>
+          </p:nvPr>
+        </p:nvSpPr>
+        <p:spPr>
+          <a:xfrm>
+            <a:off x="0" y="0"/>
+            <a:ext cx="2971800" cy="458788"/>
+          </a:xfrm>
+          <a:prstGeom prst="rect">
+            <a:avLst/>
+          </a:prstGeom>
+        </p:spPr>
+        <p:txBody>
+          <a:bodyPr vert="horz" lIns="91440" tIns="45720" rIns="91440" bIns="45720" rtlCol="0"/>
+          <a:lstStyle>
+            <a:lvl1pPr algn="l">
+              <a:defRPr sz="1200"/>
+            </a:lvl1pPr>
+          </a:lstStyle>
+          <a:p>
+            <a:endParaRPr lang="en-US"/>
+          </a:p>
+        </p:txBody>
+      </p:sp>
+      <p:sp>
+        <p:nvSpPr>
+          <p:cNvPr id="3" name="Date Placeholder 2"/>
+          <p:cNvSpPr>
+            <a:spLocks noGrp="1"/>
+          </p:cNvSpPr>
+          <p:nvPr>
+            <p:ph type="dt" idx="1"/>
+          </p:nvPr>
+        </p:nvSpPr>
+        <p:spPr>
+          <a:xfrm>
+            <a:off x="3884613" y="0"/>
+            <a:ext cx="2971800" cy="458788"/>
+          </a:xfrm>
+          <a:prstGeom prst="rect">
+            <a:avLst/>
+          </a:prstGeom>
+        </p:spPr>
+        <p:txBody>
+          <a:bodyPr vert="horz" lIns="91440" tIns="45720" rIns="91440" bIns="45720" rtlCol="0"/>
+          <a:lstStyle>
+            <a:lvl1pPr algn="r">
+              <a:defRPr sz="1200"/>
+            </a:lvl1pPr>
+          </a:lstStyle>
+          <a:p>
+            <a:fld id="{D5EBDB30-F0AB-4217-832F-B451F110DBE3}" type="datetimeFigureOut">
+              <a:rPr lang="en-US" smtClean="0"/>
+              <a:t>9/3/2020</a:t>
+            </a:fld>
+            <a:endParaRPr lang="en-US"/>
+          </a:p>
+        </p:txBody>
+      </p:sp>
+      <p:sp>
+        <p:nvSpPr>
+          <p:cNvPr id="4" name="Slide Image Placeholder 3"/>
+          <p:cNvSpPr>
+            <a:spLocks noGrp="1" noRot="1" noChangeAspect="1"/>
+          </p:cNvSpPr>
+          <p:nvPr>
+            <p:ph type="sldImg" idx="2"/>
+          </p:nvPr>
+        </p:nvSpPr>
+        <p:spPr>
+          <a:xfrm>
+            <a:off x="685800" y="1143000"/>
+            <a:ext cx="5486400" cy="3086100"/>
+          </a:xfrm>
+          <a:prstGeom prst="rect">
+            <a:avLst/>
+          </a:prstGeom>
+          <a:noFill/>
+          <a:ln w="12700">
+            <a:solidFill>
+              <a:prstClr val="black"/>
+            </a:solidFill>
+          </a:ln>
+        </p:spPr>
+        <p:txBody>
+          <a:bodyPr vert="horz" lIns="91440" tIns="45720" rIns="91440" bIns="45720" rtlCol="0" anchor="ctr"/>
+          <a:lstStyle/>
+          <a:p>
+            <a:endParaRPr lang="en-US"/>
+          </a:p>
+        </p:txBody>
+      </p:sp>
+      <p:sp>
+        <p:nvSpPr>
+          <p:cNvPr id="5" name="Notes Placeholder 4"/>
+          <p:cNvSpPr>
+            <a:spLocks noGrp="1"/>
+          </p:cNvSpPr>
+          <p:nvPr>
+            <p:ph type="body" sz="quarter" idx="3"/>
+          </p:nvPr>
+        </p:nvSpPr>
+        <p:spPr>
+          <a:xfrm>
+            <a:off x="685800" y="4400550"/>
+            <a:ext cx="5486400" cy="3600450"/>
+          </a:xfrm>
+          <a:prstGeom prst="rect">
+            <a:avLst/>
+          </a:prstGeom>
+        </p:spPr>
+        <p:txBody>
+          <a:bodyPr vert="horz" lIns="91440" tIns="45720" rIns="91440" bIns="45720" rtlCol="0"/>
+          <a:lstStyle/>
+          <a:p>
+            <a:pPr lvl="0"/>
+            <a:r>
+              <a:rPr lang="en-US" smtClean="0"/>
+              <a:t>Click to edit Master text styles</a:t>
+            </a:r>
+          </a:p>
+          <a:p>
+            <a:pPr lvl="1"/>
+            <a:r>
+              <a:rPr lang="en-US" smtClean="0"/>
+              <a:t>Second level</a:t>
+            </a:r>
+          </a:p>
+          <a:p>
+            <a:pPr lvl="2"/>
+            <a:r>
+              <a:rPr lang="en-US" smtClean="0"/>
+              <a:t>Third level</a:t>
+            </a:r>
+          </a:p>
+          <a:p>
+            <a:pPr lvl="3"/>
+            <a:r>
+              <a:rPr lang="en-US" smtClean="0"/>
+              <a:t>Fourth level</a:t>
+            </a:r>
+          </a:p>
+          <a:p>
+            <a:pPr lvl="4"/>
+            <a:r>
+              <a:rPr lang="en-US" smtClean="0"/>
+              <a:t>Fifth level</a:t>
+            </a:r>
+            <a:endParaRPr lang="en-US"/>
+          </a:p>
+        </p:txBody>
+      </p:sp>
+      <p:sp>
+        <p:nvSpPr>
+          <p:cNvPr id="6" name="Footer Placeholder 5"/>
+          <p:cNvSpPr>
+            <a:spLocks noGrp="1"/>
+          </p:cNvSpPr>
+          <p:nvPr>
+            <p:ph type="ftr" sz="quarter" idx="4"/>
+          </p:nvPr>
+        </p:nvSpPr>
+        <p:spPr>
+          <a:xfrm>
+            <a:off x="0" y="8685213"/>
+            <a:ext cx="2971800" cy="458787"/>
+          </a:xfrm>
+          <a:prstGeom prst="rect">
+            <a:avLst/>
+          </a:prstGeom>
+        </p:spPr>
+        <p:txBody>
+          <a:bodyPr vert="horz" lIns="91440" tIns="45720" rIns="91440" bIns="45720" rtlCol="0" anchor="b"/>
+          <a:lstStyle>
+            <a:lvl1pPr algn="l">
+              <a:defRPr sz="1200"/>
+            </a:lvl1pPr>
+          </a:lstStyle>
+          <a:p>
+            <a:endParaRPr lang="en-US"/>
+          </a:p>
+        </p:txBody>
+      </p:sp>
+      <p:sp>
+        <p:nvSpPr>
+          <p:cNvPr id="7" name="Slide Number Placeholder 6"/>
+          <p:cNvSpPr>
+            <a:spLocks noGrp="1"/>
+          </p:cNvSpPr>
+          <p:nvPr>
+            <p:ph type="sldNum" sz="quarter" idx="5"/>
+          </p:nvPr>
+        </p:nvSpPr>
+        <p:spPr>
+          <a:xfrm>
+            <a:off x="3884613" y="8685213"/>
+            <a:ext cx="2971800" cy="458787"/>
+          </a:xfrm>
+          <a:prstGeom prst="rect">
+            <a:avLst/>
+          </a:prstGeom>
+        </p:spPr>
+        <p:txBody>
+          <a:bodyPr vert="horz" lIns="91440" tIns="45720" rIns="91440" bIns="45720" rtlCol="0" anchor="b"/>
+          <a:lstStyle>
+            <a:lvl1pPr algn="r">
+              <a:defRPr sz="1200"/>
+            </a:lvl1pPr>
+          </a:lstStyle>
+          <a:p>
+            <a:fld id="{AFEDE529-6FF5-4665-94A8-BAA13FCD32B5}" type="slidenum">
+              <a:rPr lang="en-US" smtClean="0"/>
+              <a:t>‹#›</a:t>
+            </a:fld>
+            <a:endParaRPr lang="en-US"/>
+          </a:p>
+        </p:txBody>
+      </p:sp>
+    </p:spTree>
+    <p:extLst>
+      <p:ext uri="{BB962C8B-B14F-4D97-AF65-F5344CB8AC3E}">
+        <p14:creationId xmlns:p14="http://schemas.microsoft.com/office/powerpoint/2010/main" val="652890840"/>
+      </p:ext>
+    </p:extLst>
+  </p:cSld>
+  <p:clrMap bg1="lt1" tx1="dk1" bg2="lt2" tx2="dk2" accent1="accent1" accent2="accent2" accent3="accent3" accent4="accent4" accent5="accent5" accent6="accent6" hlink="hlink" folHlink="folHlink"/>
+  <p:notesStyle>
+    <a:lvl1pPr marL="0" algn="l" defTabSz="914400" rtl="0" eaLnBrk="1" latinLnBrk="0" hangingPunct="1">
+      <a:defRPr sz="1200" kern="1200">
+        <a:solidFill>
+          <a:schemeClr val="tx1"/>
+        </a:solidFill>
+        <a:latin typeface="+mn-lt"/>
+        <a:ea typeface="+mn-ea"/>
+        <a:cs typeface="+mn-cs"/>
+      </a:defRPr>
+    </a:lvl1pPr>
+    <a:lvl2pPr marL="457200" algn="l" defTabSz="914400" rtl="0" eaLnBrk="1" latinLnBrk="0" hangingPunct="1">
+      <a:defRPr sz="1200" kern="1200">
+        <a:solidFill>
+          <a:schemeClr val="tx1"/>
+        </a:solidFill>
+        <a:latin typeface="+mn-lt"/>
+        <a:ea typeface="+mn-ea"/>
+        <a:cs typeface="+mn-cs"/>
+      </a:defRPr>
+    </a:lvl2pPr>
+    <a:lvl3pPr marL="914400" algn="l" defTabSz="914400" rtl="0" eaLnBrk="1" latinLnBrk="0" hangingPunct="1">
+      <a:defRPr sz="1200" kern="1200">
+        <a:solidFill>
+          <a:schemeClr val="tx1"/>
+        </a:solidFill>
+        <a:latin typeface="+mn-lt"/>
+        <a:ea typeface="+mn-ea"/>
+        <a:cs typeface="+mn-cs"/>
+      </a:defRPr>
+    </a:lvl3pPr>
+    <a:lvl4pPr marL="1371600" algn="l" defTabSz="914400" rtl="0" eaLnBrk="1" latinLnBrk="0" hangingPunct="1">
+      <a:defRPr sz="1200" kern="1200">
+        <a:solidFill>
+          <a:schemeClr val="tx1"/>
+        </a:solidFill>
+        <a:latin typeface="+mn-lt"/>
+        <a:ea typeface="+mn-ea"/>
+        <a:cs typeface="+mn-cs"/>
+      </a:defRPr>
+    </a:lvl4pPr>
+    <a:lvl5pPr marL="1828800" algn="l" defTabSz="914400" rtl="0" eaLnBrk="1" latinLnBrk="0" hangingPunct="1">
+      <a:defRPr sz="1200" kern="1200">
+        <a:solidFill>
+          <a:schemeClr val="tx1"/>
+        </a:solidFill>
+        <a:latin typeface="+mn-lt"/>
+        <a:ea typeface="+mn-ea"/>
+        <a:cs typeface="+mn-cs"/>
+      </a:defRPr>
+    </a:lvl5pPr>
+    <a:lvl6pPr marL="2286000" algn="l" defTabSz="914400" rtl="0" eaLnBrk="1" latinLnBrk="0" hangingPunct="1">
+      <a:defRPr sz="1200" kern="1200">
+        <a:solidFill>
+          <a:schemeClr val="tx1"/>
+        </a:solidFill>
+        <a:latin typeface="+mn-lt"/>
+        <a:ea typeface="+mn-ea"/>
+        <a:cs typeface="+mn-cs"/>
+      </a:defRPr>
+    </a:lvl6pPr>
+    <a:lvl7pPr marL="2743200" algn="l" defTabSz="914400" rtl="0" eaLnBrk="1" latinLnBrk="0" hangingPunct="1">
+      <a:defRPr sz="1200" kern="1200">
+        <a:solidFill>
+          <a:schemeClr val="tx1"/>
+        </a:solidFill>
+        <a:latin typeface="+mn-lt"/>
+        <a:ea typeface="+mn-ea"/>
+        <a:cs typeface="+mn-cs"/>
+      </a:defRPr>
+    </a:lvl7pPr>
+    <a:lvl8pPr marL="3200400" algn="l" defTabSz="914400" rtl="0" eaLnBrk="1" latinLnBrk="0" hangingPunct="1">
+      <a:defRPr sz="1200" kern="1200">
+        <a:solidFill>
+          <a:schemeClr val="tx1"/>
+        </a:solidFill>
+        <a:latin typeface="+mn-lt"/>
+        <a:ea typeface="+mn-ea"/>
+        <a:cs typeface="+mn-cs"/>
+      </a:defRPr>
+    </a:lvl8pPr>
+    <a:lvl9pPr marL="3657600" algn="l" defTabSz="914400" rtl="0" eaLnBrk="1" latinLnBrk="0" hangingPunct="1">
+      <a:defRPr sz="1200" kern="1200">
+        <a:solidFill>
+          <a:schemeClr val="tx1"/>
+        </a:solidFill>
+        <a:latin typeface="+mn-lt"/>
+        <a:ea typeface="+mn-ea"/>
+        <a:cs typeface="+mn-cs"/>
+      </a:defRPr>
+    </a:lvl9pPr>
+  </p:notesStyle>
+</p:notesMaster>
+</file>
+
+<file path=ppt/notesSlides/notesSlide1.xml><?xml version="1.0" encoding="utf-8"?>
+<p:notes xmlns:a="http://schemas.openxmlformats.org/drawingml/2006/main" xmlns:r="http://schemas.openxmlformats.org/officeDocument/2006/relationships" xmlns:p="http://schemas.openxmlformats.org/presentationml/2006/main">
+  <p:cSld>
+    <p:spTree>
+      <p:nvGrpSpPr>
+        <p:cNvPr id="1" name=""/>
+        <p:cNvGrpSpPr/>
+        <p:nvPr/>
+      </p:nvGrpSpPr>
+      <p:grpSpPr>
+        <a:xfrm>
+          <a:off x="0" y="0"/>
+          <a:ext cx="0" cy="0"/>
+          <a:chOff x="0" y="0"/>
+          <a:chExt cx="0" cy="0"/>
+        </a:xfrm>
+      </p:grpSpPr>
+      <p:sp>
+        <p:nvSpPr>
+          <p:cNvPr id="2" name="Slide Image Placeholder 1"/>
+          <p:cNvSpPr>
+            <a:spLocks noGrp="1" noRot="1" noChangeAspect="1"/>
+          </p:cNvSpPr>
+          <p:nvPr>
+            <p:ph type="sldImg"/>
+          </p:nvPr>
+        </p:nvSpPr>
+        <p:spPr/>
+      </p:sp>
+      <p:sp>
+        <p:nvSpPr>
+          <p:cNvPr id="3" name="Notes Placeholder 2"/>
+          <p:cNvSpPr>
+            <a:spLocks noGrp="1"/>
+          </p:cNvSpPr>
+          <p:nvPr>
+            <p:ph type="body" idx="1"/>
+          </p:nvPr>
+        </p:nvSpPr>
+        <p:spPr/>
+        <p:txBody>
+          <a:bodyPr/>
+          <a:lstStyle/>
+          <a:p>
+            <a:r>
+              <a:rPr lang="en-US" sz="1200" b="0" i="0" kern="1200" dirty="0" smtClean="0">
+                <a:solidFill>
+                  <a:schemeClr val="tx1"/>
+                </a:solidFill>
+                <a:effectLst/>
+                <a:latin typeface="+mn-lt"/>
+                <a:ea typeface="+mn-ea"/>
+                <a:cs typeface="+mn-cs"/>
+              </a:rPr>
+              <a:t>area LI responds to both visual and auditory stimuli</a:t>
+            </a:r>
+            <a:endParaRPr lang="en-US" dirty="0"/>
+          </a:p>
+        </p:txBody>
+      </p:sp>
+      <p:sp>
+        <p:nvSpPr>
+          <p:cNvPr id="4" name="Slide Number Placeholder 3"/>
+          <p:cNvSpPr>
+            <a:spLocks noGrp="1"/>
+          </p:cNvSpPr>
+          <p:nvPr>
+            <p:ph type="sldNum" sz="quarter" idx="10"/>
+          </p:nvPr>
+        </p:nvSpPr>
+        <p:spPr/>
+        <p:txBody>
+          <a:bodyPr/>
+          <a:lstStyle/>
+          <a:p>
+            <a:fld id="{AFEDE529-6FF5-4665-94A8-BAA13FCD32B5}" type="slidenum">
+              <a:rPr lang="en-US" smtClean="0"/>
+              <a:t>4</a:t>
+            </a:fld>
+            <a:endParaRPr lang="en-US"/>
+          </a:p>
+        </p:txBody>
+      </p:sp>
+    </p:spTree>
+    <p:extLst>
+      <p:ext uri="{BB962C8B-B14F-4D97-AF65-F5344CB8AC3E}">
+        <p14:creationId xmlns:p14="http://schemas.microsoft.com/office/powerpoint/2010/main" val="3140085693"/>
+      </p:ext>
+    </p:extLst>
+  </p:cSld>
+  <p:clrMapOvr>
+    <a:masterClrMapping/>
+  </p:clrMapOvr>
+</p:notes>
+</file>
+
+<file path=ppt/notesSlides/notesSlide2.xml><?xml version="1.0" encoding="utf-8"?>
+<p:notes xmlns:a="http://schemas.openxmlformats.org/drawingml/2006/main" xmlns:r="http://schemas.openxmlformats.org/officeDocument/2006/relationships" xmlns:p="http://schemas.openxmlformats.org/presentationml/2006/main">
+  <p:cSld>
+    <p:spTree>
+      <p:nvGrpSpPr>
+        <p:cNvPr id="1" name=""/>
+        <p:cNvGrpSpPr/>
+        <p:nvPr/>
+      </p:nvGrpSpPr>
+      <p:grpSpPr>
+        <a:xfrm>
+          <a:off x="0" y="0"/>
+          <a:ext cx="0" cy="0"/>
+          <a:chOff x="0" y="0"/>
+          <a:chExt cx="0" cy="0"/>
+        </a:xfrm>
+      </p:grpSpPr>
+      <p:sp>
+        <p:nvSpPr>
+          <p:cNvPr id="2" name="Slide Image Placeholder 1"/>
+          <p:cNvSpPr>
+            <a:spLocks noGrp="1" noRot="1" noChangeAspect="1"/>
+          </p:cNvSpPr>
+          <p:nvPr>
+            <p:ph type="sldImg"/>
+          </p:nvPr>
+        </p:nvSpPr>
+        <p:spPr/>
+      </p:sp>
+      <p:sp>
+        <p:nvSpPr>
+          <p:cNvPr id="3" name="Notes Placeholder 2"/>
+          <p:cNvSpPr>
+            <a:spLocks noGrp="1"/>
+          </p:cNvSpPr>
+          <p:nvPr>
+            <p:ph type="body" idx="1"/>
+          </p:nvPr>
+        </p:nvSpPr>
+        <p:spPr/>
+        <p:txBody>
+          <a:bodyPr/>
+          <a:lstStyle/>
+          <a:p>
+            <a:r>
+              <a:rPr lang="en-US" dirty="0" smtClean="0"/>
+              <a:t>C:\Users\lan\Documents\repos\inter\plot\200728_i1324_V1\fig 2B trace16</a:t>
+            </a:r>
+            <a:endParaRPr lang="en-US" dirty="0"/>
+          </a:p>
+        </p:txBody>
+      </p:sp>
+      <p:sp>
+        <p:nvSpPr>
+          <p:cNvPr id="4" name="Slide Number Placeholder 3"/>
+          <p:cNvSpPr>
+            <a:spLocks noGrp="1"/>
+          </p:cNvSpPr>
+          <p:nvPr>
+            <p:ph type="sldNum" sz="quarter" idx="10"/>
+          </p:nvPr>
+        </p:nvSpPr>
+        <p:spPr/>
+        <p:txBody>
+          <a:bodyPr/>
+          <a:lstStyle/>
+          <a:p>
+            <a:fld id="{EE9380F1-92BF-43D4-919C-7EA887BF5020}" type="slidenum">
+              <a:rPr lang="en-US" smtClean="0"/>
+              <a:t>5</a:t>
+            </a:fld>
+            <a:endParaRPr lang="en-US"/>
+          </a:p>
+        </p:txBody>
+      </p:sp>
+    </p:spTree>
+    <p:extLst>
+      <p:ext uri="{BB962C8B-B14F-4D97-AF65-F5344CB8AC3E}">
+        <p14:creationId xmlns:p14="http://schemas.microsoft.com/office/powerpoint/2010/main" val="26678412"/>
+      </p:ext>
+    </p:extLst>
+  </p:cSld>
+  <p:clrMapOvr>
+    <a:masterClrMapping/>
+  </p:clrMapOvr>
+</p:notes>
+</file>
+
+<file path=ppt/notesSlides/notesSlide3.xml><?xml version="1.0" encoding="utf-8"?>
+<p:notes xmlns:a="http://schemas.openxmlformats.org/drawingml/2006/main" xmlns:r="http://schemas.openxmlformats.org/officeDocument/2006/relationships" xmlns:p="http://schemas.openxmlformats.org/presentationml/2006/main">
+  <p:cSld>
+    <p:spTree>
+      <p:nvGrpSpPr>
+        <p:cNvPr id="1" name=""/>
+        <p:cNvGrpSpPr/>
+        <p:nvPr/>
+      </p:nvGrpSpPr>
+      <p:grpSpPr>
+        <a:xfrm>
+          <a:off x="0" y="0"/>
+          <a:ext cx="0" cy="0"/>
+          <a:chOff x="0" y="0"/>
+          <a:chExt cx="0" cy="0"/>
+        </a:xfrm>
+      </p:grpSpPr>
+      <p:sp>
+        <p:nvSpPr>
+          <p:cNvPr id="2" name="Slide Image Placeholder 1"/>
+          <p:cNvSpPr>
+            <a:spLocks noGrp="1" noRot="1" noChangeAspect="1"/>
+          </p:cNvSpPr>
+          <p:nvPr>
+            <p:ph type="sldImg"/>
+          </p:nvPr>
+        </p:nvSpPr>
+        <p:spPr/>
+      </p:sp>
+      <p:sp>
+        <p:nvSpPr>
+          <p:cNvPr id="3" name="Notes Placeholder 2"/>
+          <p:cNvSpPr>
+            <a:spLocks noGrp="1"/>
+          </p:cNvSpPr>
+          <p:nvPr>
+            <p:ph type="body" idx="1"/>
+          </p:nvPr>
+        </p:nvSpPr>
+        <p:spPr/>
+        <p:txBody>
+          <a:bodyPr/>
+          <a:lstStyle/>
+          <a:p>
+            <a:r>
+              <a:rPr lang="en-US" dirty="0" smtClean="0"/>
+              <a:t>quartiles(2)+-1.57*IQR/</a:t>
+            </a:r>
+            <a:r>
+              <a:rPr lang="en-US" dirty="0" err="1" smtClean="0"/>
+              <a:t>sqrt</a:t>
+            </a:r>
+            <a:r>
+              <a:rPr lang="en-US" dirty="0" smtClean="0"/>
+              <a:t>(length(data))</a:t>
+            </a:r>
+            <a:endParaRPr lang="en-US" dirty="0"/>
+          </a:p>
+        </p:txBody>
+      </p:sp>
+      <p:sp>
+        <p:nvSpPr>
+          <p:cNvPr id="4" name="Slide Number Placeholder 3"/>
+          <p:cNvSpPr>
+            <a:spLocks noGrp="1"/>
+          </p:cNvSpPr>
+          <p:nvPr>
+            <p:ph type="sldNum" sz="quarter" idx="10"/>
+          </p:nvPr>
+        </p:nvSpPr>
+        <p:spPr/>
+        <p:txBody>
+          <a:bodyPr/>
+          <a:lstStyle/>
+          <a:p>
+            <a:fld id="{AFEDE529-6FF5-4665-94A8-BAA13FCD32B5}" type="slidenum">
+              <a:rPr lang="en-US" smtClean="0"/>
+              <a:t>7</a:t>
+            </a:fld>
+            <a:endParaRPr lang="en-US"/>
+          </a:p>
+        </p:txBody>
+      </p:sp>
+    </p:spTree>
+    <p:extLst>
+      <p:ext uri="{BB962C8B-B14F-4D97-AF65-F5344CB8AC3E}">
+        <p14:creationId xmlns:p14="http://schemas.microsoft.com/office/powerpoint/2010/main" val="3216197670"/>
+      </p:ext>
+    </p:extLst>
+  </p:cSld>
+  <p:clrMapOvr>
+    <a:masterClrMapping/>
+  </p:clrMapOvr>
+</p:notes>
+</file>
+
+<file path=ppt/notesSlides/notesSlide4.xml><?xml version="1.0" encoding="utf-8"?>
+<p:notes xmlns:a="http://schemas.openxmlformats.org/drawingml/2006/main" xmlns:r="http://schemas.openxmlformats.org/officeDocument/2006/relationships" xmlns:p="http://schemas.openxmlformats.org/presentationml/2006/main">
+  <p:cSld>
+    <p:spTree>
+      <p:nvGrpSpPr>
+        <p:cNvPr id="1" name=""/>
+        <p:cNvGrpSpPr/>
+        <p:nvPr/>
+      </p:nvGrpSpPr>
+      <p:grpSpPr>
+        <a:xfrm>
+          <a:off x="0" y="0"/>
+          <a:ext cx="0" cy="0"/>
+          <a:chOff x="0" y="0"/>
+          <a:chExt cx="0" cy="0"/>
+        </a:xfrm>
+      </p:grpSpPr>
+      <p:sp>
+        <p:nvSpPr>
+          <p:cNvPr id="2" name="Slide Image Placeholder 1"/>
+          <p:cNvSpPr>
+            <a:spLocks noGrp="1" noRot="1" noChangeAspect="1"/>
+          </p:cNvSpPr>
+          <p:nvPr>
+            <p:ph type="sldImg"/>
+          </p:nvPr>
+        </p:nvSpPr>
+        <p:spPr/>
+      </p:sp>
+      <p:sp>
+        <p:nvSpPr>
+          <p:cNvPr id="3" name="Notes Placeholder 2"/>
+          <p:cNvSpPr>
+            <a:spLocks noGrp="1"/>
+          </p:cNvSpPr>
+          <p:nvPr>
+            <p:ph type="body" idx="1"/>
+          </p:nvPr>
+        </p:nvSpPr>
+        <p:spPr/>
+        <p:txBody>
+          <a:bodyPr/>
+          <a:lstStyle/>
+          <a:p>
+            <a:endParaRPr lang="en-US" dirty="0"/>
+          </a:p>
+        </p:txBody>
+      </p:sp>
+      <p:sp>
+        <p:nvSpPr>
+          <p:cNvPr id="4" name="Slide Number Placeholder 3"/>
+          <p:cNvSpPr>
+            <a:spLocks noGrp="1"/>
+          </p:cNvSpPr>
+          <p:nvPr>
+            <p:ph type="sldNum" sz="quarter" idx="10"/>
+          </p:nvPr>
+        </p:nvSpPr>
+        <p:spPr/>
+        <p:txBody>
+          <a:bodyPr/>
+          <a:lstStyle/>
+          <a:p>
+            <a:fld id="{AFEDE529-6FF5-4665-94A8-BAA13FCD32B5}" type="slidenum">
+              <a:rPr lang="en-US" smtClean="0"/>
+              <a:t>8</a:t>
+            </a:fld>
+            <a:endParaRPr lang="en-US"/>
+          </a:p>
+        </p:txBody>
+      </p:sp>
+    </p:spTree>
+    <p:extLst>
+      <p:ext uri="{BB962C8B-B14F-4D97-AF65-F5344CB8AC3E}">
+        <p14:creationId xmlns:p14="http://schemas.microsoft.com/office/powerpoint/2010/main" val="2802543467"/>
+      </p:ext>
+    </p:extLst>
+  </p:cSld>
+  <p:clrMapOvr>
+    <a:masterClrMapping/>
+  </p:clrMapOvr>
+</p:notes>
+</file>
+
 <file path=ppt/slideLayouts/slideLayout1.xml><?xml version="1.0" encoding="utf-8"?>
 <p:sldLayout xmlns:a="http://schemas.openxmlformats.org/drawingml/2006/main" xmlns:r="http://schemas.openxmlformats.org/officeDocument/2006/relationships" xmlns:p="http://schemas.openxmlformats.org/presentationml/2006/main" type="title" preserve="1">
   <p:cSld name="Title Slide">
@@ -155,7 +875,7 @@
           <p:cNvPr id="2" name="Title 1">
             <a:extLst>
               <a:ext uri="{FF2B5EF4-FFF2-40B4-BE49-F238E27FC236}">
-                <a16:creationId xmlns:a16="http://schemas.microsoft.com/office/drawing/2014/main" id="{A7CE5BBC-8679-4CAB-ADA3-E82FD780B073}"/>
+                <a16:creationId xmlns:a16="http://schemas.microsoft.com/office/drawing/2014/main" xmlns="" id="{A7CE5BBC-8679-4CAB-ADA3-E82FD780B073}"/>
               </a:ext>
             </a:extLst>
           </p:cNvPr>
@@ -192,7 +912,7 @@
           <p:cNvPr id="3" name="Subtitle 2">
             <a:extLst>
               <a:ext uri="{FF2B5EF4-FFF2-40B4-BE49-F238E27FC236}">
-                <a16:creationId xmlns:a16="http://schemas.microsoft.com/office/drawing/2014/main" id="{8A423BA8-8C29-4C64-AD10-1959DBE1ADB1}"/>
+                <a16:creationId xmlns:a16="http://schemas.microsoft.com/office/drawing/2014/main" xmlns="" id="{8A423BA8-8C29-4C64-AD10-1959DBE1ADB1}"/>
               </a:ext>
             </a:extLst>
           </p:cNvPr>
@@ -262,7 +982,7 @@
           <p:cNvPr id="4" name="Date Placeholder 3">
             <a:extLst>
               <a:ext uri="{FF2B5EF4-FFF2-40B4-BE49-F238E27FC236}">
-                <a16:creationId xmlns:a16="http://schemas.microsoft.com/office/drawing/2014/main" id="{44E87AA2-F5E5-4930-9BE3-CC05B3AF118D}"/>
+                <a16:creationId xmlns:a16="http://schemas.microsoft.com/office/drawing/2014/main" xmlns="" id="{44E87AA2-F5E5-4930-9BE3-CC05B3AF118D}"/>
               </a:ext>
             </a:extLst>
           </p:cNvPr>
@@ -291,7 +1011,7 @@
           <p:cNvPr id="5" name="Footer Placeholder 4">
             <a:extLst>
               <a:ext uri="{FF2B5EF4-FFF2-40B4-BE49-F238E27FC236}">
-                <a16:creationId xmlns:a16="http://schemas.microsoft.com/office/drawing/2014/main" id="{60A6912B-0169-4CC0-9784-AEE7032A7A7C}"/>
+                <a16:creationId xmlns:a16="http://schemas.microsoft.com/office/drawing/2014/main" xmlns="" id="{60A6912B-0169-4CC0-9784-AEE7032A7A7C}"/>
               </a:ext>
             </a:extLst>
           </p:cNvPr>
@@ -316,7 +1036,7 @@
           <p:cNvPr id="6" name="Slide Number Placeholder 5">
             <a:extLst>
               <a:ext uri="{FF2B5EF4-FFF2-40B4-BE49-F238E27FC236}">
-                <a16:creationId xmlns:a16="http://schemas.microsoft.com/office/drawing/2014/main" id="{F483307B-F85F-4006-B81E-CDAB23DCFF2F}"/>
+                <a16:creationId xmlns:a16="http://schemas.microsoft.com/office/drawing/2014/main" xmlns="" id="{F483307B-F85F-4006-B81E-CDAB23DCFF2F}"/>
               </a:ext>
             </a:extLst>
           </p:cNvPr>
@@ -375,7 +1095,7 @@
           <p:cNvPr id="2" name="Title 1">
             <a:extLst>
               <a:ext uri="{FF2B5EF4-FFF2-40B4-BE49-F238E27FC236}">
-                <a16:creationId xmlns:a16="http://schemas.microsoft.com/office/drawing/2014/main" id="{C68634BF-6FC9-4C39-8871-9B4AD20A53D6}"/>
+                <a16:creationId xmlns:a16="http://schemas.microsoft.com/office/drawing/2014/main" xmlns="" id="{C68634BF-6FC9-4C39-8871-9B4AD20A53D6}"/>
               </a:ext>
             </a:extLst>
           </p:cNvPr>
@@ -403,7 +1123,7 @@
           <p:cNvPr id="3" name="Vertical Text Placeholder 2">
             <a:extLst>
               <a:ext uri="{FF2B5EF4-FFF2-40B4-BE49-F238E27FC236}">
-                <a16:creationId xmlns:a16="http://schemas.microsoft.com/office/drawing/2014/main" id="{9EDB868B-9AF3-4DB1-8398-BAA8C081147D}"/>
+                <a16:creationId xmlns:a16="http://schemas.microsoft.com/office/drawing/2014/main" xmlns="" id="{9EDB868B-9AF3-4DB1-8398-BAA8C081147D}"/>
               </a:ext>
             </a:extLst>
           </p:cNvPr>
@@ -460,7 +1180,7 @@
           <p:cNvPr id="4" name="Date Placeholder 3">
             <a:extLst>
               <a:ext uri="{FF2B5EF4-FFF2-40B4-BE49-F238E27FC236}">
-                <a16:creationId xmlns:a16="http://schemas.microsoft.com/office/drawing/2014/main" id="{FAEAF1E5-24EE-4519-A844-EC9AA6F448BE}"/>
+                <a16:creationId xmlns:a16="http://schemas.microsoft.com/office/drawing/2014/main" xmlns="" id="{FAEAF1E5-24EE-4519-A844-EC9AA6F448BE}"/>
               </a:ext>
             </a:extLst>
           </p:cNvPr>
@@ -489,7 +1209,7 @@
           <p:cNvPr id="5" name="Footer Placeholder 4">
             <a:extLst>
               <a:ext uri="{FF2B5EF4-FFF2-40B4-BE49-F238E27FC236}">
-                <a16:creationId xmlns:a16="http://schemas.microsoft.com/office/drawing/2014/main" id="{D8881E09-021C-472B-AF26-9A4EF6B7B4DC}"/>
+                <a16:creationId xmlns:a16="http://schemas.microsoft.com/office/drawing/2014/main" xmlns="" id="{D8881E09-021C-472B-AF26-9A4EF6B7B4DC}"/>
               </a:ext>
             </a:extLst>
           </p:cNvPr>
@@ -514,7 +1234,7 @@
           <p:cNvPr id="6" name="Slide Number Placeholder 5">
             <a:extLst>
               <a:ext uri="{FF2B5EF4-FFF2-40B4-BE49-F238E27FC236}">
-                <a16:creationId xmlns:a16="http://schemas.microsoft.com/office/drawing/2014/main" id="{14CBEC48-7435-4ADF-8A88-52134D478303}"/>
+                <a16:creationId xmlns:a16="http://schemas.microsoft.com/office/drawing/2014/main" xmlns="" id="{14CBEC48-7435-4ADF-8A88-52134D478303}"/>
               </a:ext>
             </a:extLst>
           </p:cNvPr>
@@ -573,7 +1293,7 @@
           <p:cNvPr id="2" name="Vertical Title 1">
             <a:extLst>
               <a:ext uri="{FF2B5EF4-FFF2-40B4-BE49-F238E27FC236}">
-                <a16:creationId xmlns:a16="http://schemas.microsoft.com/office/drawing/2014/main" id="{196A7924-95E1-4016-B152-3DC640AF0444}"/>
+                <a16:creationId xmlns:a16="http://schemas.microsoft.com/office/drawing/2014/main" xmlns="" id="{196A7924-95E1-4016-B152-3DC640AF0444}"/>
               </a:ext>
             </a:extLst>
           </p:cNvPr>
@@ -606,7 +1326,7 @@
           <p:cNvPr id="3" name="Vertical Text Placeholder 2">
             <a:extLst>
               <a:ext uri="{FF2B5EF4-FFF2-40B4-BE49-F238E27FC236}">
-                <a16:creationId xmlns:a16="http://schemas.microsoft.com/office/drawing/2014/main" id="{243EA662-18D2-46B8-A31B-0B5C15889802}"/>
+                <a16:creationId xmlns:a16="http://schemas.microsoft.com/office/drawing/2014/main" xmlns="" id="{243EA662-18D2-46B8-A31B-0B5C15889802}"/>
               </a:ext>
             </a:extLst>
           </p:cNvPr>
@@ -668,7 +1388,7 @@
           <p:cNvPr id="4" name="Date Placeholder 3">
             <a:extLst>
               <a:ext uri="{FF2B5EF4-FFF2-40B4-BE49-F238E27FC236}">
-                <a16:creationId xmlns:a16="http://schemas.microsoft.com/office/drawing/2014/main" id="{A678274F-956F-49E8-A272-7AB252B50042}"/>
+                <a16:creationId xmlns:a16="http://schemas.microsoft.com/office/drawing/2014/main" xmlns="" id="{A678274F-956F-49E8-A272-7AB252B50042}"/>
               </a:ext>
             </a:extLst>
           </p:cNvPr>
@@ -697,7 +1417,7 @@
           <p:cNvPr id="5" name="Footer Placeholder 4">
             <a:extLst>
               <a:ext uri="{FF2B5EF4-FFF2-40B4-BE49-F238E27FC236}">
-                <a16:creationId xmlns:a16="http://schemas.microsoft.com/office/drawing/2014/main" id="{F01C5228-1BC4-49A5-A77B-EE901A3A5B60}"/>
+                <a16:creationId xmlns:a16="http://schemas.microsoft.com/office/drawing/2014/main" xmlns="" id="{F01C5228-1BC4-49A5-A77B-EE901A3A5B60}"/>
               </a:ext>
             </a:extLst>
           </p:cNvPr>
@@ -722,7 +1442,7 @@
           <p:cNvPr id="6" name="Slide Number Placeholder 5">
             <a:extLst>
               <a:ext uri="{FF2B5EF4-FFF2-40B4-BE49-F238E27FC236}">
-                <a16:creationId xmlns:a16="http://schemas.microsoft.com/office/drawing/2014/main" id="{9907DE84-88DE-4091-8471-A95709D81DCB}"/>
+                <a16:creationId xmlns:a16="http://schemas.microsoft.com/office/drawing/2014/main" xmlns="" id="{9907DE84-88DE-4091-8471-A95709D81DCB}"/>
               </a:ext>
             </a:extLst>
           </p:cNvPr>
@@ -781,7 +1501,7 @@
           <p:cNvPr id="2" name="Title 1">
             <a:extLst>
               <a:ext uri="{FF2B5EF4-FFF2-40B4-BE49-F238E27FC236}">
-                <a16:creationId xmlns:a16="http://schemas.microsoft.com/office/drawing/2014/main" id="{4C6EAACD-AC22-4E4D-92C6-9D8ACD362D12}"/>
+                <a16:creationId xmlns:a16="http://schemas.microsoft.com/office/drawing/2014/main" xmlns="" id="{4C6EAACD-AC22-4E4D-92C6-9D8ACD362D12}"/>
               </a:ext>
             </a:extLst>
           </p:cNvPr>
@@ -809,7 +1529,7 @@
           <p:cNvPr id="3" name="Content Placeholder 2">
             <a:extLst>
               <a:ext uri="{FF2B5EF4-FFF2-40B4-BE49-F238E27FC236}">
-                <a16:creationId xmlns:a16="http://schemas.microsoft.com/office/drawing/2014/main" id="{B995CC02-3DAA-4FDB-A858-C849CABED160}"/>
+                <a16:creationId xmlns:a16="http://schemas.microsoft.com/office/drawing/2014/main" xmlns="" id="{B995CC02-3DAA-4FDB-A858-C849CABED160}"/>
               </a:ext>
             </a:extLst>
           </p:cNvPr>
@@ -866,7 +1586,7 @@
           <p:cNvPr id="4" name="Date Placeholder 3">
             <a:extLst>
               <a:ext uri="{FF2B5EF4-FFF2-40B4-BE49-F238E27FC236}">
-                <a16:creationId xmlns:a16="http://schemas.microsoft.com/office/drawing/2014/main" id="{942CE80B-9298-4E75-AAF1-6A242C0701E5}"/>
+                <a16:creationId xmlns:a16="http://schemas.microsoft.com/office/drawing/2014/main" xmlns="" id="{942CE80B-9298-4E75-AAF1-6A242C0701E5}"/>
               </a:ext>
             </a:extLst>
           </p:cNvPr>
@@ -895,7 +1615,7 @@
           <p:cNvPr id="5" name="Footer Placeholder 4">
             <a:extLst>
               <a:ext uri="{FF2B5EF4-FFF2-40B4-BE49-F238E27FC236}">
-                <a16:creationId xmlns:a16="http://schemas.microsoft.com/office/drawing/2014/main" id="{9F069C18-FF55-4F5A-90C6-76400473B248}"/>
+                <a16:creationId xmlns:a16="http://schemas.microsoft.com/office/drawing/2014/main" xmlns="" id="{9F069C18-FF55-4F5A-90C6-76400473B248}"/>
               </a:ext>
             </a:extLst>
           </p:cNvPr>
@@ -920,7 +1640,7 @@
           <p:cNvPr id="6" name="Slide Number Placeholder 5">
             <a:extLst>
               <a:ext uri="{FF2B5EF4-FFF2-40B4-BE49-F238E27FC236}">
-                <a16:creationId xmlns:a16="http://schemas.microsoft.com/office/drawing/2014/main" id="{A23C462A-778B-4E12-8B75-4C13FF489E10}"/>
+                <a16:creationId xmlns:a16="http://schemas.microsoft.com/office/drawing/2014/main" xmlns="" id="{A23C462A-778B-4E12-8B75-4C13FF489E10}"/>
               </a:ext>
             </a:extLst>
           </p:cNvPr>
@@ -979,7 +1699,7 @@
           <p:cNvPr id="2" name="Title 1">
             <a:extLst>
               <a:ext uri="{FF2B5EF4-FFF2-40B4-BE49-F238E27FC236}">
-                <a16:creationId xmlns:a16="http://schemas.microsoft.com/office/drawing/2014/main" id="{C21AB03A-5163-4DB5-BACE-7BD77DEE5569}"/>
+                <a16:creationId xmlns:a16="http://schemas.microsoft.com/office/drawing/2014/main" xmlns="" id="{C21AB03A-5163-4DB5-BACE-7BD77DEE5569}"/>
               </a:ext>
             </a:extLst>
           </p:cNvPr>
@@ -1016,7 +1736,7 @@
           <p:cNvPr id="3" name="Text Placeholder 2">
             <a:extLst>
               <a:ext uri="{FF2B5EF4-FFF2-40B4-BE49-F238E27FC236}">
-                <a16:creationId xmlns:a16="http://schemas.microsoft.com/office/drawing/2014/main" id="{9BB9DE6B-B594-42E2-AE30-81693CBFFB5D}"/>
+                <a16:creationId xmlns:a16="http://schemas.microsoft.com/office/drawing/2014/main" xmlns="" id="{9BB9DE6B-B594-42E2-AE30-81693CBFFB5D}"/>
               </a:ext>
             </a:extLst>
           </p:cNvPr>
@@ -1141,7 +1861,7 @@
           <p:cNvPr id="4" name="Date Placeholder 3">
             <a:extLst>
               <a:ext uri="{FF2B5EF4-FFF2-40B4-BE49-F238E27FC236}">
-                <a16:creationId xmlns:a16="http://schemas.microsoft.com/office/drawing/2014/main" id="{DD988C1A-6AD0-4567-82A4-4900F87F74C1}"/>
+                <a16:creationId xmlns:a16="http://schemas.microsoft.com/office/drawing/2014/main" xmlns="" id="{DD988C1A-6AD0-4567-82A4-4900F87F74C1}"/>
               </a:ext>
             </a:extLst>
           </p:cNvPr>
@@ -1170,7 +1890,7 @@
           <p:cNvPr id="5" name="Footer Placeholder 4">
             <a:extLst>
               <a:ext uri="{FF2B5EF4-FFF2-40B4-BE49-F238E27FC236}">
-                <a16:creationId xmlns:a16="http://schemas.microsoft.com/office/drawing/2014/main" id="{2B5337A4-4F51-4DF4-AD0F-71F5A11AE5B3}"/>
+                <a16:creationId xmlns:a16="http://schemas.microsoft.com/office/drawing/2014/main" xmlns="" id="{2B5337A4-4F51-4DF4-AD0F-71F5A11AE5B3}"/>
               </a:ext>
             </a:extLst>
           </p:cNvPr>
@@ -1195,7 +1915,7 @@
           <p:cNvPr id="6" name="Slide Number Placeholder 5">
             <a:extLst>
               <a:ext uri="{FF2B5EF4-FFF2-40B4-BE49-F238E27FC236}">
-                <a16:creationId xmlns:a16="http://schemas.microsoft.com/office/drawing/2014/main" id="{23DFB646-4790-41FE-8982-E6D240B24875}"/>
+                <a16:creationId xmlns:a16="http://schemas.microsoft.com/office/drawing/2014/main" xmlns="" id="{23DFB646-4790-41FE-8982-E6D240B24875}"/>
               </a:ext>
             </a:extLst>
           </p:cNvPr>
@@ -1254,7 +1974,7 @@
           <p:cNvPr id="2" name="Title 1">
             <a:extLst>
               <a:ext uri="{FF2B5EF4-FFF2-40B4-BE49-F238E27FC236}">
-                <a16:creationId xmlns:a16="http://schemas.microsoft.com/office/drawing/2014/main" id="{DF6DFC26-8597-4C51-A46D-AF7DEB51A19B}"/>
+                <a16:creationId xmlns:a16="http://schemas.microsoft.com/office/drawing/2014/main" xmlns="" id="{DF6DFC26-8597-4C51-A46D-AF7DEB51A19B}"/>
               </a:ext>
             </a:extLst>
           </p:cNvPr>
@@ -1282,7 +2002,7 @@
           <p:cNvPr id="3" name="Content Placeholder 2">
             <a:extLst>
               <a:ext uri="{FF2B5EF4-FFF2-40B4-BE49-F238E27FC236}">
-                <a16:creationId xmlns:a16="http://schemas.microsoft.com/office/drawing/2014/main" id="{37CDE896-C6A8-4479-B467-9A0EF68EF31A}"/>
+                <a16:creationId xmlns:a16="http://schemas.microsoft.com/office/drawing/2014/main" xmlns="" id="{37CDE896-C6A8-4479-B467-9A0EF68EF31A}"/>
               </a:ext>
             </a:extLst>
           </p:cNvPr>
@@ -1344,7 +2064,7 @@
           <p:cNvPr id="4" name="Content Placeholder 3">
             <a:extLst>
               <a:ext uri="{FF2B5EF4-FFF2-40B4-BE49-F238E27FC236}">
-                <a16:creationId xmlns:a16="http://schemas.microsoft.com/office/drawing/2014/main" id="{0E314CA3-D4D8-4BD4-9CE5-BA07A11FEA07}"/>
+                <a16:creationId xmlns:a16="http://schemas.microsoft.com/office/drawing/2014/main" xmlns="" id="{0E314CA3-D4D8-4BD4-9CE5-BA07A11FEA07}"/>
               </a:ext>
             </a:extLst>
           </p:cNvPr>
@@ -1406,7 +2126,7 @@
           <p:cNvPr id="5" name="Date Placeholder 4">
             <a:extLst>
               <a:ext uri="{FF2B5EF4-FFF2-40B4-BE49-F238E27FC236}">
-                <a16:creationId xmlns:a16="http://schemas.microsoft.com/office/drawing/2014/main" id="{3825C7E1-B72E-47B7-B24D-609059B4DA5A}"/>
+                <a16:creationId xmlns:a16="http://schemas.microsoft.com/office/drawing/2014/main" xmlns="" id="{3825C7E1-B72E-47B7-B24D-609059B4DA5A}"/>
               </a:ext>
             </a:extLst>
           </p:cNvPr>
@@ -1435,7 +2155,7 @@
           <p:cNvPr id="6" name="Footer Placeholder 5">
             <a:extLst>
               <a:ext uri="{FF2B5EF4-FFF2-40B4-BE49-F238E27FC236}">
-                <a16:creationId xmlns:a16="http://schemas.microsoft.com/office/drawing/2014/main" id="{3E87C878-6957-4EDF-B126-BEB3FE72AAF5}"/>
+                <a16:creationId xmlns:a16="http://schemas.microsoft.com/office/drawing/2014/main" xmlns="" id="{3E87C878-6957-4EDF-B126-BEB3FE72AAF5}"/>
               </a:ext>
             </a:extLst>
           </p:cNvPr>
@@ -1460,7 +2180,7 @@
           <p:cNvPr id="7" name="Slide Number Placeholder 6">
             <a:extLst>
               <a:ext uri="{FF2B5EF4-FFF2-40B4-BE49-F238E27FC236}">
-                <a16:creationId xmlns:a16="http://schemas.microsoft.com/office/drawing/2014/main" id="{95D8BCF6-DDBE-4490-92D2-63CBDC546A9F}"/>
+                <a16:creationId xmlns:a16="http://schemas.microsoft.com/office/drawing/2014/main" xmlns="" id="{95D8BCF6-DDBE-4490-92D2-63CBDC546A9F}"/>
               </a:ext>
             </a:extLst>
           </p:cNvPr>
@@ -1519,7 +2239,7 @@
           <p:cNvPr id="2" name="Title 1">
             <a:extLst>
               <a:ext uri="{FF2B5EF4-FFF2-40B4-BE49-F238E27FC236}">
-                <a16:creationId xmlns:a16="http://schemas.microsoft.com/office/drawing/2014/main" id="{3033022A-6DAE-4ADD-A989-4CB40E72D65B}"/>
+                <a16:creationId xmlns:a16="http://schemas.microsoft.com/office/drawing/2014/main" xmlns="" id="{3033022A-6DAE-4ADD-A989-4CB40E72D65B}"/>
               </a:ext>
             </a:extLst>
           </p:cNvPr>
@@ -1552,7 +2272,7 @@
           <p:cNvPr id="3" name="Text Placeholder 2">
             <a:extLst>
               <a:ext uri="{FF2B5EF4-FFF2-40B4-BE49-F238E27FC236}">
-                <a16:creationId xmlns:a16="http://schemas.microsoft.com/office/drawing/2014/main" id="{7090BFD6-1D2B-4F3B-BD02-B2E958E41E8A}"/>
+                <a16:creationId xmlns:a16="http://schemas.microsoft.com/office/drawing/2014/main" xmlns="" id="{7090BFD6-1D2B-4F3B-BD02-B2E958E41E8A}"/>
               </a:ext>
             </a:extLst>
           </p:cNvPr>
@@ -1623,7 +2343,7 @@
           <p:cNvPr id="4" name="Content Placeholder 3">
             <a:extLst>
               <a:ext uri="{FF2B5EF4-FFF2-40B4-BE49-F238E27FC236}">
-                <a16:creationId xmlns:a16="http://schemas.microsoft.com/office/drawing/2014/main" id="{8EE1DCFD-A632-4D46-82CF-8027FDBB3090}"/>
+                <a16:creationId xmlns:a16="http://schemas.microsoft.com/office/drawing/2014/main" xmlns="" id="{8EE1DCFD-A632-4D46-82CF-8027FDBB3090}"/>
               </a:ext>
             </a:extLst>
           </p:cNvPr>
@@ -1685,7 +2405,7 @@
           <p:cNvPr id="5" name="Text Placeholder 4">
             <a:extLst>
               <a:ext uri="{FF2B5EF4-FFF2-40B4-BE49-F238E27FC236}">
-                <a16:creationId xmlns:a16="http://schemas.microsoft.com/office/drawing/2014/main" id="{33CCC86D-ADE8-4EB1-A070-AFF7D6FAFDBF}"/>
+                <a16:creationId xmlns:a16="http://schemas.microsoft.com/office/drawing/2014/main" xmlns="" id="{33CCC86D-ADE8-4EB1-A070-AFF7D6FAFDBF}"/>
               </a:ext>
             </a:extLst>
           </p:cNvPr>
@@ -1756,7 +2476,7 @@
           <p:cNvPr id="6" name="Content Placeholder 5">
             <a:extLst>
               <a:ext uri="{FF2B5EF4-FFF2-40B4-BE49-F238E27FC236}">
-                <a16:creationId xmlns:a16="http://schemas.microsoft.com/office/drawing/2014/main" id="{25BD03A3-BBA4-492D-A3D6-9F610EAD7348}"/>
+                <a16:creationId xmlns:a16="http://schemas.microsoft.com/office/drawing/2014/main" xmlns="" id="{25BD03A3-BBA4-492D-A3D6-9F610EAD7348}"/>
               </a:ext>
             </a:extLst>
           </p:cNvPr>
@@ -1818,7 +2538,7 @@
           <p:cNvPr id="7" name="Date Placeholder 6">
             <a:extLst>
               <a:ext uri="{FF2B5EF4-FFF2-40B4-BE49-F238E27FC236}">
-                <a16:creationId xmlns:a16="http://schemas.microsoft.com/office/drawing/2014/main" id="{264C47B5-8D83-49A3-A157-B336F5830E5F}"/>
+                <a16:creationId xmlns:a16="http://schemas.microsoft.com/office/drawing/2014/main" xmlns="" id="{264C47B5-8D83-49A3-A157-B336F5830E5F}"/>
               </a:ext>
             </a:extLst>
           </p:cNvPr>
@@ -1847,7 +2567,7 @@
           <p:cNvPr id="8" name="Footer Placeholder 7">
             <a:extLst>
               <a:ext uri="{FF2B5EF4-FFF2-40B4-BE49-F238E27FC236}">
-                <a16:creationId xmlns:a16="http://schemas.microsoft.com/office/drawing/2014/main" id="{D5FFE58A-7B02-4CDB-B365-7B4F94813F47}"/>
+                <a16:creationId xmlns:a16="http://schemas.microsoft.com/office/drawing/2014/main" xmlns="" id="{D5FFE58A-7B02-4CDB-B365-7B4F94813F47}"/>
               </a:ext>
             </a:extLst>
           </p:cNvPr>
@@ -1872,7 +2592,7 @@
           <p:cNvPr id="9" name="Slide Number Placeholder 8">
             <a:extLst>
               <a:ext uri="{FF2B5EF4-FFF2-40B4-BE49-F238E27FC236}">
-                <a16:creationId xmlns:a16="http://schemas.microsoft.com/office/drawing/2014/main" id="{B8BE2945-1ACD-4EA5-BDB1-B692C475DAFD}"/>
+                <a16:creationId xmlns:a16="http://schemas.microsoft.com/office/drawing/2014/main" xmlns="" id="{B8BE2945-1ACD-4EA5-BDB1-B692C475DAFD}"/>
               </a:ext>
             </a:extLst>
           </p:cNvPr>
@@ -1931,7 +2651,7 @@
           <p:cNvPr id="2" name="Title 1">
             <a:extLst>
               <a:ext uri="{FF2B5EF4-FFF2-40B4-BE49-F238E27FC236}">
-                <a16:creationId xmlns:a16="http://schemas.microsoft.com/office/drawing/2014/main" id="{2C484472-5283-4757-A32A-8097260A3988}"/>
+                <a16:creationId xmlns:a16="http://schemas.microsoft.com/office/drawing/2014/main" xmlns="" id="{2C484472-5283-4757-A32A-8097260A3988}"/>
               </a:ext>
             </a:extLst>
           </p:cNvPr>
@@ -1959,7 +2679,7 @@
           <p:cNvPr id="3" name="Date Placeholder 2">
             <a:extLst>
               <a:ext uri="{FF2B5EF4-FFF2-40B4-BE49-F238E27FC236}">
-                <a16:creationId xmlns:a16="http://schemas.microsoft.com/office/drawing/2014/main" id="{94CB462C-3820-4073-99E3-A207C18FE9D7}"/>
+                <a16:creationId xmlns:a16="http://schemas.microsoft.com/office/drawing/2014/main" xmlns="" id="{94CB462C-3820-4073-99E3-A207C18FE9D7}"/>
               </a:ext>
             </a:extLst>
           </p:cNvPr>
@@ -1988,7 +2708,7 @@
           <p:cNvPr id="4" name="Footer Placeholder 3">
             <a:extLst>
               <a:ext uri="{FF2B5EF4-FFF2-40B4-BE49-F238E27FC236}">
-                <a16:creationId xmlns:a16="http://schemas.microsoft.com/office/drawing/2014/main" id="{1A25B9C8-21EE-4307-A932-02079C96F9FE}"/>
+                <a16:creationId xmlns:a16="http://schemas.microsoft.com/office/drawing/2014/main" xmlns="" id="{1A25B9C8-21EE-4307-A932-02079C96F9FE}"/>
               </a:ext>
             </a:extLst>
           </p:cNvPr>
@@ -2013,7 +2733,7 @@
           <p:cNvPr id="5" name="Slide Number Placeholder 4">
             <a:extLst>
               <a:ext uri="{FF2B5EF4-FFF2-40B4-BE49-F238E27FC236}">
-                <a16:creationId xmlns:a16="http://schemas.microsoft.com/office/drawing/2014/main" id="{C826FA60-9BF0-440B-8344-4D259393FE7F}"/>
+                <a16:creationId xmlns:a16="http://schemas.microsoft.com/office/drawing/2014/main" xmlns="" id="{C826FA60-9BF0-440B-8344-4D259393FE7F}"/>
               </a:ext>
             </a:extLst>
           </p:cNvPr>
@@ -2072,7 +2792,7 @@
           <p:cNvPr id="2" name="Date Placeholder 1">
             <a:extLst>
               <a:ext uri="{FF2B5EF4-FFF2-40B4-BE49-F238E27FC236}">
-                <a16:creationId xmlns:a16="http://schemas.microsoft.com/office/drawing/2014/main" id="{F7B9CD3C-573E-4184-BAAC-5D6B25B06EE2}"/>
+                <a16:creationId xmlns:a16="http://schemas.microsoft.com/office/drawing/2014/main" xmlns="" id="{F7B9CD3C-573E-4184-BAAC-5D6B25B06EE2}"/>
               </a:ext>
             </a:extLst>
           </p:cNvPr>
@@ -2101,7 +2821,7 @@
           <p:cNvPr id="3" name="Footer Placeholder 2">
             <a:extLst>
               <a:ext uri="{FF2B5EF4-FFF2-40B4-BE49-F238E27FC236}">
-                <a16:creationId xmlns:a16="http://schemas.microsoft.com/office/drawing/2014/main" id="{7703D78E-02FF-4530-8C2C-EB3FB9553415}"/>
+                <a16:creationId xmlns:a16="http://schemas.microsoft.com/office/drawing/2014/main" xmlns="" id="{7703D78E-02FF-4530-8C2C-EB3FB9553415}"/>
               </a:ext>
             </a:extLst>
           </p:cNvPr>
@@ -2126,7 +2846,7 @@
           <p:cNvPr id="4" name="Slide Number Placeholder 3">
             <a:extLst>
               <a:ext uri="{FF2B5EF4-FFF2-40B4-BE49-F238E27FC236}">
-                <a16:creationId xmlns:a16="http://schemas.microsoft.com/office/drawing/2014/main" id="{09E00EF9-6964-472E-9451-D32A18FA5631}"/>
+                <a16:creationId xmlns:a16="http://schemas.microsoft.com/office/drawing/2014/main" xmlns="" id="{09E00EF9-6964-472E-9451-D32A18FA5631}"/>
               </a:ext>
             </a:extLst>
           </p:cNvPr>
@@ -2185,7 +2905,7 @@
           <p:cNvPr id="2" name="Title 1">
             <a:extLst>
               <a:ext uri="{FF2B5EF4-FFF2-40B4-BE49-F238E27FC236}">
-                <a16:creationId xmlns:a16="http://schemas.microsoft.com/office/drawing/2014/main" id="{19CD81D7-629D-421E-9A84-E68E936F0B75}"/>
+                <a16:creationId xmlns:a16="http://schemas.microsoft.com/office/drawing/2014/main" xmlns="" id="{19CD81D7-629D-421E-9A84-E68E936F0B75}"/>
               </a:ext>
             </a:extLst>
           </p:cNvPr>
@@ -2222,7 +2942,7 @@
           <p:cNvPr id="3" name="Content Placeholder 2">
             <a:extLst>
               <a:ext uri="{FF2B5EF4-FFF2-40B4-BE49-F238E27FC236}">
-                <a16:creationId xmlns:a16="http://schemas.microsoft.com/office/drawing/2014/main" id="{045367A1-2AB2-4CAE-9CEB-806A9D9FBA53}"/>
+                <a16:creationId xmlns:a16="http://schemas.microsoft.com/office/drawing/2014/main" xmlns="" id="{045367A1-2AB2-4CAE-9CEB-806A9D9FBA53}"/>
               </a:ext>
             </a:extLst>
           </p:cNvPr>
@@ -2312,7 +3032,7 @@
           <p:cNvPr id="4" name="Text Placeholder 3">
             <a:extLst>
               <a:ext uri="{FF2B5EF4-FFF2-40B4-BE49-F238E27FC236}">
-                <a16:creationId xmlns:a16="http://schemas.microsoft.com/office/drawing/2014/main" id="{A0F97228-B34E-4449-8A2D-CF7AC215E5DE}"/>
+                <a16:creationId xmlns:a16="http://schemas.microsoft.com/office/drawing/2014/main" xmlns="" id="{A0F97228-B34E-4449-8A2D-CF7AC215E5DE}"/>
               </a:ext>
             </a:extLst>
           </p:cNvPr>
@@ -2383,7 +3103,7 @@
           <p:cNvPr id="5" name="Date Placeholder 4">
             <a:extLst>
               <a:ext uri="{FF2B5EF4-FFF2-40B4-BE49-F238E27FC236}">
-                <a16:creationId xmlns:a16="http://schemas.microsoft.com/office/drawing/2014/main" id="{884639D6-D865-44E6-B8D0-6FF5CE28CF00}"/>
+                <a16:creationId xmlns:a16="http://schemas.microsoft.com/office/drawing/2014/main" xmlns="" id="{884639D6-D865-44E6-B8D0-6FF5CE28CF00}"/>
               </a:ext>
             </a:extLst>
           </p:cNvPr>
@@ -2412,7 +3132,7 @@
           <p:cNvPr id="6" name="Footer Placeholder 5">
             <a:extLst>
               <a:ext uri="{FF2B5EF4-FFF2-40B4-BE49-F238E27FC236}">
-                <a16:creationId xmlns:a16="http://schemas.microsoft.com/office/drawing/2014/main" id="{3F9DDC88-A6B0-481F-97D0-2033BF020722}"/>
+                <a16:creationId xmlns:a16="http://schemas.microsoft.com/office/drawing/2014/main" xmlns="" id="{3F9DDC88-A6B0-481F-97D0-2033BF020722}"/>
               </a:ext>
             </a:extLst>
           </p:cNvPr>
@@ -2437,7 +3157,7 @@
           <p:cNvPr id="7" name="Slide Number Placeholder 6">
             <a:extLst>
               <a:ext uri="{FF2B5EF4-FFF2-40B4-BE49-F238E27FC236}">
-                <a16:creationId xmlns:a16="http://schemas.microsoft.com/office/drawing/2014/main" id="{6FBDCFA2-4984-459E-9507-050EA6575098}"/>
+                <a16:creationId xmlns:a16="http://schemas.microsoft.com/office/drawing/2014/main" xmlns="" id="{6FBDCFA2-4984-459E-9507-050EA6575098}"/>
               </a:ext>
             </a:extLst>
           </p:cNvPr>
@@ -2496,7 +3216,7 @@
           <p:cNvPr id="2" name="Title 1">
             <a:extLst>
               <a:ext uri="{FF2B5EF4-FFF2-40B4-BE49-F238E27FC236}">
-                <a16:creationId xmlns:a16="http://schemas.microsoft.com/office/drawing/2014/main" id="{87FA6640-DB08-415B-9E88-CA7A34042BD7}"/>
+                <a16:creationId xmlns:a16="http://schemas.microsoft.com/office/drawing/2014/main" xmlns="" id="{87FA6640-DB08-415B-9E88-CA7A34042BD7}"/>
               </a:ext>
             </a:extLst>
           </p:cNvPr>
@@ -2533,7 +3253,7 @@
           <p:cNvPr id="3" name="Picture Placeholder 2">
             <a:extLst>
               <a:ext uri="{FF2B5EF4-FFF2-40B4-BE49-F238E27FC236}">
-                <a16:creationId xmlns:a16="http://schemas.microsoft.com/office/drawing/2014/main" id="{F9343371-609E-4D5D-B910-DF5764C99F3D}"/>
+                <a16:creationId xmlns:a16="http://schemas.microsoft.com/office/drawing/2014/main" xmlns="" id="{F9343371-609E-4D5D-B910-DF5764C99F3D}"/>
               </a:ext>
             </a:extLst>
           </p:cNvPr>
@@ -2600,7 +3320,7 @@
           <p:cNvPr id="4" name="Text Placeholder 3">
             <a:extLst>
               <a:ext uri="{FF2B5EF4-FFF2-40B4-BE49-F238E27FC236}">
-                <a16:creationId xmlns:a16="http://schemas.microsoft.com/office/drawing/2014/main" id="{0A077FDD-B719-4E73-8598-F8ADBA9F1CDC}"/>
+                <a16:creationId xmlns:a16="http://schemas.microsoft.com/office/drawing/2014/main" xmlns="" id="{0A077FDD-B719-4E73-8598-F8ADBA9F1CDC}"/>
               </a:ext>
             </a:extLst>
           </p:cNvPr>
@@ -2671,7 +3391,7 @@
           <p:cNvPr id="5" name="Date Placeholder 4">
             <a:extLst>
               <a:ext uri="{FF2B5EF4-FFF2-40B4-BE49-F238E27FC236}">
-                <a16:creationId xmlns:a16="http://schemas.microsoft.com/office/drawing/2014/main" id="{D38F11EB-C52A-43E3-A749-48A52ECB57E7}"/>
+                <a16:creationId xmlns:a16="http://schemas.microsoft.com/office/drawing/2014/main" xmlns="" id="{D38F11EB-C52A-43E3-A749-48A52ECB57E7}"/>
               </a:ext>
             </a:extLst>
           </p:cNvPr>
@@ -2700,7 +3420,7 @@
           <p:cNvPr id="6" name="Footer Placeholder 5">
             <a:extLst>
               <a:ext uri="{FF2B5EF4-FFF2-40B4-BE49-F238E27FC236}">
-                <a16:creationId xmlns:a16="http://schemas.microsoft.com/office/drawing/2014/main" id="{95E53AFD-6BF0-4AD4-BAAB-1601B9CA07BB}"/>
+                <a16:creationId xmlns:a16="http://schemas.microsoft.com/office/drawing/2014/main" xmlns="" id="{95E53AFD-6BF0-4AD4-BAAB-1601B9CA07BB}"/>
               </a:ext>
             </a:extLst>
           </p:cNvPr>
@@ -2725,7 +3445,7 @@
           <p:cNvPr id="7" name="Slide Number Placeholder 6">
             <a:extLst>
               <a:ext uri="{FF2B5EF4-FFF2-40B4-BE49-F238E27FC236}">
-                <a16:creationId xmlns:a16="http://schemas.microsoft.com/office/drawing/2014/main" id="{C6B106A4-B317-4650-936D-746E66BF47B7}"/>
+                <a16:creationId xmlns:a16="http://schemas.microsoft.com/office/drawing/2014/main" xmlns="" id="{C6B106A4-B317-4650-936D-746E66BF47B7}"/>
               </a:ext>
             </a:extLst>
           </p:cNvPr>
@@ -2789,7 +3509,7 @@
           <p:cNvPr id="2" name="Title Placeholder 1">
             <a:extLst>
               <a:ext uri="{FF2B5EF4-FFF2-40B4-BE49-F238E27FC236}">
-                <a16:creationId xmlns:a16="http://schemas.microsoft.com/office/drawing/2014/main" id="{5B37EC8F-DDFC-4E6B-9427-5958FEB819A3}"/>
+                <a16:creationId xmlns:a16="http://schemas.microsoft.com/office/drawing/2014/main" xmlns="" id="{5B37EC8F-DDFC-4E6B-9427-5958FEB819A3}"/>
               </a:ext>
             </a:extLst>
           </p:cNvPr>
@@ -2827,7 +3547,7 @@
           <p:cNvPr id="3" name="Text Placeholder 2">
             <a:extLst>
               <a:ext uri="{FF2B5EF4-FFF2-40B4-BE49-F238E27FC236}">
-                <a16:creationId xmlns:a16="http://schemas.microsoft.com/office/drawing/2014/main" id="{A4507C0A-20B0-4700-A2B7-4A3FEAD839AC}"/>
+                <a16:creationId xmlns:a16="http://schemas.microsoft.com/office/drawing/2014/main" xmlns="" id="{A4507C0A-20B0-4700-A2B7-4A3FEAD839AC}"/>
               </a:ext>
             </a:extLst>
           </p:cNvPr>
@@ -2894,7 +3614,7 @@
           <p:cNvPr id="4" name="Date Placeholder 3">
             <a:extLst>
               <a:ext uri="{FF2B5EF4-FFF2-40B4-BE49-F238E27FC236}">
-                <a16:creationId xmlns:a16="http://schemas.microsoft.com/office/drawing/2014/main" id="{80CC83EA-98AA-4507-B323-A3EE4DA5DEC0}"/>
+                <a16:creationId xmlns:a16="http://schemas.microsoft.com/office/drawing/2014/main" xmlns="" id="{80CC83EA-98AA-4507-B323-A3EE4DA5DEC0}"/>
               </a:ext>
             </a:extLst>
           </p:cNvPr>
@@ -2941,7 +3661,7 @@
           <p:cNvPr id="5" name="Footer Placeholder 4">
             <a:extLst>
               <a:ext uri="{FF2B5EF4-FFF2-40B4-BE49-F238E27FC236}">
-                <a16:creationId xmlns:a16="http://schemas.microsoft.com/office/drawing/2014/main" id="{4327E618-AB88-4343-A7A0-DFA5373F8042}"/>
+                <a16:creationId xmlns:a16="http://schemas.microsoft.com/office/drawing/2014/main" xmlns="" id="{4327E618-AB88-4343-A7A0-DFA5373F8042}"/>
               </a:ext>
             </a:extLst>
           </p:cNvPr>
@@ -2984,7 +3704,7 @@
           <p:cNvPr id="6" name="Slide Number Placeholder 5">
             <a:extLst>
               <a:ext uri="{FF2B5EF4-FFF2-40B4-BE49-F238E27FC236}">
-                <a16:creationId xmlns:a16="http://schemas.microsoft.com/office/drawing/2014/main" id="{C0BB8A04-3323-466A-B057-0A128B13D72E}"/>
+                <a16:creationId xmlns:a16="http://schemas.microsoft.com/office/drawing/2014/main" xmlns="" id="{C0BB8A04-3323-466A-B057-0A128B13D72E}"/>
               </a:ext>
             </a:extLst>
           </p:cNvPr>
@@ -3352,7 +4072,7 @@
           <p:cNvPr id="2" name="Title 1">
             <a:extLst>
               <a:ext uri="{FF2B5EF4-FFF2-40B4-BE49-F238E27FC236}">
-                <a16:creationId xmlns:a16="http://schemas.microsoft.com/office/drawing/2014/main" id="{B292A5D3-4780-447A-8363-BE34D4C9F320}"/>
+                <a16:creationId xmlns:a16="http://schemas.microsoft.com/office/drawing/2014/main" xmlns="" id="{B292A5D3-4780-447A-8363-BE34D4C9F320}"/>
               </a:ext>
             </a:extLst>
           </p:cNvPr>
@@ -3371,8 +4091,27 @@
           <a:lstStyle/>
           <a:p>
             <a:r>
-              <a:rPr lang="en-US" sz="4400" dirty="0"/>
-              <a:t>Inter-individual vs inter-area difference in rapid visual adaptation in naïve mice</a:t>
+              <a:rPr lang="en-US" sz="4000" dirty="0" smtClean="0"/>
+              <a:t>Inter-area and inter-individual difference</a:t>
+            </a:r>
+            <a:br>
+              <a:rPr lang="en-US" sz="4000" dirty="0" smtClean="0"/>
+            </a:br>
+            <a:r>
+              <a:rPr lang="en-US" sz="4000" dirty="0" smtClean="0"/>
+              <a:t>in </a:t>
+            </a:r>
+            <a:r>
+              <a:rPr lang="en-US" sz="4000" dirty="0"/>
+              <a:t>rapid visual adaptation </a:t>
+            </a:r>
+            <a:r>
+              <a:rPr lang="en-US" sz="4000" dirty="0" smtClean="0"/>
+              <a:t>of naïve </a:t>
+            </a:r>
+            <a:r>
+              <a:rPr lang="en-US" sz="4000" dirty="0"/>
+              <a:t>mice</a:t>
             </a:r>
           </a:p>
         </p:txBody>
@@ -3382,7 +4121,7 @@
           <p:cNvPr id="3" name="Subtitle 2">
             <a:extLst>
               <a:ext uri="{FF2B5EF4-FFF2-40B4-BE49-F238E27FC236}">
-                <a16:creationId xmlns:a16="http://schemas.microsoft.com/office/drawing/2014/main" id="{0321455D-274D-48E8-A110-52137E159514}"/>
+                <a16:creationId xmlns:a16="http://schemas.microsoft.com/office/drawing/2014/main" xmlns="" id="{0321455D-274D-48E8-A110-52137E159514}"/>
               </a:ext>
             </a:extLst>
           </p:cNvPr>
@@ -3448,7 +4187,13 @@
       </p:grpSpPr>
       <p:sp>
         <p:nvSpPr>
-          <p:cNvPr id="2" name="Title 1"/>
+          <p:cNvPr id="5" name="Title 4">
+            <a:extLst>
+              <a:ext uri="{FF2B5EF4-FFF2-40B4-BE49-F238E27FC236}">
+                <a16:creationId xmlns:a16="http://schemas.microsoft.com/office/drawing/2014/main" xmlns="" id="{8C2109F9-4249-4B8A-9EAD-6207C1C528BE}"/>
+              </a:ext>
+            </a:extLst>
+          </p:cNvPr>
           <p:cNvSpPr>
             <a:spLocks noGrp="1"/>
           </p:cNvSpPr>
@@ -3463,40 +4208,73 @@
           <a:p>
             <a:r>
               <a:rPr lang="en-US" sz="3200" dirty="0"/>
-              <a:t>Adaptation index across mice</a:t>
-            </a:r>
-          </a:p>
-        </p:txBody>
-      </p:sp>
-      <p:sp>
-        <p:nvSpPr>
-          <p:cNvPr id="5" name="Content Placeholder 4">
-            <a:extLst>
-              <a:ext uri="{FF2B5EF4-FFF2-40B4-BE49-F238E27FC236}">
-                <a16:creationId xmlns:a16="http://schemas.microsoft.com/office/drawing/2014/main" id="{651AA642-F5D3-4D8D-B57B-999EF5461125}"/>
-              </a:ext>
-            </a:extLst>
-          </p:cNvPr>
-          <p:cNvSpPr>
-            <a:spLocks noGrp="1"/>
-          </p:cNvSpPr>
-          <p:nvPr>
-            <p:ph idx="1"/>
-          </p:nvPr>
-        </p:nvSpPr>
-        <p:spPr/>
-        <p:txBody>
-          <a:bodyPr/>
-          <a:lstStyle/>
-          <a:p>
-            <a:endParaRPr lang="en-US"/>
-          </a:p>
-        </p:txBody>
-      </p:sp>
+              <a:t>Trace of trials average across mice</a:t>
+            </a:r>
+          </a:p>
+        </p:txBody>
+      </p:sp>
+      <p:pic>
+        <p:nvPicPr>
+          <p:cNvPr id="4" name="Content Placeholder 3"/>
+          <p:cNvPicPr>
+            <a:picLocks noGrp="1" noChangeAspect="1"/>
+          </p:cNvPicPr>
+          <p:nvPr>
+            <p:ph sz="half" idx="1"/>
+          </p:nvPr>
+        </p:nvPicPr>
+        <p:blipFill>
+          <a:blip r:embed="rId2">
+            <a:extLst>
+              <a:ext uri="{28A0092B-C50C-407E-A947-70E740481C1C}">
+                <a14:useLocalDpi xmlns:a14="http://schemas.microsoft.com/office/drawing/2010/main" val="0"/>
+              </a:ext>
+            </a:extLst>
+          </a:blip>
+          <a:stretch>
+            <a:fillRect/>
+          </a:stretch>
+        </p:blipFill>
+        <p:spPr>
+          <a:xfrm>
+            <a:off x="838200" y="2058934"/>
+            <a:ext cx="5181600" cy="3884719"/>
+          </a:xfrm>
+        </p:spPr>
+      </p:pic>
+      <p:pic>
+        <p:nvPicPr>
+          <p:cNvPr id="7" name="Content Placeholder 6"/>
+          <p:cNvPicPr>
+            <a:picLocks noGrp="1" noChangeAspect="1"/>
+          </p:cNvPicPr>
+          <p:nvPr>
+            <p:ph sz="half" idx="2"/>
+          </p:nvPr>
+        </p:nvPicPr>
+        <p:blipFill>
+          <a:blip r:embed="rId3">
+            <a:extLst>
+              <a:ext uri="{28A0092B-C50C-407E-A947-70E740481C1C}">
+                <a14:useLocalDpi xmlns:a14="http://schemas.microsoft.com/office/drawing/2010/main" val="0"/>
+              </a:ext>
+            </a:extLst>
+          </a:blip>
+          <a:stretch>
+            <a:fillRect/>
+          </a:stretch>
+        </p:blipFill>
+        <p:spPr>
+          <a:xfrm>
+            <a:off x="6172200" y="2058934"/>
+            <a:ext cx="5181600" cy="3884719"/>
+          </a:xfrm>
+        </p:spPr>
+      </p:pic>
     </p:spTree>
     <p:extLst>
       <p:ext uri="{BB962C8B-B14F-4D97-AF65-F5344CB8AC3E}">
-        <p14:creationId xmlns:p14="http://schemas.microsoft.com/office/powerpoint/2010/main" val="2226832994"/>
+        <p14:creationId xmlns:p14="http://schemas.microsoft.com/office/powerpoint/2010/main" val="1638117626"/>
       </p:ext>
     </p:extLst>
   </p:cSld>
@@ -3525,13 +4303,7 @@
       </p:grpSpPr>
       <p:sp>
         <p:nvSpPr>
-          <p:cNvPr id="5" name="Title 4">
-            <a:extLst>
-              <a:ext uri="{FF2B5EF4-FFF2-40B4-BE49-F238E27FC236}">
-                <a16:creationId xmlns:a16="http://schemas.microsoft.com/office/drawing/2014/main" id="{8C2109F9-4249-4B8A-9EAD-6207C1C528BE}"/>
-              </a:ext>
-            </a:extLst>
-          </p:cNvPr>
+          <p:cNvPr id="2" name="Title 1"/>
           <p:cNvSpPr>
             <a:spLocks noGrp="1"/>
           </p:cNvSpPr>
@@ -3546,40 +4318,44 @@
           <a:p>
             <a:r>
               <a:rPr lang="en-US" sz="3200" dirty="0"/>
-              <a:t>Trace of trials average across areas by mice</a:t>
-            </a:r>
-          </a:p>
-        </p:txBody>
-      </p:sp>
-      <p:sp>
-        <p:nvSpPr>
-          <p:cNvPr id="6" name="Content Placeholder 5">
-            <a:extLst>
-              <a:ext uri="{FF2B5EF4-FFF2-40B4-BE49-F238E27FC236}">
-                <a16:creationId xmlns:a16="http://schemas.microsoft.com/office/drawing/2014/main" id="{C0970A76-60FA-40D0-836D-B4A9D5D330B7}"/>
-              </a:ext>
-            </a:extLst>
-          </p:cNvPr>
-          <p:cNvSpPr>
-            <a:spLocks noGrp="1"/>
-          </p:cNvSpPr>
+              <a:t>Adaptation index across mice</a:t>
+            </a:r>
+          </a:p>
+        </p:txBody>
+      </p:sp>
+      <p:pic>
+        <p:nvPicPr>
+          <p:cNvPr id="3" name="Content Placeholder 2"/>
+          <p:cNvPicPr>
+            <a:picLocks noGrp="1" noChangeAspect="1"/>
+          </p:cNvPicPr>
           <p:nvPr>
             <p:ph idx="1"/>
           </p:nvPr>
-        </p:nvSpPr>
-        <p:spPr/>
-        <p:txBody>
-          <a:bodyPr/>
-          <a:lstStyle/>
-          <a:p>
-            <a:endParaRPr lang="en-US"/>
-          </a:p>
-        </p:txBody>
-      </p:sp>
+        </p:nvPicPr>
+        <p:blipFill>
+          <a:blip r:embed="rId2">
+            <a:extLst>
+              <a:ext uri="{28A0092B-C50C-407E-A947-70E740481C1C}">
+                <a14:useLocalDpi xmlns:a14="http://schemas.microsoft.com/office/drawing/2010/main" val="0"/>
+              </a:ext>
+            </a:extLst>
+          </a:blip>
+          <a:stretch>
+            <a:fillRect/>
+          </a:stretch>
+        </p:blipFill>
+        <p:spPr>
+          <a:xfrm>
+            <a:off x="1746862" y="1825625"/>
+            <a:ext cx="8698276" cy="4351338"/>
+          </a:xfrm>
+        </p:spPr>
+      </p:pic>
     </p:spTree>
     <p:extLst>
       <p:ext uri="{BB962C8B-B14F-4D97-AF65-F5344CB8AC3E}">
-        <p14:creationId xmlns:p14="http://schemas.microsoft.com/office/powerpoint/2010/main" val="2599101314"/>
+        <p14:creationId xmlns:p14="http://schemas.microsoft.com/office/powerpoint/2010/main" val="2226832994"/>
       </p:ext>
     </p:extLst>
   </p:cSld>
@@ -3623,40 +4399,44 @@
           <a:p>
             <a:r>
               <a:rPr lang="en-US" sz="3200" dirty="0"/>
-              <a:t>Adaptation index across areas by mice</a:t>
-            </a:r>
-          </a:p>
-        </p:txBody>
-      </p:sp>
-      <p:sp>
-        <p:nvSpPr>
-          <p:cNvPr id="5" name="Content Placeholder 4">
-            <a:extLst>
-              <a:ext uri="{FF2B5EF4-FFF2-40B4-BE49-F238E27FC236}">
-                <a16:creationId xmlns:a16="http://schemas.microsoft.com/office/drawing/2014/main" id="{6083003E-26CC-4E77-85A0-B1F05D6875E6}"/>
-              </a:ext>
-            </a:extLst>
-          </p:cNvPr>
-          <p:cNvSpPr>
-            <a:spLocks noGrp="1"/>
-          </p:cNvSpPr>
+              <a:t>Adaptation index across mice</a:t>
+            </a:r>
+          </a:p>
+        </p:txBody>
+      </p:sp>
+      <p:pic>
+        <p:nvPicPr>
+          <p:cNvPr id="5" name="Content Placeholder 4"/>
+          <p:cNvPicPr>
+            <a:picLocks noGrp="1" noChangeAspect="1"/>
+          </p:cNvPicPr>
           <p:nvPr>
             <p:ph idx="1"/>
           </p:nvPr>
-        </p:nvSpPr>
-        <p:spPr/>
-        <p:txBody>
-          <a:bodyPr/>
-          <a:lstStyle/>
-          <a:p>
-            <a:endParaRPr lang="en-US"/>
-          </a:p>
-        </p:txBody>
-      </p:sp>
+        </p:nvPicPr>
+        <p:blipFill>
+          <a:blip r:embed="rId2">
+            <a:extLst>
+              <a:ext uri="{28A0092B-C50C-407E-A947-70E740481C1C}">
+                <a14:useLocalDpi xmlns:a14="http://schemas.microsoft.com/office/drawing/2010/main" val="0"/>
+              </a:ext>
+            </a:extLst>
+          </a:blip>
+          <a:stretch>
+            <a:fillRect/>
+          </a:stretch>
+        </p:blipFill>
+        <p:spPr>
+          <a:xfrm>
+            <a:off x="3194002" y="1825625"/>
+            <a:ext cx="5803995" cy="4351338"/>
+          </a:xfrm>
+        </p:spPr>
+      </p:pic>
     </p:spTree>
     <p:extLst>
       <p:ext uri="{BB962C8B-B14F-4D97-AF65-F5344CB8AC3E}">
-        <p14:creationId xmlns:p14="http://schemas.microsoft.com/office/powerpoint/2010/main" val="246959411"/>
+        <p14:creationId xmlns:p14="http://schemas.microsoft.com/office/powerpoint/2010/main" val="2024718189"/>
       </p:ext>
     </p:extLst>
   </p:cSld>
@@ -3685,6 +4465,284 @@
       </p:grpSpPr>
       <p:sp>
         <p:nvSpPr>
+          <p:cNvPr id="5" name="Title 4">
+            <a:extLst>
+              <a:ext uri="{FF2B5EF4-FFF2-40B4-BE49-F238E27FC236}">
+                <a16:creationId xmlns:a16="http://schemas.microsoft.com/office/drawing/2014/main" xmlns="" id="{8C2109F9-4249-4B8A-9EAD-6207C1C528BE}"/>
+              </a:ext>
+            </a:extLst>
+          </p:cNvPr>
+          <p:cNvSpPr>
+            <a:spLocks noGrp="1"/>
+          </p:cNvSpPr>
+          <p:nvPr>
+            <p:ph type="title"/>
+          </p:nvPr>
+        </p:nvSpPr>
+        <p:spPr/>
+        <p:txBody>
+          <a:bodyPr/>
+          <a:lstStyle/>
+          <a:p>
+            <a:r>
+              <a:rPr lang="en-US" sz="3200" dirty="0"/>
+              <a:t>Trace of trials average across areas by mice</a:t>
+            </a:r>
+          </a:p>
+        </p:txBody>
+      </p:sp>
+      <p:pic>
+        <p:nvPicPr>
+          <p:cNvPr id="11" name="Content Placeholder 10"/>
+          <p:cNvPicPr>
+            <a:picLocks noGrp="1" noChangeAspect="1"/>
+          </p:cNvPicPr>
+          <p:nvPr>
+            <p:ph sz="half" idx="1"/>
+          </p:nvPr>
+        </p:nvPicPr>
+        <p:blipFill>
+          <a:blip r:embed="rId2">
+            <a:extLst>
+              <a:ext uri="{28A0092B-C50C-407E-A947-70E740481C1C}">
+                <a14:useLocalDpi xmlns:a14="http://schemas.microsoft.com/office/drawing/2010/main" val="0"/>
+              </a:ext>
+            </a:extLst>
+          </a:blip>
+          <a:stretch>
+            <a:fillRect/>
+          </a:stretch>
+        </p:blipFill>
+        <p:spPr>
+          <a:xfrm>
+            <a:off x="975698" y="1825625"/>
+            <a:ext cx="10240604" cy="2206625"/>
+          </a:xfrm>
+        </p:spPr>
+      </p:pic>
+      <p:pic>
+        <p:nvPicPr>
+          <p:cNvPr id="12" name="Content Placeholder 11"/>
+          <p:cNvPicPr>
+            <a:picLocks noGrp="1" noChangeAspect="1"/>
+          </p:cNvPicPr>
+          <p:nvPr>
+            <p:ph sz="half" idx="1"/>
+          </p:nvPr>
+        </p:nvPicPr>
+        <p:blipFill>
+          <a:blip r:embed="rId3">
+            <a:extLst>
+              <a:ext uri="{28A0092B-C50C-407E-A947-70E740481C1C}">
+                <a14:useLocalDpi xmlns:a14="http://schemas.microsoft.com/office/drawing/2010/main" val="0"/>
+              </a:ext>
+            </a:extLst>
+          </a:blip>
+          <a:stretch>
+            <a:fillRect/>
+          </a:stretch>
+        </p:blipFill>
+        <p:spPr>
+          <a:xfrm>
+            <a:off x="972015" y="4167188"/>
+            <a:ext cx="10247969" cy="2208212"/>
+          </a:xfrm>
+        </p:spPr>
+      </p:pic>
+    </p:spTree>
+    <p:extLst>
+      <p:ext uri="{BB962C8B-B14F-4D97-AF65-F5344CB8AC3E}">
+        <p14:creationId xmlns:p14="http://schemas.microsoft.com/office/powerpoint/2010/main" val="2599101314"/>
+      </p:ext>
+    </p:extLst>
+  </p:cSld>
+  <p:clrMapOvr>
+    <a:masterClrMapping/>
+  </p:clrMapOvr>
+</p:sld>
+</file>
+
+<file path=ppt/slides/slide14.xml><?xml version="1.0" encoding="utf-8"?>
+<p:sld xmlns:a="http://schemas.openxmlformats.org/drawingml/2006/main" xmlns:r="http://schemas.openxmlformats.org/officeDocument/2006/relationships" xmlns:p="http://schemas.openxmlformats.org/presentationml/2006/main">
+  <p:cSld>
+    <p:spTree>
+      <p:nvGrpSpPr>
+        <p:cNvPr id="1" name=""/>
+        <p:cNvGrpSpPr/>
+        <p:nvPr/>
+      </p:nvGrpSpPr>
+      <p:grpSpPr>
+        <a:xfrm>
+          <a:off x="0" y="0"/>
+          <a:ext cx="0" cy="0"/>
+          <a:chOff x="0" y="0"/>
+          <a:chExt cx="0" cy="0"/>
+        </a:xfrm>
+      </p:grpSpPr>
+      <p:sp>
+        <p:nvSpPr>
+          <p:cNvPr id="2" name="Title 1"/>
+          <p:cNvSpPr>
+            <a:spLocks noGrp="1"/>
+          </p:cNvSpPr>
+          <p:nvPr>
+            <p:ph type="title"/>
+          </p:nvPr>
+        </p:nvSpPr>
+        <p:spPr/>
+        <p:txBody>
+          <a:bodyPr/>
+          <a:lstStyle/>
+          <a:p>
+            <a:r>
+              <a:rPr lang="en-US" sz="3200" dirty="0"/>
+              <a:t>Adaptation index across areas by mice</a:t>
+            </a:r>
+          </a:p>
+        </p:txBody>
+      </p:sp>
+      <p:pic>
+        <p:nvPicPr>
+          <p:cNvPr id="3" name="Content Placeholder 2"/>
+          <p:cNvPicPr>
+            <a:picLocks noGrp="1" noChangeAspect="1"/>
+          </p:cNvPicPr>
+          <p:nvPr>
+            <p:ph idx="1"/>
+          </p:nvPr>
+        </p:nvPicPr>
+        <p:blipFill>
+          <a:blip r:embed="rId2">
+            <a:extLst>
+              <a:ext uri="{28A0092B-C50C-407E-A947-70E740481C1C}">
+                <a14:useLocalDpi xmlns:a14="http://schemas.microsoft.com/office/drawing/2010/main" val="0"/>
+              </a:ext>
+            </a:extLst>
+          </a:blip>
+          <a:stretch>
+            <a:fillRect/>
+          </a:stretch>
+        </p:blipFill>
+        <p:spPr>
+          <a:xfrm>
+            <a:off x="1746862" y="1825625"/>
+            <a:ext cx="8698276" cy="4351338"/>
+          </a:xfrm>
+        </p:spPr>
+      </p:pic>
+    </p:spTree>
+    <p:extLst>
+      <p:ext uri="{BB962C8B-B14F-4D97-AF65-F5344CB8AC3E}">
+        <p14:creationId xmlns:p14="http://schemas.microsoft.com/office/powerpoint/2010/main" val="246959411"/>
+      </p:ext>
+    </p:extLst>
+  </p:cSld>
+  <p:clrMapOvr>
+    <a:masterClrMapping/>
+  </p:clrMapOvr>
+</p:sld>
+</file>
+
+<file path=ppt/slides/slide15.xml><?xml version="1.0" encoding="utf-8"?>
+<p:sld xmlns:a="http://schemas.openxmlformats.org/drawingml/2006/main" xmlns:r="http://schemas.openxmlformats.org/officeDocument/2006/relationships" xmlns:p="http://schemas.openxmlformats.org/presentationml/2006/main">
+  <p:cSld>
+    <p:spTree>
+      <p:nvGrpSpPr>
+        <p:cNvPr id="1" name=""/>
+        <p:cNvGrpSpPr/>
+        <p:nvPr/>
+      </p:nvGrpSpPr>
+      <p:grpSpPr>
+        <a:xfrm>
+          <a:off x="0" y="0"/>
+          <a:ext cx="0" cy="0"/>
+          <a:chOff x="0" y="0"/>
+          <a:chExt cx="0" cy="0"/>
+        </a:xfrm>
+      </p:grpSpPr>
+      <p:sp>
+        <p:nvSpPr>
+          <p:cNvPr id="2" name="Title 1"/>
+          <p:cNvSpPr>
+            <a:spLocks noGrp="1"/>
+          </p:cNvSpPr>
+          <p:nvPr>
+            <p:ph type="title"/>
+          </p:nvPr>
+        </p:nvSpPr>
+        <p:spPr/>
+        <p:txBody>
+          <a:bodyPr/>
+          <a:lstStyle/>
+          <a:p>
+            <a:r>
+              <a:rPr lang="en-US" sz="3200" dirty="0"/>
+              <a:t>Adaptation index across areas by mice</a:t>
+            </a:r>
+          </a:p>
+        </p:txBody>
+      </p:sp>
+      <p:pic>
+        <p:nvPicPr>
+          <p:cNvPr id="5" name="Content Placeholder 4"/>
+          <p:cNvPicPr>
+            <a:picLocks noGrp="1" noChangeAspect="1"/>
+          </p:cNvPicPr>
+          <p:nvPr>
+            <p:ph idx="1"/>
+          </p:nvPr>
+        </p:nvPicPr>
+        <p:blipFill>
+          <a:blip r:embed="rId2">
+            <a:extLst>
+              <a:ext uri="{28A0092B-C50C-407E-A947-70E740481C1C}">
+                <a14:useLocalDpi xmlns:a14="http://schemas.microsoft.com/office/drawing/2010/main" val="0"/>
+              </a:ext>
+            </a:extLst>
+          </a:blip>
+          <a:stretch>
+            <a:fillRect/>
+          </a:stretch>
+        </p:blipFill>
+        <p:spPr>
+          <a:xfrm>
+            <a:off x="3194002" y="1825625"/>
+            <a:ext cx="5803995" cy="4351338"/>
+          </a:xfrm>
+        </p:spPr>
+      </p:pic>
+    </p:spTree>
+    <p:extLst>
+      <p:ext uri="{BB962C8B-B14F-4D97-AF65-F5344CB8AC3E}">
+        <p14:creationId xmlns:p14="http://schemas.microsoft.com/office/powerpoint/2010/main" val="1215090520"/>
+      </p:ext>
+    </p:extLst>
+  </p:cSld>
+  <p:clrMapOvr>
+    <a:masterClrMapping/>
+  </p:clrMapOvr>
+</p:sld>
+</file>
+
+<file path=ppt/slides/slide16.xml><?xml version="1.0" encoding="utf-8"?>
+<p:sld xmlns:a="http://schemas.openxmlformats.org/drawingml/2006/main" xmlns:r="http://schemas.openxmlformats.org/officeDocument/2006/relationships" xmlns:p="http://schemas.openxmlformats.org/presentationml/2006/main">
+  <p:cSld>
+    <p:spTree>
+      <p:nvGrpSpPr>
+        <p:cNvPr id="1" name=""/>
+        <p:cNvGrpSpPr/>
+        <p:nvPr/>
+      </p:nvGrpSpPr>
+      <p:grpSpPr>
+        <a:xfrm>
+          <a:off x="0" y="0"/>
+          <a:ext cx="0" cy="0"/>
+          <a:chOff x="0" y="0"/>
+          <a:chExt cx="0" cy="0"/>
+        </a:xfrm>
+      </p:grpSpPr>
+      <p:sp>
+        <p:nvSpPr>
           <p:cNvPr id="2" name="标题 1"/>
           <p:cNvSpPr>
             <a:spLocks noGrp="1"/>
@@ -3704,7 +4762,6 @@
               <a:rPr lang="en-US" sz="3200"/>
               <a:t>Conclusion</a:t>
             </a:r>
-            <a:endParaRPr lang="en-US" sz="3200"/>
           </a:p>
         </p:txBody>
       </p:sp>
@@ -3740,7 +4797,7 @@
 </p:sld>
 </file>
 
-<file path=ppt/slides/slide14.xml><?xml version="1.0" encoding="utf-8"?>
+<file path=ppt/slides/slide17.xml><?xml version="1.0" encoding="utf-8"?>
 <p:sld xmlns:a="http://schemas.openxmlformats.org/drawingml/2006/main" xmlns:r="http://schemas.openxmlformats.org/officeDocument/2006/relationships" xmlns:p="http://schemas.openxmlformats.org/presentationml/2006/main">
   <p:cSld>
     <p:spTree>
@@ -3838,83 +4895,6 @@
           <a:chExt cx="0" cy="0"/>
         </a:xfrm>
       </p:grpSpPr>
-      <p:sp>
-        <p:nvSpPr>
-          <p:cNvPr id="4" name="标题 3"/>
-          <p:cNvSpPr>
-            <a:spLocks noGrp="1"/>
-          </p:cNvSpPr>
-          <p:nvPr>
-            <p:ph type="title"/>
-          </p:nvPr>
-        </p:nvSpPr>
-        <p:spPr/>
-        <p:txBody>
-          <a:bodyPr>
-            <a:normAutofit/>
-          </a:bodyPr>
-          <a:lstStyle/>
-          <a:p>
-            <a:r>
-              <a:rPr lang="en-US" sz="3200" dirty="0"/>
-              <a:t>Inter-individual vs inter-area difference in rapid visual adaptation in naïve mice</a:t>
-            </a:r>
-          </a:p>
-        </p:txBody>
-      </p:sp>
-      <p:sp>
-        <p:nvSpPr>
-          <p:cNvPr id="5" name="内容占位符 4"/>
-          <p:cNvSpPr>
-            <a:spLocks noGrp="1"/>
-          </p:cNvSpPr>
-          <p:nvPr>
-            <p:ph idx="1"/>
-          </p:nvPr>
-        </p:nvSpPr>
-        <p:spPr/>
-        <p:txBody>
-          <a:bodyPr>
-            <a:normAutofit/>
-          </a:bodyPr>
-          <a:lstStyle/>
-          <a:p>
-            <a:r>
-              <a:rPr lang="en-US" sz="2400" dirty="0"/>
-              <a:t>Jin et al (2020) suggests that adaptation magnitude is similar across some visual areas (V1, SC, LM, AL, PM). However, the dataset has been pooled over multiple mice trained to discern </a:t>
-            </a:r>
-            <a:r>
-              <a:rPr lang="en-US" sz="2400"/>
-              <a:t>orientation </a:t>
-            </a:r>
-            <a:r>
-              <a:rPr lang="en-US" sz="2400" smtClean="0"/>
-              <a:t>changes</a:t>
-            </a:r>
-          </a:p>
-          <a:p>
-            <a:r>
-              <a:rPr lang="en-US" sz="2400">
-                <a:solidFill>
-                  <a:srgbClr val="FF0000"/>
-                </a:solidFill>
-              </a:rPr>
-              <a:t>V1 is significantly different from the other areas- HVAs and SC are not different from each other.</a:t>
-            </a:r>
-            <a:endParaRPr lang="en-US" sz="2400" dirty="0">
-              <a:solidFill>
-                <a:srgbClr val="FF0000"/>
-              </a:solidFill>
-            </a:endParaRPr>
-          </a:p>
-          <a:p>
-            <a:r>
-              <a:rPr lang="en-US" sz="2400" dirty="0"/>
-              <a:t>Does the magnitude of adaptation vary across naïve individuals as well as areas?</a:t>
-            </a:r>
-          </a:p>
-        </p:txBody>
-      </p:sp>
       <p:grpSp>
         <p:nvGrpSpPr>
           <p:cNvPr id="9" name="组合 8"/>
@@ -3923,7 +4903,7 @@
         </p:nvGrpSpPr>
         <p:grpSpPr>
           <a:xfrm>
-            <a:off x="3429000" y="4001294"/>
+            <a:off x="838200" y="3779914"/>
             <a:ext cx="5334000" cy="2567760"/>
             <a:chOff x="3156036" y="3480246"/>
             <a:chExt cx="5879928" cy="3109399"/>
@@ -4000,6 +4980,223 @@
           </p:txBody>
         </p:sp>
       </p:grpSp>
+      <p:sp>
+        <p:nvSpPr>
+          <p:cNvPr id="4" name="标题 3"/>
+          <p:cNvSpPr>
+            <a:spLocks noGrp="1"/>
+          </p:cNvSpPr>
+          <p:nvPr>
+            <p:ph type="title"/>
+          </p:nvPr>
+        </p:nvSpPr>
+        <p:spPr/>
+        <p:txBody>
+          <a:bodyPr>
+            <a:normAutofit/>
+          </a:bodyPr>
+          <a:lstStyle/>
+          <a:p>
+            <a:r>
+              <a:rPr lang="en-US" sz="3200" dirty="0"/>
+              <a:t>Background</a:t>
+            </a:r>
+            <a:endParaRPr lang="en-US" sz="3200" dirty="0"/>
+          </a:p>
+        </p:txBody>
+      </p:sp>
+      <p:sp>
+        <p:nvSpPr>
+          <p:cNvPr id="5" name="内容占位符 4"/>
+          <p:cNvSpPr>
+            <a:spLocks noGrp="1"/>
+          </p:cNvSpPr>
+          <p:nvPr>
+            <p:ph idx="1"/>
+          </p:nvPr>
+        </p:nvSpPr>
+        <p:spPr/>
+        <p:txBody>
+          <a:bodyPr>
+            <a:normAutofit/>
+          </a:bodyPr>
+          <a:lstStyle/>
+          <a:p>
+            <a:r>
+              <a:rPr lang="en-US" sz="2400" dirty="0"/>
+              <a:t>Jin et </a:t>
+            </a:r>
+            <a:r>
+              <a:rPr lang="en-US" sz="2400" dirty="0" smtClean="0"/>
+              <a:t>al. </a:t>
+            </a:r>
+            <a:r>
+              <a:rPr lang="en-US" sz="2400" dirty="0"/>
+              <a:t>(2020) suggests that adaptation magnitude is similar across some visual areas </a:t>
+            </a:r>
+            <a:r>
+              <a:rPr lang="en-US" sz="2400" dirty="0" smtClean="0"/>
+              <a:t>(SC</a:t>
+            </a:r>
+            <a:r>
+              <a:rPr lang="en-US" sz="2400" dirty="0"/>
+              <a:t>, LM, AL, PM). However, the dataset has been pooled over multiple mice trained to discern orientation </a:t>
+            </a:r>
+            <a:r>
+              <a:rPr lang="en-US" sz="2400" dirty="0" smtClean="0"/>
+              <a:t>changes</a:t>
+            </a:r>
+          </a:p>
+          <a:p>
+            <a:r>
+              <a:rPr lang="en-US" sz="2400" dirty="0">
+                <a:solidFill>
+                  <a:srgbClr val="FF0000"/>
+                </a:solidFill>
+              </a:rPr>
+              <a:t>V1 is significantly different from the other areas- HVAs and SC are not different from each other</a:t>
+            </a:r>
+            <a:r>
+              <a:rPr lang="en-US" sz="2400" dirty="0" smtClean="0">
+                <a:solidFill>
+                  <a:srgbClr val="FF0000"/>
+                </a:solidFill>
+              </a:rPr>
+              <a:t>.</a:t>
+            </a:r>
+            <a:endParaRPr lang="en-US" sz="2400" dirty="0">
+              <a:solidFill>
+                <a:srgbClr val="FF0000"/>
+              </a:solidFill>
+            </a:endParaRPr>
+          </a:p>
+        </p:txBody>
+      </p:sp>
+      <p:pic>
+        <p:nvPicPr>
+          <p:cNvPr id="2" name="Picture 1"/>
+          <p:cNvPicPr>
+            <a:picLocks noChangeAspect="1"/>
+          </p:cNvPicPr>
+          <p:nvPr/>
+        </p:nvPicPr>
+        <p:blipFill rotWithShape="1">
+          <a:blip r:embed="rId3">
+            <a:extLst>
+              <a:ext uri="{28A0092B-C50C-407E-A947-70E740481C1C}">
+                <a14:useLocalDpi xmlns:a14="http://schemas.microsoft.com/office/drawing/2010/main" val="0"/>
+              </a:ext>
+            </a:extLst>
+          </a:blip>
+          <a:srcRect l="32640" t="1552" r="32825" b="58027"/>
+          <a:stretch/>
+        </p:blipFill>
+        <p:spPr>
+          <a:xfrm>
+            <a:off x="7334451" y="3751397"/>
+            <a:ext cx="2993456" cy="2387066"/>
+          </a:xfrm>
+          <a:prstGeom prst="rect">
+            <a:avLst/>
+          </a:prstGeom>
+        </p:spPr>
+      </p:pic>
+      <p:sp>
+        <p:nvSpPr>
+          <p:cNvPr id="3" name="TextBox 2"/>
+          <p:cNvSpPr txBox="1"/>
+          <p:nvPr/>
+        </p:nvSpPr>
+        <p:spPr>
+          <a:xfrm>
+            <a:off x="8605697" y="6126383"/>
+            <a:ext cx="3586303" cy="646331"/>
+          </a:xfrm>
+          <a:prstGeom prst="rect">
+            <a:avLst/>
+          </a:prstGeom>
+          <a:noFill/>
+        </p:spPr>
+        <p:txBody>
+          <a:bodyPr wrap="none" rtlCol="0">
+            <a:spAutoFit/>
+          </a:bodyPr>
+          <a:lstStyle/>
+          <a:p>
+            <a:pPr algn="r"/>
+            <a:r>
+              <a:rPr lang="en-US" dirty="0" err="1">
+                <a:solidFill>
+                  <a:schemeClr val="bg1">
+                    <a:lumMod val="75000"/>
+                  </a:schemeClr>
+                </a:solidFill>
+              </a:rPr>
+              <a:t>Jin</a:t>
+            </a:r>
+            <a:r>
+              <a:rPr lang="en-US" dirty="0">
+                <a:solidFill>
+                  <a:schemeClr val="bg1">
+                    <a:lumMod val="75000"/>
+                  </a:schemeClr>
+                </a:solidFill>
+              </a:rPr>
+              <a:t> et al. (2020</a:t>
+            </a:r>
+            <a:r>
+              <a:rPr lang="en-US" dirty="0" smtClean="0">
+                <a:solidFill>
+                  <a:schemeClr val="bg1">
+                    <a:lumMod val="75000"/>
+                  </a:schemeClr>
+                </a:solidFill>
+              </a:rPr>
+              <a:t>)</a:t>
+            </a:r>
+          </a:p>
+          <a:p>
+            <a:pPr algn="r"/>
+            <a:r>
+              <a:rPr lang="en-US" dirty="0" smtClean="0">
+                <a:solidFill>
+                  <a:schemeClr val="bg1">
+                    <a:lumMod val="75000"/>
+                  </a:schemeClr>
+                </a:solidFill>
+              </a:rPr>
+              <a:t>Wang</a:t>
+            </a:r>
+            <a:r>
+              <a:rPr lang="en-US" dirty="0">
+                <a:solidFill>
+                  <a:schemeClr val="bg1">
+                    <a:lumMod val="75000"/>
+                  </a:schemeClr>
+                </a:solidFill>
+              </a:rPr>
+              <a:t>, Sporns and </a:t>
+            </a:r>
+            <a:r>
+              <a:rPr lang="en-US" dirty="0" smtClean="0">
+                <a:solidFill>
+                  <a:schemeClr val="bg1">
+                    <a:lumMod val="75000"/>
+                  </a:schemeClr>
+                </a:solidFill>
+              </a:rPr>
+              <a:t>Burkhalter (2012)</a:t>
+            </a:r>
+            <a:endParaRPr lang="en-US" dirty="0">
+              <a:solidFill>
+                <a:schemeClr val="bg1">
+                  <a:lumMod val="75000"/>
+                </a:schemeClr>
+              </a:solidFill>
+            </a:endParaRPr>
+          </a:p>
+        </p:txBody>
+      </p:sp>
     </p:spTree>
     <p:extLst>
       <p:ext uri="{BB962C8B-B14F-4D97-AF65-F5344CB8AC3E}">
@@ -4042,14 +5239,16 @@
         </p:nvSpPr>
         <p:spPr/>
         <p:txBody>
-          <a:bodyPr/>
-          <a:lstStyle/>
-          <a:p>
-            <a:r>
-              <a:rPr lang="en-US" smtClean="0"/>
-              <a:t>Q1</a:t>
-            </a:r>
-            <a:endParaRPr lang="en-US"/>
+          <a:bodyPr>
+            <a:normAutofit/>
+          </a:bodyPr>
+          <a:lstStyle/>
+          <a:p>
+            <a:r>
+              <a:rPr lang="en-US" sz="3200" dirty="0"/>
+              <a:t>Question 1</a:t>
+            </a:r>
+            <a:endParaRPr lang="en-US" sz="3200" dirty="0"/>
           </a:p>
         </p:txBody>
       </p:sp>
@@ -4069,50 +5268,50 @@
           <a:lstStyle/>
           <a:p>
             <a:r>
-              <a:rPr lang="en-US" smtClean="0"/>
+              <a:rPr lang="en-US" dirty="0"/>
+              <a:t>Does the magnitude of adaptation vary across naïve individuals as well as areas?</a:t>
+            </a:r>
+          </a:p>
+          <a:p>
+            <a:endParaRPr lang="en-US" dirty="0" smtClean="0"/>
+          </a:p>
+          <a:p>
+            <a:r>
+              <a:rPr lang="en-US" dirty="0" smtClean="0"/>
               <a:t>expand </a:t>
             </a:r>
             <a:r>
-              <a:rPr lang="en-US"/>
-              <a:t>the question to cover some of the ideas that you’re integrating into your grant proposal- how does coding change in the HVAs (you’re not going to get there today, but eventually). </a:t>
-            </a:r>
-            <a:r>
-              <a:rPr lang="en-US"/>
-              <a:t> </a:t>
-            </a:r>
-            <a:endParaRPr lang="en-US" smtClean="0"/>
-          </a:p>
-          <a:p>
-            <a:r>
-              <a:rPr lang="en-US" smtClean="0"/>
+              <a:rPr lang="en-US" dirty="0"/>
+              <a:t>the question to cover some of the ideas that you’re integrating into your grant proposal- how does coding change in the HVAs (you’re not going to get there today, but eventually).  </a:t>
+            </a:r>
+            <a:endParaRPr lang="en-US" dirty="0" smtClean="0"/>
+          </a:p>
+          <a:p>
+            <a:r>
+              <a:rPr lang="en-US" dirty="0" smtClean="0"/>
               <a:t>Make </a:t>
             </a:r>
             <a:r>
-              <a:rPr lang="en-US"/>
-              <a:t>it more clear what the richness of the questions you can address </a:t>
-            </a:r>
-            <a:r>
-              <a:rPr lang="en-US"/>
-              <a:t>are</a:t>
-            </a:r>
-            <a:r>
-              <a:rPr lang="en-US" smtClean="0"/>
+              <a:rPr lang="en-US" dirty="0"/>
+              <a:t>it more clear what the richness of the questions you can address are</a:t>
+            </a:r>
+            <a:r>
+              <a:rPr lang="en-US" dirty="0" smtClean="0"/>
               <a:t>.</a:t>
             </a:r>
           </a:p>
           <a:p>
-            <a:endParaRPr lang="en-US" smtClean="0"/>
-          </a:p>
-          <a:p>
-            <a:r>
-              <a:rPr lang="en-US" smtClean="0"/>
+            <a:endParaRPr lang="en-US" dirty="0" smtClean="0"/>
+          </a:p>
+          <a:p>
+            <a:r>
+              <a:rPr lang="en-US" dirty="0" smtClean="0"/>
               <a:t>whether </a:t>
             </a:r>
             <a:r>
-              <a:rPr lang="en-US"/>
+              <a:rPr lang="en-US" dirty="0"/>
               <a:t>there is a difference in the amount of adaptation across areas.  Show the grand average traces across areas, and the quantification of the adaptation index. </a:t>
             </a:r>
-            <a:endParaRPr lang="en-US"/>
           </a:p>
         </p:txBody>
       </p:sp>
@@ -4157,14 +5356,14 @@
           </p:nvPr>
         </p:nvPicPr>
         <p:blipFill>
-          <a:blip r:embed="rId2"/>
+          <a:blip r:embed="rId3"/>
           <a:stretch>
             <a:fillRect/>
           </a:stretch>
         </p:blipFill>
         <p:spPr>
           <a:xfrm>
-            <a:off x="6172200" y="2812773"/>
+            <a:off x="6172200" y="1923068"/>
             <a:ext cx="5181600" cy="1686689"/>
           </a:xfrm>
           <a:prstGeom prst="rect">
@@ -4320,7 +5519,7 @@
         </p:nvSpPr>
         <p:spPr>
           <a:xfrm>
-            <a:off x="10528851" y="3725692"/>
+            <a:off x="10528851" y="2835987"/>
             <a:ext cx="795132" cy="302349"/>
           </a:xfrm>
           <a:prstGeom prst="rect">
@@ -4361,6 +5560,114 @@
                 </a:solidFill>
               </a:rPr>
               <a:t>~6.5 s</a:t>
+            </a:r>
+          </a:p>
+        </p:txBody>
+      </p:sp>
+      <p:pic>
+        <p:nvPicPr>
+          <p:cNvPr id="2" name="Picture 1"/>
+          <p:cNvPicPr>
+            <a:picLocks noChangeAspect="1"/>
+          </p:cNvPicPr>
+          <p:nvPr/>
+        </p:nvPicPr>
+        <p:blipFill rotWithShape="1">
+          <a:blip r:embed="rId4">
+            <a:extLst>
+              <a:ext uri="{28A0092B-C50C-407E-A947-70E740481C1C}">
+                <a14:useLocalDpi xmlns:a14="http://schemas.microsoft.com/office/drawing/2010/main" val="0"/>
+              </a:ext>
+            </a:extLst>
+          </a:blip>
+          <a:srcRect l="51073" t="43602" r="15057" b="13369"/>
+          <a:stretch/>
+        </p:blipFill>
+        <p:spPr>
+          <a:xfrm>
+            <a:off x="7507705" y="3609757"/>
+            <a:ext cx="2935706" cy="2541070"/>
+          </a:xfrm>
+          <a:prstGeom prst="rect">
+            <a:avLst/>
+          </a:prstGeom>
+        </p:spPr>
+      </p:pic>
+      <p:sp>
+        <p:nvSpPr>
+          <p:cNvPr id="8" name="TextBox 7"/>
+          <p:cNvSpPr txBox="1"/>
+          <p:nvPr/>
+        </p:nvSpPr>
+        <p:spPr>
+          <a:xfrm>
+            <a:off x="10018585" y="6173849"/>
+            <a:ext cx="2173415" cy="646331"/>
+          </a:xfrm>
+          <a:prstGeom prst="rect">
+            <a:avLst/>
+          </a:prstGeom>
+          <a:noFill/>
+        </p:spPr>
+        <p:txBody>
+          <a:bodyPr wrap="none" rtlCol="0">
+            <a:spAutoFit/>
+          </a:bodyPr>
+          <a:lstStyle/>
+          <a:p>
+            <a:pPr algn="r"/>
+            <a:r>
+              <a:rPr lang="en-US" dirty="0" err="1">
+                <a:solidFill>
+                  <a:schemeClr val="bg1">
+                    <a:lumMod val="75000"/>
+                  </a:schemeClr>
+                </a:solidFill>
+              </a:rPr>
+              <a:t>Jin</a:t>
+            </a:r>
+            <a:r>
+              <a:rPr lang="en-US" dirty="0">
+                <a:solidFill>
+                  <a:schemeClr val="bg1">
+                    <a:lumMod val="75000"/>
+                  </a:schemeClr>
+                </a:solidFill>
+              </a:rPr>
+              <a:t> et al. </a:t>
+            </a:r>
+            <a:r>
+              <a:rPr lang="en-US" dirty="0" smtClean="0">
+                <a:solidFill>
+                  <a:schemeClr val="bg1">
+                    <a:lumMod val="75000"/>
+                  </a:schemeClr>
+                </a:solidFill>
+              </a:rPr>
+              <a:t>(2019)</a:t>
+            </a:r>
+          </a:p>
+          <a:p>
+            <a:pPr algn="r"/>
+            <a:r>
+              <a:rPr lang="en-US" dirty="0" err="1">
+                <a:solidFill>
+                  <a:schemeClr val="bg1">
+                    <a:lumMod val="75000"/>
+                  </a:schemeClr>
+                </a:solidFill>
+              </a:rPr>
+              <a:t>Glickfeld</a:t>
+            </a:r>
+            <a:r>
+              <a:rPr lang="en-US" dirty="0">
+                <a:solidFill>
+                  <a:schemeClr val="bg1">
+                    <a:lumMod val="75000"/>
+                  </a:schemeClr>
+                </a:solidFill>
+              </a:rPr>
+              <a:t> et al. (2014)</a:t>
             </a:r>
           </a:p>
         </p:txBody>
@@ -4395,15 +5702,62 @@
           <a:chExt cx="0" cy="0"/>
         </a:xfrm>
       </p:grpSpPr>
+      <p:sp>
+        <p:nvSpPr>
+          <p:cNvPr id="6" name="Title 5"/>
+          <p:cNvSpPr>
+            <a:spLocks noGrp="1"/>
+          </p:cNvSpPr>
+          <p:nvPr>
+            <p:ph type="title"/>
+          </p:nvPr>
+        </p:nvSpPr>
+        <p:spPr/>
+        <p:txBody>
+          <a:bodyPr>
+            <a:normAutofit/>
+          </a:bodyPr>
+          <a:lstStyle/>
+          <a:p>
+            <a:r>
+              <a:rPr lang="en-US" sz="2800" dirty="0" smtClean="0">
+                <a:solidFill>
+                  <a:prstClr val="black"/>
+                </a:solidFill>
+              </a:rPr>
+              <a:t>Trace &amp; </a:t>
+            </a:r>
+            <a:r>
+              <a:rPr lang="en-US" sz="2800" dirty="0">
+                <a:solidFill>
+                  <a:prstClr val="black"/>
+                </a:solidFill>
+              </a:rPr>
+              <a:t>orientation tuning </a:t>
+            </a:r>
+            <a:r>
+              <a:rPr lang="en-US" sz="2800" dirty="0" smtClean="0">
+                <a:solidFill>
+                  <a:prstClr val="black"/>
+                </a:solidFill>
+              </a:rPr>
+              <a:t>of a single neuron without </a:t>
+            </a:r>
+            <a:r>
+              <a:rPr lang="en-US" sz="2800" dirty="0">
+                <a:solidFill>
+                  <a:prstClr val="black"/>
+                </a:solidFill>
+              </a:rPr>
+              <a:t>vs with adaptation</a:t>
+            </a:r>
+            <a:endParaRPr lang="en-US" sz="3200" dirty="0"/>
+          </a:p>
+        </p:txBody>
+      </p:sp>
       <p:pic>
         <p:nvPicPr>
-          <p:cNvPr id="11" name="Content Placeholder 5">
-            <a:extLst>
-              <a:ext uri="{FF2B5EF4-FFF2-40B4-BE49-F238E27FC236}">
-                <a16:creationId xmlns:a16="http://schemas.microsoft.com/office/drawing/2014/main" id="{0715C85C-7636-474D-9B38-E7C45EEC999D}"/>
-              </a:ext>
-            </a:extLst>
-          </p:cNvPr>
+          <p:cNvPr id="9" name="Content Placeholder 8"/>
           <p:cNvPicPr>
             <a:picLocks noGrp="1" noChangeAspect="1"/>
           </p:cNvPicPr>
@@ -4412,7 +5766,7 @@
           </p:nvPr>
         </p:nvPicPr>
         <p:blipFill>
-          <a:blip r:embed="rId2">
+          <a:blip r:embed="rId3">
             <a:extLst>
               <a:ext uri="{28A0092B-C50C-407E-A947-70E740481C1C}">
                 <a14:useLocalDpi xmlns:a14="http://schemas.microsoft.com/office/drawing/2010/main" val="0"/>
@@ -4430,40 +5784,45 @@
           </a:xfrm>
         </p:spPr>
       </p:pic>
-      <p:sp>
-        <p:nvSpPr>
-          <p:cNvPr id="2" name="Title 1"/>
-          <p:cNvSpPr>
-            <a:spLocks noGrp="1"/>
-          </p:cNvSpPr>
-          <p:nvPr>
-            <p:ph type="title"/>
-          </p:nvPr>
-        </p:nvSpPr>
-        <p:spPr/>
-        <p:txBody>
-          <a:bodyPr>
-            <a:normAutofit/>
-          </a:bodyPr>
-          <a:lstStyle/>
-          <a:p>
-            <a:r>
-              <a:rPr lang="en-US" sz="3200" dirty="0"/>
-              <a:t>dF/F trace &amp; orientation tuning without vs with adaptation</a:t>
-            </a:r>
-          </a:p>
-        </p:txBody>
-      </p:sp>
       <p:pic>
         <p:nvPicPr>
-          <p:cNvPr id="3" name="图片 2"/>
+          <p:cNvPr id="10" name="Content Placeholder 9"/>
+          <p:cNvPicPr>
+            <a:picLocks noGrp="1" noChangeAspect="1"/>
+          </p:cNvPicPr>
+          <p:nvPr>
+            <p:ph sz="half" idx="2"/>
+          </p:nvPr>
+        </p:nvPicPr>
+        <p:blipFill>
+          <a:blip r:embed="rId4">
+            <a:extLst>
+              <a:ext uri="{28A0092B-C50C-407E-A947-70E740481C1C}">
+                <a14:useLocalDpi xmlns:a14="http://schemas.microsoft.com/office/drawing/2010/main" val="0"/>
+              </a:ext>
+            </a:extLst>
+          </a:blip>
+          <a:stretch>
+            <a:fillRect/>
+          </a:stretch>
+        </p:blipFill>
+        <p:spPr>
+          <a:xfrm>
+            <a:off x="6613729" y="1825625"/>
+            <a:ext cx="4298541" cy="4351338"/>
+          </a:xfrm>
+        </p:spPr>
+      </p:pic>
+      <p:pic>
+        <p:nvPicPr>
+          <p:cNvPr id="5" name="图片 2"/>
           <p:cNvPicPr>
             <a:picLocks noChangeAspect="1"/>
           </p:cNvPicPr>
           <p:nvPr/>
         </p:nvPicPr>
         <p:blipFill>
-          <a:blip r:embed="rId3"/>
+          <a:blip r:embed="rId5"/>
           <a:stretch>
             <a:fillRect/>
           </a:stretch>
@@ -4480,14 +5839,14 @@
       </p:pic>
       <p:pic>
         <p:nvPicPr>
-          <p:cNvPr id="4" name="图片 3"/>
+          <p:cNvPr id="7" name="图片 3"/>
           <p:cNvPicPr>
             <a:picLocks noChangeAspect="1"/>
           </p:cNvPicPr>
           <p:nvPr/>
         </p:nvPicPr>
         <p:blipFill>
-          <a:blip r:embed="rId4"/>
+          <a:blip r:embed="rId6"/>
           <a:stretch>
             <a:fillRect/>
           </a:stretch>
@@ -4502,145 +5861,10 @@
           </a:prstGeom>
         </p:spPr>
       </p:pic>
-      <p:pic>
-        <p:nvPicPr>
-          <p:cNvPr id="12" name="Content Placeholder 4">
-            <a:extLst>
-              <a:ext uri="{FF2B5EF4-FFF2-40B4-BE49-F238E27FC236}">
-                <a16:creationId xmlns:a16="http://schemas.microsoft.com/office/drawing/2014/main" id="{D09B38A8-9B46-44FE-A4C8-28F285E75E07}"/>
-              </a:ext>
-            </a:extLst>
-          </p:cNvPr>
-          <p:cNvPicPr>
-            <a:picLocks noGrp="1" noChangeAspect="1"/>
-          </p:cNvPicPr>
-          <p:nvPr>
-            <p:ph sz="half" idx="2"/>
-          </p:nvPr>
-        </p:nvPicPr>
-        <p:blipFill>
-          <a:blip r:embed="rId5">
-            <a:extLst>
-              <a:ext uri="{28A0092B-C50C-407E-A947-70E740481C1C}">
-                <a14:useLocalDpi xmlns:a14="http://schemas.microsoft.com/office/drawing/2010/main" val="0"/>
-              </a:ext>
-            </a:extLst>
-          </a:blip>
-          <a:stretch>
-            <a:fillRect/>
-          </a:stretch>
-        </p:blipFill>
-        <p:spPr>
-          <a:xfrm>
-            <a:off x="6613729" y="1825625"/>
-            <a:ext cx="4298541" cy="4351338"/>
-          </a:xfrm>
-        </p:spPr>
-      </p:pic>
-      <p:sp>
-        <p:nvSpPr>
-          <p:cNvPr id="5" name="文本框 4"/>
-          <p:cNvSpPr txBox="1"/>
-          <p:nvPr/>
-        </p:nvSpPr>
-        <p:spPr>
-          <a:xfrm>
-            <a:off x="373190" y="5734585"/>
-            <a:ext cx="10920554" cy="923330"/>
-          </a:xfrm>
-          <a:prstGeom prst="rect">
-            <a:avLst/>
-          </a:prstGeom>
-          <a:noFill/>
-        </p:spPr>
-        <p:txBody>
-          <a:bodyPr wrap="none" rtlCol="0">
-            <a:spAutoFit/>
-          </a:bodyPr>
-          <a:lstStyle/>
-          <a:p>
-            <a:r>
-              <a:rPr lang="en-US">
-                <a:solidFill>
-                  <a:srgbClr val="FF0000"/>
-                </a:solidFill>
-              </a:rPr>
-              <a:t>mismatch between the quantification and the traces. For instance, the 45 deg stimulus after a 750 ms ISI seems </a:t>
-            </a:r>
-            <a:r>
-              <a:rPr lang="en-US">
-                <a:solidFill>
-                  <a:srgbClr val="FF0000"/>
-                </a:solidFill>
-              </a:rPr>
-              <a:t>to </a:t>
-            </a:r>
-            <a:endParaRPr lang="en-US" smtClean="0">
-              <a:solidFill>
-                <a:srgbClr val="FF0000"/>
-              </a:solidFill>
-            </a:endParaRPr>
-          </a:p>
-          <a:p>
-            <a:r>
-              <a:rPr lang="en-US" smtClean="0">
-                <a:solidFill>
-                  <a:srgbClr val="FF0000"/>
-                </a:solidFill>
-              </a:rPr>
-              <a:t>have </a:t>
-            </a:r>
-            <a:r>
-              <a:rPr lang="en-US">
-                <a:solidFill>
-                  <a:srgbClr val="FF0000"/>
-                </a:solidFill>
-              </a:rPr>
-              <a:t>a large facilitation of the response- but this doesn’t appear in the mean+/-sem on the right</a:t>
-            </a:r>
-            <a:r>
-              <a:rPr lang="en-US">
-                <a:solidFill>
-                  <a:srgbClr val="FF0000"/>
-                </a:solidFill>
-              </a:rPr>
-              <a:t>. </a:t>
-            </a:r>
-            <a:endParaRPr lang="en-US" smtClean="0">
-              <a:solidFill>
-                <a:srgbClr val="FF0000"/>
-              </a:solidFill>
-            </a:endParaRPr>
-          </a:p>
-          <a:p>
-            <a:r>
-              <a:rPr lang="en-US" smtClean="0">
-                <a:solidFill>
-                  <a:srgbClr val="FF0000"/>
-                </a:solidFill>
-              </a:rPr>
-              <a:t>Also- </a:t>
-            </a:r>
-            <a:r>
-              <a:rPr lang="en-US">
-                <a:solidFill>
-                  <a:srgbClr val="FF0000"/>
-                </a:solidFill>
-              </a:rPr>
-              <a:t>doesn’t seem like there’s much adaptation at all- and this cell doesn’t really respond much to the adapter.</a:t>
-            </a:r>
-            <a:endParaRPr lang="en-US">
-              <a:solidFill>
-                <a:srgbClr val="FF0000"/>
-              </a:solidFill>
-            </a:endParaRPr>
-          </a:p>
-        </p:txBody>
-      </p:sp>
     </p:spTree>
     <p:extLst>
       <p:ext uri="{BB962C8B-B14F-4D97-AF65-F5344CB8AC3E}">
-        <p14:creationId xmlns:p14="http://schemas.microsoft.com/office/powerpoint/2010/main" val="2648570806"/>
+        <p14:creationId xmlns:p14="http://schemas.microsoft.com/office/powerpoint/2010/main" val="311073265"/>
       </p:ext>
     </p:extLst>
   </p:cSld>
@@ -4672,7 +5896,7 @@
           <p:cNvPr id="5" name="Title 4">
             <a:extLst>
               <a:ext uri="{FF2B5EF4-FFF2-40B4-BE49-F238E27FC236}">
-                <a16:creationId xmlns:a16="http://schemas.microsoft.com/office/drawing/2014/main" id="{8C2109F9-4249-4B8A-9EAD-6207C1C528BE}"/>
+                <a16:creationId xmlns:a16="http://schemas.microsoft.com/office/drawing/2014/main" xmlns="" id="{8C2109F9-4249-4B8A-9EAD-6207C1C528BE}"/>
               </a:ext>
             </a:extLst>
           </p:cNvPr>
@@ -4695,31 +5919,64 @@
           </a:p>
         </p:txBody>
       </p:sp>
-      <p:sp>
-        <p:nvSpPr>
-          <p:cNvPr id="6" name="Content Placeholder 5">
-            <a:extLst>
-              <a:ext uri="{FF2B5EF4-FFF2-40B4-BE49-F238E27FC236}">
-                <a16:creationId xmlns:a16="http://schemas.microsoft.com/office/drawing/2014/main" id="{C0970A76-60FA-40D0-836D-B4A9D5D330B7}"/>
-              </a:ext>
-            </a:extLst>
-          </p:cNvPr>
-          <p:cNvSpPr>
-            <a:spLocks noGrp="1"/>
-          </p:cNvSpPr>
-          <p:nvPr>
-            <p:ph idx="1"/>
-          </p:nvPr>
-        </p:nvSpPr>
-        <p:spPr/>
-        <p:txBody>
-          <a:bodyPr/>
-          <a:lstStyle/>
-          <a:p>
-            <a:endParaRPr lang="en-US"/>
-          </a:p>
-        </p:txBody>
-      </p:sp>
+      <p:pic>
+        <p:nvPicPr>
+          <p:cNvPr id="4" name="Content Placeholder 3"/>
+          <p:cNvPicPr>
+            <a:picLocks noGrp="1" noChangeAspect="1"/>
+          </p:cNvPicPr>
+          <p:nvPr>
+            <p:ph sz="half" idx="1"/>
+          </p:nvPr>
+        </p:nvPicPr>
+        <p:blipFill>
+          <a:blip r:embed="rId2">
+            <a:extLst>
+              <a:ext uri="{28A0092B-C50C-407E-A947-70E740481C1C}">
+                <a14:useLocalDpi xmlns:a14="http://schemas.microsoft.com/office/drawing/2010/main" val="0"/>
+              </a:ext>
+            </a:extLst>
+          </a:blip>
+          <a:stretch>
+            <a:fillRect/>
+          </a:stretch>
+        </p:blipFill>
+        <p:spPr>
+          <a:xfrm>
+            <a:off x="838200" y="2058934"/>
+            <a:ext cx="5181600" cy="3884719"/>
+          </a:xfrm>
+        </p:spPr>
+      </p:pic>
+      <p:pic>
+        <p:nvPicPr>
+          <p:cNvPr id="7" name="Content Placeholder 6"/>
+          <p:cNvPicPr>
+            <a:picLocks noGrp="1" noChangeAspect="1"/>
+          </p:cNvPicPr>
+          <p:nvPr>
+            <p:ph sz="half" idx="2"/>
+          </p:nvPr>
+        </p:nvPicPr>
+        <p:blipFill>
+          <a:blip r:embed="rId3">
+            <a:extLst>
+              <a:ext uri="{28A0092B-C50C-407E-A947-70E740481C1C}">
+                <a14:useLocalDpi xmlns:a14="http://schemas.microsoft.com/office/drawing/2010/main" val="0"/>
+              </a:ext>
+            </a:extLst>
+          </a:blip>
+          <a:stretch>
+            <a:fillRect/>
+          </a:stretch>
+        </p:blipFill>
+        <p:spPr>
+          <a:xfrm>
+            <a:off x="6172200" y="2058934"/>
+            <a:ext cx="5181600" cy="3884719"/>
+          </a:xfrm>
+        </p:spPr>
+      </p:pic>
     </p:spTree>
     <p:extLst>
       <p:ext uri="{BB962C8B-B14F-4D97-AF65-F5344CB8AC3E}">
@@ -4772,31 +6029,35 @@
           </a:p>
         </p:txBody>
       </p:sp>
-      <p:sp>
-        <p:nvSpPr>
-          <p:cNvPr id="3" name="Content Placeholder 2">
-            <a:extLst>
-              <a:ext uri="{FF2B5EF4-FFF2-40B4-BE49-F238E27FC236}">
-                <a16:creationId xmlns:a16="http://schemas.microsoft.com/office/drawing/2014/main" id="{D2658404-F2EF-43E6-A645-03AD07F11A92}"/>
-              </a:ext>
-            </a:extLst>
-          </p:cNvPr>
-          <p:cNvSpPr>
-            <a:spLocks noGrp="1"/>
-          </p:cNvSpPr>
+      <p:pic>
+        <p:nvPicPr>
+          <p:cNvPr id="2" name="Content Placeholder 1"/>
+          <p:cNvPicPr>
+            <a:picLocks noGrp="1" noChangeAspect="1"/>
+          </p:cNvPicPr>
           <p:nvPr>
             <p:ph idx="1"/>
           </p:nvPr>
-        </p:nvSpPr>
-        <p:spPr/>
-        <p:txBody>
-          <a:bodyPr/>
-          <a:lstStyle/>
-          <a:p>
-            <a:endParaRPr lang="en-US"/>
-          </a:p>
-        </p:txBody>
-      </p:sp>
+        </p:nvPicPr>
+        <p:blipFill>
+          <a:blip r:embed="rId3">
+            <a:extLst>
+              <a:ext uri="{28A0092B-C50C-407E-A947-70E740481C1C}">
+                <a14:useLocalDpi xmlns:a14="http://schemas.microsoft.com/office/drawing/2010/main" val="0"/>
+              </a:ext>
+            </a:extLst>
+          </a:blip>
+          <a:stretch>
+            <a:fillRect/>
+          </a:stretch>
+        </p:blipFill>
+        <p:spPr>
+          <a:xfrm>
+            <a:off x="1746862" y="1825625"/>
+            <a:ext cx="8698276" cy="4351338"/>
+          </a:xfrm>
+        </p:spPr>
+      </p:pic>
     </p:spTree>
     <p:extLst>
       <p:ext uri="{BB962C8B-B14F-4D97-AF65-F5344CB8AC3E}">
@@ -4829,7 +6090,7 @@
       </p:grpSpPr>
       <p:sp>
         <p:nvSpPr>
-          <p:cNvPr id="2" name="标题 1"/>
+          <p:cNvPr id="4" name="Title 3"/>
           <p:cNvSpPr>
             <a:spLocks noGrp="1"/>
           </p:cNvSpPr>
@@ -4843,40 +6104,45 @@
           <a:lstStyle/>
           <a:p>
             <a:r>
-              <a:rPr lang="en-US" smtClean="0"/>
-              <a:t>Q2</a:t>
-            </a:r>
-            <a:endParaRPr lang="en-US"/>
-          </a:p>
-        </p:txBody>
-      </p:sp>
-      <p:sp>
-        <p:nvSpPr>
-          <p:cNvPr id="3" name="内容占位符 2"/>
-          <p:cNvSpPr>
-            <a:spLocks noGrp="1"/>
-          </p:cNvSpPr>
+              <a:rPr lang="en-US" sz="3200" dirty="0"/>
+              <a:t>Adaptation index across areas</a:t>
+            </a:r>
+          </a:p>
+        </p:txBody>
+      </p:sp>
+      <p:pic>
+        <p:nvPicPr>
+          <p:cNvPr id="5" name="Content Placeholder 4"/>
+          <p:cNvPicPr>
+            <a:picLocks noGrp="1" noChangeAspect="1"/>
+          </p:cNvPicPr>
           <p:nvPr>
             <p:ph idx="1"/>
           </p:nvPr>
-        </p:nvSpPr>
-        <p:spPr/>
-        <p:txBody>
-          <a:bodyPr/>
-          <a:lstStyle/>
-          <a:p>
-            <a:r>
-              <a:rPr lang="en-US"/>
-              <a:t>motivation for inter-individual variability.</a:t>
-            </a:r>
-            <a:endParaRPr lang="en-US"/>
-          </a:p>
-        </p:txBody>
-      </p:sp>
+        </p:nvPicPr>
+        <p:blipFill>
+          <a:blip r:embed="rId3">
+            <a:extLst>
+              <a:ext uri="{28A0092B-C50C-407E-A947-70E740481C1C}">
+                <a14:useLocalDpi xmlns:a14="http://schemas.microsoft.com/office/drawing/2010/main" val="0"/>
+              </a:ext>
+            </a:extLst>
+          </a:blip>
+          <a:stretch>
+            <a:fillRect/>
+          </a:stretch>
+        </p:blipFill>
+        <p:spPr>
+          <a:xfrm>
+            <a:off x="3194002" y="1825625"/>
+            <a:ext cx="5803995" cy="4351338"/>
+          </a:xfrm>
+        </p:spPr>
+      </p:pic>
     </p:spTree>
     <p:extLst>
       <p:ext uri="{BB962C8B-B14F-4D97-AF65-F5344CB8AC3E}">
-        <p14:creationId xmlns:p14="http://schemas.microsoft.com/office/powerpoint/2010/main" val="3082718648"/>
+        <p14:creationId xmlns:p14="http://schemas.microsoft.com/office/powerpoint/2010/main" val="2422670441"/>
       </p:ext>
     </p:extLst>
   </p:cSld>
@@ -4905,13 +6171,7 @@
       </p:grpSpPr>
       <p:sp>
         <p:nvSpPr>
-          <p:cNvPr id="5" name="Title 4">
-            <a:extLst>
-              <a:ext uri="{FF2B5EF4-FFF2-40B4-BE49-F238E27FC236}">
-                <a16:creationId xmlns:a16="http://schemas.microsoft.com/office/drawing/2014/main" id="{8C2109F9-4249-4B8A-9EAD-6207C1C528BE}"/>
-              </a:ext>
-            </a:extLst>
-          </p:cNvPr>
+          <p:cNvPr id="2" name="标题 1"/>
           <p:cNvSpPr>
             <a:spLocks noGrp="1"/>
           </p:cNvSpPr>
@@ -4925,21 +6185,16 @@
           <a:lstStyle/>
           <a:p>
             <a:r>
-              <a:rPr lang="en-US" sz="3200" dirty="0"/>
-              <a:t>Trace of trials average across mice</a:t>
-            </a:r>
-          </a:p>
-        </p:txBody>
-      </p:sp>
-      <p:sp>
-        <p:nvSpPr>
-          <p:cNvPr id="6" name="Content Placeholder 5">
-            <a:extLst>
-              <a:ext uri="{FF2B5EF4-FFF2-40B4-BE49-F238E27FC236}">
-                <a16:creationId xmlns:a16="http://schemas.microsoft.com/office/drawing/2014/main" id="{C0970A76-60FA-40D0-836D-B4A9D5D330B7}"/>
-              </a:ext>
-            </a:extLst>
-          </p:cNvPr>
+              <a:rPr lang="en-US" smtClean="0"/>
+              <a:t>Q2</a:t>
+            </a:r>
+            <a:endParaRPr lang="en-US"/>
+          </a:p>
+        </p:txBody>
+      </p:sp>
+      <p:sp>
+        <p:nvSpPr>
+          <p:cNvPr id="3" name="内容占位符 2"/>
           <p:cNvSpPr>
             <a:spLocks noGrp="1"/>
           </p:cNvSpPr>
@@ -4952,14 +6207,40 @@
           <a:bodyPr/>
           <a:lstStyle/>
           <a:p>
-            <a:endParaRPr lang="en-US"/>
+            <a:r>
+              <a:rPr lang="en-US" dirty="0"/>
+              <a:t>motivation for inter-individual </a:t>
+            </a:r>
+            <a:r>
+              <a:rPr lang="en-US" dirty="0" smtClean="0"/>
+              <a:t>variability</a:t>
+            </a:r>
+            <a:r>
+              <a:rPr lang="en-US" dirty="0"/>
+              <a:t>:</a:t>
+            </a:r>
+            <a:endParaRPr lang="en-US" dirty="0" smtClean="0"/>
+          </a:p>
+          <a:p>
+            <a:r>
+              <a:rPr lang="en-US" dirty="0" smtClean="0"/>
+              <a:t>Why mirror image?</a:t>
+            </a:r>
+            <a:endParaRPr lang="en-US" dirty="0"/>
+          </a:p>
+          <a:p>
+            <a:r>
+              <a:rPr lang="en-US" dirty="0" smtClean="0"/>
+              <a:t>Averaged over areas. Hidden variance?</a:t>
+            </a:r>
+            <a:endParaRPr lang="en-US" dirty="0"/>
           </a:p>
         </p:txBody>
       </p:sp>
     </p:spTree>
     <p:extLst>
       <p:ext uri="{BB962C8B-B14F-4D97-AF65-F5344CB8AC3E}">
-        <p14:creationId xmlns:p14="http://schemas.microsoft.com/office/powerpoint/2010/main" val="1638117626"/>
+        <p14:creationId xmlns:p14="http://schemas.microsoft.com/office/powerpoint/2010/main" val="3082718648"/>
       </p:ext>
     </p:extLst>
   </p:cSld>
@@ -5262,4 +6543,265 @@
     </a:ext>
   </a:extLst>
 </a:theme>
+</file>
+
+<file path=ppt/theme/theme2.xml><?xml version="1.0" encoding="utf-8"?>
+<a:theme xmlns:a="http://schemas.openxmlformats.org/drawingml/2006/main" name="Office Theme">
+  <a:themeElements>
+    <a:clrScheme name="Office">
+      <a:dk1>
+        <a:sysClr val="windowText" lastClr="000000"/>
+      </a:dk1>
+      <a:lt1>
+        <a:sysClr val="window" lastClr="FFFFFF"/>
+      </a:lt1>
+      <a:dk2>
+        <a:srgbClr val="44546A"/>
+      </a:dk2>
+      <a:lt2>
+        <a:srgbClr val="E7E6E6"/>
+      </a:lt2>
+      <a:accent1>
+        <a:srgbClr val="5B9BD5"/>
+      </a:accent1>
+      <a:accent2>
+        <a:srgbClr val="ED7D31"/>
+      </a:accent2>
+      <a:accent3>
+        <a:srgbClr val="A5A5A5"/>
+      </a:accent3>
+      <a:accent4>
+        <a:srgbClr val="FFC000"/>
+      </a:accent4>
+      <a:accent5>
+        <a:srgbClr val="4472C4"/>
+      </a:accent5>
+      <a:accent6>
+        <a:srgbClr val="70AD47"/>
+      </a:accent6>
+      <a:hlink>
+        <a:srgbClr val="0563C1"/>
+      </a:hlink>
+      <a:folHlink>
+        <a:srgbClr val="954F72"/>
+      </a:folHlink>
+    </a:clrScheme>
+    <a:fontScheme name="Office">
+      <a:majorFont>
+        <a:latin typeface="Calibri Light" panose="020F0302020204030204"/>
+        <a:ea typeface=""/>
+        <a:cs typeface=""/>
+        <a:font script="Jpan" typeface="ＭＳ Ｐゴシック"/>
+        <a:font script="Hang" typeface="맑은 고딕"/>
+        <a:font script="Hans" typeface="宋体"/>
+        <a:font script="Hant" typeface="新細明體"/>
+        <a:font script="Arab" typeface="Times New Roman"/>
+        <a:font script="Hebr" typeface="Times New Roman"/>
+        <a:font script="Thai" typeface="Angsana New"/>
+        <a:font script="Ethi" typeface="Nyala"/>
+        <a:font script="Beng" typeface="Vrinda"/>
+        <a:font script="Gujr" typeface="Shruti"/>
+        <a:font script="Khmr" typeface="MoolBoran"/>
+        <a:font script="Knda" typeface="Tunga"/>
+        <a:font script="Guru" typeface="Raavi"/>
+        <a:font script="Cans" typeface="Euphemia"/>
+        <a:font script="Cher" typeface="Plantagenet Cherokee"/>
+        <a:font script="Yiii" typeface="Microsoft Yi Baiti"/>
+        <a:font script="Tibt" typeface="Microsoft Himalaya"/>
+        <a:font script="Thaa" typeface="MV Boli"/>
+        <a:font script="Deva" typeface="Mangal"/>
+        <a:font script="Telu" typeface="Gautami"/>
+        <a:font script="Taml" typeface="Latha"/>
+        <a:font script="Syrc" typeface="Estrangelo Edessa"/>
+        <a:font script="Orya" typeface="Kalinga"/>
+        <a:font script="Mlym" typeface="Kartika"/>
+        <a:font script="Laoo" typeface="DokChampa"/>
+        <a:font script="Sinh" typeface="Iskoola Pota"/>
+        <a:font script="Mong" typeface="Mongolian Baiti"/>
+        <a:font script="Viet" typeface="Times New Roman"/>
+        <a:font script="Uigh" typeface="Microsoft Uighur"/>
+        <a:font script="Geor" typeface="Sylfaen"/>
+      </a:majorFont>
+      <a:minorFont>
+        <a:latin typeface="Calibri" panose="020F0502020204030204"/>
+        <a:ea typeface=""/>
+        <a:cs typeface=""/>
+        <a:font script="Jpan" typeface="ＭＳ Ｐゴシック"/>
+        <a:font script="Hang" typeface="맑은 고딕"/>
+        <a:font script="Hans" typeface="宋体"/>
+        <a:font script="Hant" typeface="新細明體"/>
+        <a:font script="Arab" typeface="Arial"/>
+        <a:font script="Hebr" typeface="Arial"/>
+        <a:font script="Thai" typeface="Cordia New"/>
+        <a:font script="Ethi" typeface="Nyala"/>
+        <a:font script="Beng" typeface="Vrinda"/>
+        <a:font script="Gujr" typeface="Shruti"/>
+        <a:font script="Khmr" typeface="DaunPenh"/>
+        <a:font script="Knda" typeface="Tunga"/>
+        <a:font script="Guru" typeface="Raavi"/>
+        <a:font script="Cans" typeface="Euphemia"/>
+        <a:font script="Cher" typeface="Plantagenet Cherokee"/>
+        <a:font script="Yiii" typeface="Microsoft Yi Baiti"/>
+        <a:font script="Tibt" typeface="Microsoft Himalaya"/>
+        <a:font script="Thaa" typeface="MV Boli"/>
+        <a:font script="Deva" typeface="Mangal"/>
+        <a:font script="Telu" typeface="Gautami"/>
+        <a:font script="Taml" typeface="Latha"/>
+        <a:font script="Syrc" typeface="Estrangelo Edessa"/>
+        <a:font script="Orya" typeface="Kalinga"/>
+        <a:font script="Mlym" typeface="Kartika"/>
+        <a:font script="Laoo" typeface="DokChampa"/>
+        <a:font script="Sinh" typeface="Iskoola Pota"/>
+        <a:font script="Mong" typeface="Mongolian Baiti"/>
+        <a:font script="Viet" typeface="Arial"/>
+        <a:font script="Uigh" typeface="Microsoft Uighur"/>
+        <a:font script="Geor" typeface="Sylfaen"/>
+      </a:minorFont>
+    </a:fontScheme>
+    <a:fmtScheme name="Office">
+      <a:fillStyleLst>
+        <a:solidFill>
+          <a:schemeClr val="phClr"/>
+        </a:solidFill>
+        <a:gradFill rotWithShape="1">
+          <a:gsLst>
+            <a:gs pos="0">
+              <a:schemeClr val="phClr">
+                <a:lumMod val="110000"/>
+                <a:satMod val="105000"/>
+                <a:tint val="67000"/>
+              </a:schemeClr>
+            </a:gs>
+            <a:gs pos="50000">
+              <a:schemeClr val="phClr">
+                <a:lumMod val="105000"/>
+                <a:satMod val="103000"/>
+                <a:tint val="73000"/>
+              </a:schemeClr>
+            </a:gs>
+            <a:gs pos="100000">
+              <a:schemeClr val="phClr">
+                <a:lumMod val="105000"/>
+                <a:satMod val="109000"/>
+                <a:tint val="81000"/>
+              </a:schemeClr>
+            </a:gs>
+          </a:gsLst>
+          <a:lin ang="5400000" scaled="0"/>
+        </a:gradFill>
+        <a:gradFill rotWithShape="1">
+          <a:gsLst>
+            <a:gs pos="0">
+              <a:schemeClr val="phClr">
+                <a:satMod val="103000"/>
+                <a:lumMod val="102000"/>
+                <a:tint val="94000"/>
+              </a:schemeClr>
+            </a:gs>
+            <a:gs pos="50000">
+              <a:schemeClr val="phClr">
+                <a:satMod val="110000"/>
+                <a:lumMod val="100000"/>
+                <a:shade val="100000"/>
+              </a:schemeClr>
+            </a:gs>
+            <a:gs pos="100000">
+              <a:schemeClr val="phClr">
+                <a:lumMod val="99000"/>
+                <a:satMod val="120000"/>
+                <a:shade val="78000"/>
+              </a:schemeClr>
+            </a:gs>
+          </a:gsLst>
+          <a:lin ang="5400000" scaled="0"/>
+        </a:gradFill>
+      </a:fillStyleLst>
+      <a:lnStyleLst>
+        <a:ln w="6350" cap="flat" cmpd="sng" algn="ctr">
+          <a:solidFill>
+            <a:schemeClr val="phClr"/>
+          </a:solidFill>
+          <a:prstDash val="solid"/>
+          <a:miter lim="800000"/>
+        </a:ln>
+        <a:ln w="12700" cap="flat" cmpd="sng" algn="ctr">
+          <a:solidFill>
+            <a:schemeClr val="phClr"/>
+          </a:solidFill>
+          <a:prstDash val="solid"/>
+          <a:miter lim="800000"/>
+        </a:ln>
+        <a:ln w="19050" cap="flat" cmpd="sng" algn="ctr">
+          <a:solidFill>
+            <a:schemeClr val="phClr"/>
+          </a:solidFill>
+          <a:prstDash val="solid"/>
+          <a:miter lim="800000"/>
+        </a:ln>
+      </a:lnStyleLst>
+      <a:effectStyleLst>
+        <a:effectStyle>
+          <a:effectLst/>
+        </a:effectStyle>
+        <a:effectStyle>
+          <a:effectLst/>
+        </a:effectStyle>
+        <a:effectStyle>
+          <a:effectLst>
+            <a:outerShdw blurRad="57150" dist="19050" dir="5400000" algn="ctr" rotWithShape="0">
+              <a:srgbClr val="000000">
+                <a:alpha val="63000"/>
+              </a:srgbClr>
+            </a:outerShdw>
+          </a:effectLst>
+        </a:effectStyle>
+      </a:effectStyleLst>
+      <a:bgFillStyleLst>
+        <a:solidFill>
+          <a:schemeClr val="phClr"/>
+        </a:solidFill>
+        <a:solidFill>
+          <a:schemeClr val="phClr">
+            <a:tint val="95000"/>
+            <a:satMod val="170000"/>
+          </a:schemeClr>
+        </a:solidFill>
+        <a:gradFill rotWithShape="1">
+          <a:gsLst>
+            <a:gs pos="0">
+              <a:schemeClr val="phClr">
+                <a:tint val="93000"/>
+                <a:satMod val="150000"/>
+                <a:shade val="98000"/>
+                <a:lumMod val="102000"/>
+              </a:schemeClr>
+            </a:gs>
+            <a:gs pos="50000">
+              <a:schemeClr val="phClr">
+                <a:tint val="98000"/>
+                <a:satMod val="130000"/>
+                <a:shade val="90000"/>
+                <a:lumMod val="103000"/>
+              </a:schemeClr>
+            </a:gs>
+            <a:gs pos="100000">
+              <a:schemeClr val="phClr">
+                <a:shade val="63000"/>
+                <a:satMod val="120000"/>
+              </a:schemeClr>
+            </a:gs>
+          </a:gsLst>
+          <a:lin ang="5400000" scaled="0"/>
+        </a:gradFill>
+      </a:bgFillStyleLst>
+    </a:fmtScheme>
+  </a:themeElements>
+  <a:objectDefaults/>
+  <a:extraClrSchemeLst/>
+  <a:extLst>
+    <a:ext uri="{05A4C25C-085E-4340-85A3-A5531E510DB2}">
+      <thm15:themeFamily xmlns:thm15="http://schemas.microsoft.com/office/thememl/2012/main" name="Office Theme" id="{62F939B6-93AF-4DB8-9C6B-D6C7DFDC589F}" vid="{4A3C46E8-61CC-4603-A589-7422A47A8E4A}"/>
+    </a:ext>
+  </a:extLst>
+</a:theme>
 </file>
--- a/code/Jin2020/200903_LL.pptx
+++ b/code/Jin2020/200903_LL.pptx
@@ -5,26 +5,27 @@
     <p:sldMasterId id="2147483648" r:id="rId1"/>
   </p:sldMasterIdLst>
   <p:notesMasterIdLst>
-    <p:notesMasterId r:id="rId19"/>
+    <p:notesMasterId r:id="rId20"/>
   </p:notesMasterIdLst>
   <p:sldIdLst>
     <p:sldId id="256" r:id="rId2"/>
     <p:sldId id="264" r:id="rId3"/>
-    <p:sldId id="271" r:id="rId4"/>
+    <p:sldId id="279" r:id="rId4"/>
     <p:sldId id="266" r:id="rId5"/>
     <p:sldId id="275" r:id="rId6"/>
-    <p:sldId id="268" r:id="rId7"/>
-    <p:sldId id="258" r:id="rId8"/>
-    <p:sldId id="276" r:id="rId9"/>
-    <p:sldId id="272" r:id="rId10"/>
-    <p:sldId id="269" r:id="rId11"/>
-    <p:sldId id="260" r:id="rId12"/>
-    <p:sldId id="277" r:id="rId13"/>
-    <p:sldId id="270" r:id="rId14"/>
-    <p:sldId id="263" r:id="rId15"/>
-    <p:sldId id="278" r:id="rId16"/>
-    <p:sldId id="273" r:id="rId17"/>
-    <p:sldId id="274" r:id="rId18"/>
+    <p:sldId id="280" r:id="rId7"/>
+    <p:sldId id="268" r:id="rId8"/>
+    <p:sldId id="258" r:id="rId9"/>
+    <p:sldId id="276" r:id="rId10"/>
+    <p:sldId id="272" r:id="rId11"/>
+    <p:sldId id="269" r:id="rId12"/>
+    <p:sldId id="260" r:id="rId13"/>
+    <p:sldId id="277" r:id="rId14"/>
+    <p:sldId id="270" r:id="rId15"/>
+    <p:sldId id="263" r:id="rId16"/>
+    <p:sldId id="278" r:id="rId17"/>
+    <p:sldId id="273" r:id="rId18"/>
+    <p:sldId id="274" r:id="rId19"/>
   </p:sldIdLst>
   <p:sldSz cx="12192000" cy="6858000"/>
   <p:notesSz cx="6858000" cy="9144000"/>
@@ -543,7 +544,69 @@
                 <a:ea typeface="+mn-ea"/>
                 <a:cs typeface="+mn-cs"/>
               </a:rPr>
-              <a:t>area LI responds to both visual and auditory stimuli</a:t>
+              <a:t>Borderline area </a:t>
+            </a:r>
+            <a:r>
+              <a:rPr lang="en-US" sz="1200" b="0" i="0" kern="1200" dirty="0" smtClean="0">
+                <a:solidFill>
+                  <a:schemeClr val="tx1"/>
+                </a:solidFill>
+                <a:effectLst/>
+                <a:latin typeface="+mn-lt"/>
+                <a:ea typeface="+mn-ea"/>
+                <a:cs typeface="+mn-cs"/>
+              </a:rPr>
+              <a:t>LI responds to both visual and auditory </a:t>
+            </a:r>
+            <a:r>
+              <a:rPr lang="en-US" sz="1200" b="0" i="0" kern="1200" dirty="0" smtClean="0">
+                <a:solidFill>
+                  <a:schemeClr val="tx1"/>
+                </a:solidFill>
+                <a:effectLst/>
+                <a:latin typeface="+mn-lt"/>
+                <a:ea typeface="+mn-ea"/>
+                <a:cs typeface="+mn-cs"/>
+              </a:rPr>
+              <a:t>stimuli. Hardly recorded from</a:t>
+            </a:r>
+          </a:p>
+          <a:p>
+            <a:r>
+              <a:rPr lang="en-US" sz="1200" b="0" i="0" kern="1200" dirty="0" smtClean="0">
+                <a:solidFill>
+                  <a:schemeClr val="tx1"/>
+                </a:solidFill>
+                <a:effectLst/>
+                <a:latin typeface="+mn-lt"/>
+                <a:ea typeface="+mn-ea"/>
+                <a:cs typeface="+mn-cs"/>
+              </a:rPr>
+              <a:t>Why these stim </a:t>
+            </a:r>
+            <a:r>
+              <a:rPr lang="en-US" sz="1200" b="0" i="0" kern="1200" dirty="0" err="1" smtClean="0">
+                <a:solidFill>
+                  <a:schemeClr val="tx1"/>
+                </a:solidFill>
+                <a:effectLst/>
+                <a:latin typeface="+mn-lt"/>
+                <a:ea typeface="+mn-ea"/>
+                <a:cs typeface="+mn-cs"/>
+              </a:rPr>
+              <a:t>param</a:t>
+            </a:r>
+            <a:r>
+              <a:rPr lang="en-US" sz="1200" b="0" i="0" kern="1200" dirty="0" smtClean="0">
+                <a:solidFill>
+                  <a:schemeClr val="tx1"/>
+                </a:solidFill>
+                <a:effectLst/>
+                <a:latin typeface="+mn-lt"/>
+                <a:ea typeface="+mn-ea"/>
+                <a:cs typeface="+mn-cs"/>
+              </a:rPr>
+              <a:t>?</a:t>
             </a:r>
             <a:endParaRPr lang="en-US" dirty="0"/>
           </a:p>
@@ -717,18 +780,6 @@
           <a:bodyPr/>
           <a:lstStyle/>
           <a:p>
-            <a:r>
-              <a:rPr lang="en-US" dirty="0" smtClean="0"/>
-              <a:t>quartiles(2)+-1.57*IQR/</a:t>
-            </a:r>
-            <a:r>
-              <a:rPr lang="en-US" dirty="0" err="1" smtClean="0"/>
-              <a:t>sqrt</a:t>
-            </a:r>
-            <a:r>
-              <a:rPr lang="en-US" dirty="0" smtClean="0"/>
-              <a:t>(length(data))</a:t>
-            </a:r>
             <a:endParaRPr lang="en-US" dirty="0"/>
           </a:p>
         </p:txBody>
@@ -759,7 +810,7 @@
     </p:spTree>
     <p:extLst>
       <p:ext uri="{BB962C8B-B14F-4D97-AF65-F5344CB8AC3E}">
-        <p14:creationId xmlns:p14="http://schemas.microsoft.com/office/powerpoint/2010/main" val="3216197670"/>
+        <p14:creationId xmlns:p14="http://schemas.microsoft.com/office/powerpoint/2010/main" val="3192775759"/>
       </p:ext>
     </p:extLst>
   </p:cSld>
@@ -813,6 +864,18 @@
           <a:bodyPr/>
           <a:lstStyle/>
           <a:p>
+            <a:r>
+              <a:rPr lang="en-US" dirty="0" smtClean="0"/>
+              <a:t>quartiles(2)+-1.57*IQR/</a:t>
+            </a:r>
+            <a:r>
+              <a:rPr lang="en-US" dirty="0" err="1" smtClean="0"/>
+              <a:t>sqrt</a:t>
+            </a:r>
+            <a:r>
+              <a:rPr lang="en-US" dirty="0" smtClean="0"/>
+              <a:t>(length(data))</a:t>
+            </a:r>
             <a:endParaRPr lang="en-US" dirty="0"/>
           </a:p>
         </p:txBody>
@@ -835,6 +898,90 @@
             <a:fld id="{AFEDE529-6FF5-4665-94A8-BAA13FCD32B5}" type="slidenum">
               <a:rPr lang="en-US" smtClean="0"/>
               <a:t>8</a:t>
+            </a:fld>
+            <a:endParaRPr lang="en-US"/>
+          </a:p>
+        </p:txBody>
+      </p:sp>
+    </p:spTree>
+    <p:extLst>
+      <p:ext uri="{BB962C8B-B14F-4D97-AF65-F5344CB8AC3E}">
+        <p14:creationId xmlns:p14="http://schemas.microsoft.com/office/powerpoint/2010/main" val="3216197670"/>
+      </p:ext>
+    </p:extLst>
+  </p:cSld>
+  <p:clrMapOvr>
+    <a:masterClrMapping/>
+  </p:clrMapOvr>
+</p:notes>
+</file>
+
+<file path=ppt/notesSlides/notesSlide5.xml><?xml version="1.0" encoding="utf-8"?>
+<p:notes xmlns:a="http://schemas.openxmlformats.org/drawingml/2006/main" xmlns:r="http://schemas.openxmlformats.org/officeDocument/2006/relationships" xmlns:p="http://schemas.openxmlformats.org/presentationml/2006/main">
+  <p:cSld>
+    <p:spTree>
+      <p:nvGrpSpPr>
+        <p:cNvPr id="1" name=""/>
+        <p:cNvGrpSpPr/>
+        <p:nvPr/>
+      </p:nvGrpSpPr>
+      <p:grpSpPr>
+        <a:xfrm>
+          <a:off x="0" y="0"/>
+          <a:ext cx="0" cy="0"/>
+          <a:chOff x="0" y="0"/>
+          <a:chExt cx="0" cy="0"/>
+        </a:xfrm>
+      </p:grpSpPr>
+      <p:sp>
+        <p:nvSpPr>
+          <p:cNvPr id="2" name="Slide Image Placeholder 1"/>
+          <p:cNvSpPr>
+            <a:spLocks noGrp="1" noRot="1" noChangeAspect="1"/>
+          </p:cNvSpPr>
+          <p:nvPr>
+            <p:ph type="sldImg"/>
+          </p:nvPr>
+        </p:nvSpPr>
+        <p:spPr/>
+      </p:sp>
+      <p:sp>
+        <p:nvSpPr>
+          <p:cNvPr id="3" name="Notes Placeholder 2"/>
+          <p:cNvSpPr>
+            <a:spLocks noGrp="1"/>
+          </p:cNvSpPr>
+          <p:nvPr>
+            <p:ph type="body" idx="1"/>
+          </p:nvPr>
+        </p:nvSpPr>
+        <p:spPr/>
+        <p:txBody>
+          <a:bodyPr/>
+          <a:lstStyle/>
+          <a:p>
+            <a:endParaRPr lang="en-US" dirty="0"/>
+          </a:p>
+        </p:txBody>
+      </p:sp>
+      <p:sp>
+        <p:nvSpPr>
+          <p:cNvPr id="4" name="Slide Number Placeholder 3"/>
+          <p:cNvSpPr>
+            <a:spLocks noGrp="1"/>
+          </p:cNvSpPr>
+          <p:nvPr>
+            <p:ph type="sldNum" sz="quarter" idx="10"/>
+          </p:nvPr>
+        </p:nvSpPr>
+        <p:spPr/>
+        <p:txBody>
+          <a:bodyPr/>
+          <a:lstStyle/>
+          <a:p>
+            <a:fld id="{AFEDE529-6FF5-4665-94A8-BAA13FCD32B5}" type="slidenum">
+              <a:rPr lang="en-US" smtClean="0"/>
+              <a:t>9</a:t>
             </a:fld>
             <a:endParaRPr lang="en-US"/>
           </a:p>
@@ -875,7 +1022,7 @@
           <p:cNvPr id="2" name="Title 1">
             <a:extLst>
               <a:ext uri="{FF2B5EF4-FFF2-40B4-BE49-F238E27FC236}">
-                <a16:creationId xmlns:a16="http://schemas.microsoft.com/office/drawing/2014/main" xmlns="" id="{A7CE5BBC-8679-4CAB-ADA3-E82FD780B073}"/>
+                <a16:creationId xmlns="" xmlns:a16="http://schemas.microsoft.com/office/drawing/2014/main" id="{A7CE5BBC-8679-4CAB-ADA3-E82FD780B073}"/>
               </a:ext>
             </a:extLst>
           </p:cNvPr>
@@ -912,7 +1059,7 @@
           <p:cNvPr id="3" name="Subtitle 2">
             <a:extLst>
               <a:ext uri="{FF2B5EF4-FFF2-40B4-BE49-F238E27FC236}">
-                <a16:creationId xmlns:a16="http://schemas.microsoft.com/office/drawing/2014/main" xmlns="" id="{8A423BA8-8C29-4C64-AD10-1959DBE1ADB1}"/>
+                <a16:creationId xmlns="" xmlns:a16="http://schemas.microsoft.com/office/drawing/2014/main" id="{8A423BA8-8C29-4C64-AD10-1959DBE1ADB1}"/>
               </a:ext>
             </a:extLst>
           </p:cNvPr>
@@ -982,7 +1129,7 @@
           <p:cNvPr id="4" name="Date Placeholder 3">
             <a:extLst>
               <a:ext uri="{FF2B5EF4-FFF2-40B4-BE49-F238E27FC236}">
-                <a16:creationId xmlns:a16="http://schemas.microsoft.com/office/drawing/2014/main" xmlns="" id="{44E87AA2-F5E5-4930-9BE3-CC05B3AF118D}"/>
+                <a16:creationId xmlns="" xmlns:a16="http://schemas.microsoft.com/office/drawing/2014/main" id="{44E87AA2-F5E5-4930-9BE3-CC05B3AF118D}"/>
               </a:ext>
             </a:extLst>
           </p:cNvPr>
@@ -1011,7 +1158,7 @@
           <p:cNvPr id="5" name="Footer Placeholder 4">
             <a:extLst>
               <a:ext uri="{FF2B5EF4-FFF2-40B4-BE49-F238E27FC236}">
-                <a16:creationId xmlns:a16="http://schemas.microsoft.com/office/drawing/2014/main" xmlns="" id="{60A6912B-0169-4CC0-9784-AEE7032A7A7C}"/>
+                <a16:creationId xmlns="" xmlns:a16="http://schemas.microsoft.com/office/drawing/2014/main" id="{60A6912B-0169-4CC0-9784-AEE7032A7A7C}"/>
               </a:ext>
             </a:extLst>
           </p:cNvPr>
@@ -1036,7 +1183,7 @@
           <p:cNvPr id="6" name="Slide Number Placeholder 5">
             <a:extLst>
               <a:ext uri="{FF2B5EF4-FFF2-40B4-BE49-F238E27FC236}">
-                <a16:creationId xmlns:a16="http://schemas.microsoft.com/office/drawing/2014/main" xmlns="" id="{F483307B-F85F-4006-B81E-CDAB23DCFF2F}"/>
+                <a16:creationId xmlns="" xmlns:a16="http://schemas.microsoft.com/office/drawing/2014/main" id="{F483307B-F85F-4006-B81E-CDAB23DCFF2F}"/>
               </a:ext>
             </a:extLst>
           </p:cNvPr>
@@ -1095,7 +1242,7 @@
           <p:cNvPr id="2" name="Title 1">
             <a:extLst>
               <a:ext uri="{FF2B5EF4-FFF2-40B4-BE49-F238E27FC236}">
-                <a16:creationId xmlns:a16="http://schemas.microsoft.com/office/drawing/2014/main" xmlns="" id="{C68634BF-6FC9-4C39-8871-9B4AD20A53D6}"/>
+                <a16:creationId xmlns="" xmlns:a16="http://schemas.microsoft.com/office/drawing/2014/main" id="{C68634BF-6FC9-4C39-8871-9B4AD20A53D6}"/>
               </a:ext>
             </a:extLst>
           </p:cNvPr>
@@ -1123,7 +1270,7 @@
           <p:cNvPr id="3" name="Vertical Text Placeholder 2">
             <a:extLst>
               <a:ext uri="{FF2B5EF4-FFF2-40B4-BE49-F238E27FC236}">
-                <a16:creationId xmlns:a16="http://schemas.microsoft.com/office/drawing/2014/main" xmlns="" id="{9EDB868B-9AF3-4DB1-8398-BAA8C081147D}"/>
+                <a16:creationId xmlns="" xmlns:a16="http://schemas.microsoft.com/office/drawing/2014/main" id="{9EDB868B-9AF3-4DB1-8398-BAA8C081147D}"/>
               </a:ext>
             </a:extLst>
           </p:cNvPr>
@@ -1180,7 +1327,7 @@
           <p:cNvPr id="4" name="Date Placeholder 3">
             <a:extLst>
               <a:ext uri="{FF2B5EF4-FFF2-40B4-BE49-F238E27FC236}">
-                <a16:creationId xmlns:a16="http://schemas.microsoft.com/office/drawing/2014/main" xmlns="" id="{FAEAF1E5-24EE-4519-A844-EC9AA6F448BE}"/>
+                <a16:creationId xmlns="" xmlns:a16="http://schemas.microsoft.com/office/drawing/2014/main" id="{FAEAF1E5-24EE-4519-A844-EC9AA6F448BE}"/>
               </a:ext>
             </a:extLst>
           </p:cNvPr>
@@ -1209,7 +1356,7 @@
           <p:cNvPr id="5" name="Footer Placeholder 4">
             <a:extLst>
               <a:ext uri="{FF2B5EF4-FFF2-40B4-BE49-F238E27FC236}">
-                <a16:creationId xmlns:a16="http://schemas.microsoft.com/office/drawing/2014/main" xmlns="" id="{D8881E09-021C-472B-AF26-9A4EF6B7B4DC}"/>
+                <a16:creationId xmlns="" xmlns:a16="http://schemas.microsoft.com/office/drawing/2014/main" id="{D8881E09-021C-472B-AF26-9A4EF6B7B4DC}"/>
               </a:ext>
             </a:extLst>
           </p:cNvPr>
@@ -1234,7 +1381,7 @@
           <p:cNvPr id="6" name="Slide Number Placeholder 5">
             <a:extLst>
               <a:ext uri="{FF2B5EF4-FFF2-40B4-BE49-F238E27FC236}">
-                <a16:creationId xmlns:a16="http://schemas.microsoft.com/office/drawing/2014/main" xmlns="" id="{14CBEC48-7435-4ADF-8A88-52134D478303}"/>
+                <a16:creationId xmlns="" xmlns:a16="http://schemas.microsoft.com/office/drawing/2014/main" id="{14CBEC48-7435-4ADF-8A88-52134D478303}"/>
               </a:ext>
             </a:extLst>
           </p:cNvPr>
@@ -1293,7 +1440,7 @@
           <p:cNvPr id="2" name="Vertical Title 1">
             <a:extLst>
               <a:ext uri="{FF2B5EF4-FFF2-40B4-BE49-F238E27FC236}">
-                <a16:creationId xmlns:a16="http://schemas.microsoft.com/office/drawing/2014/main" xmlns="" id="{196A7924-95E1-4016-B152-3DC640AF0444}"/>
+                <a16:creationId xmlns="" xmlns:a16="http://schemas.microsoft.com/office/drawing/2014/main" id="{196A7924-95E1-4016-B152-3DC640AF0444}"/>
               </a:ext>
             </a:extLst>
           </p:cNvPr>
@@ -1326,7 +1473,7 @@
           <p:cNvPr id="3" name="Vertical Text Placeholder 2">
             <a:extLst>
               <a:ext uri="{FF2B5EF4-FFF2-40B4-BE49-F238E27FC236}">
-                <a16:creationId xmlns:a16="http://schemas.microsoft.com/office/drawing/2014/main" xmlns="" id="{243EA662-18D2-46B8-A31B-0B5C15889802}"/>
+                <a16:creationId xmlns="" xmlns:a16="http://schemas.microsoft.com/office/drawing/2014/main" id="{243EA662-18D2-46B8-A31B-0B5C15889802}"/>
               </a:ext>
             </a:extLst>
           </p:cNvPr>
@@ -1388,7 +1535,7 @@
           <p:cNvPr id="4" name="Date Placeholder 3">
             <a:extLst>
               <a:ext uri="{FF2B5EF4-FFF2-40B4-BE49-F238E27FC236}">
-                <a16:creationId xmlns:a16="http://schemas.microsoft.com/office/drawing/2014/main" xmlns="" id="{A678274F-956F-49E8-A272-7AB252B50042}"/>
+                <a16:creationId xmlns="" xmlns:a16="http://schemas.microsoft.com/office/drawing/2014/main" id="{A678274F-956F-49E8-A272-7AB252B50042}"/>
               </a:ext>
             </a:extLst>
           </p:cNvPr>
@@ -1417,7 +1564,7 @@
           <p:cNvPr id="5" name="Footer Placeholder 4">
             <a:extLst>
               <a:ext uri="{FF2B5EF4-FFF2-40B4-BE49-F238E27FC236}">
-                <a16:creationId xmlns:a16="http://schemas.microsoft.com/office/drawing/2014/main" xmlns="" id="{F01C5228-1BC4-49A5-A77B-EE901A3A5B60}"/>
+                <a16:creationId xmlns="" xmlns:a16="http://schemas.microsoft.com/office/drawing/2014/main" id="{F01C5228-1BC4-49A5-A77B-EE901A3A5B60}"/>
               </a:ext>
             </a:extLst>
           </p:cNvPr>
@@ -1442,7 +1589,7 @@
           <p:cNvPr id="6" name="Slide Number Placeholder 5">
             <a:extLst>
               <a:ext uri="{FF2B5EF4-FFF2-40B4-BE49-F238E27FC236}">
-                <a16:creationId xmlns:a16="http://schemas.microsoft.com/office/drawing/2014/main" xmlns="" id="{9907DE84-88DE-4091-8471-A95709D81DCB}"/>
+                <a16:creationId xmlns="" xmlns:a16="http://schemas.microsoft.com/office/drawing/2014/main" id="{9907DE84-88DE-4091-8471-A95709D81DCB}"/>
               </a:ext>
             </a:extLst>
           </p:cNvPr>
@@ -1501,7 +1648,7 @@
           <p:cNvPr id="2" name="Title 1">
             <a:extLst>
               <a:ext uri="{FF2B5EF4-FFF2-40B4-BE49-F238E27FC236}">
-                <a16:creationId xmlns:a16="http://schemas.microsoft.com/office/drawing/2014/main" xmlns="" id="{4C6EAACD-AC22-4E4D-92C6-9D8ACD362D12}"/>
+                <a16:creationId xmlns="" xmlns:a16="http://schemas.microsoft.com/office/drawing/2014/main" id="{4C6EAACD-AC22-4E4D-92C6-9D8ACD362D12}"/>
               </a:ext>
             </a:extLst>
           </p:cNvPr>
@@ -1529,7 +1676,7 @@
           <p:cNvPr id="3" name="Content Placeholder 2">
             <a:extLst>
               <a:ext uri="{FF2B5EF4-FFF2-40B4-BE49-F238E27FC236}">
-                <a16:creationId xmlns:a16="http://schemas.microsoft.com/office/drawing/2014/main" xmlns="" id="{B995CC02-3DAA-4FDB-A858-C849CABED160}"/>
+                <a16:creationId xmlns="" xmlns:a16="http://schemas.microsoft.com/office/drawing/2014/main" id="{B995CC02-3DAA-4FDB-A858-C849CABED160}"/>
               </a:ext>
             </a:extLst>
           </p:cNvPr>
@@ -1586,7 +1733,7 @@
           <p:cNvPr id="4" name="Date Placeholder 3">
             <a:extLst>
               <a:ext uri="{FF2B5EF4-FFF2-40B4-BE49-F238E27FC236}">
-                <a16:creationId xmlns:a16="http://schemas.microsoft.com/office/drawing/2014/main" xmlns="" id="{942CE80B-9298-4E75-AAF1-6A242C0701E5}"/>
+                <a16:creationId xmlns="" xmlns:a16="http://schemas.microsoft.com/office/drawing/2014/main" id="{942CE80B-9298-4E75-AAF1-6A242C0701E5}"/>
               </a:ext>
             </a:extLst>
           </p:cNvPr>
@@ -1615,7 +1762,7 @@
           <p:cNvPr id="5" name="Footer Placeholder 4">
             <a:extLst>
               <a:ext uri="{FF2B5EF4-FFF2-40B4-BE49-F238E27FC236}">
-                <a16:creationId xmlns:a16="http://schemas.microsoft.com/office/drawing/2014/main" xmlns="" id="{9F069C18-FF55-4F5A-90C6-76400473B248}"/>
+                <a16:creationId xmlns="" xmlns:a16="http://schemas.microsoft.com/office/drawing/2014/main" id="{9F069C18-FF55-4F5A-90C6-76400473B248}"/>
               </a:ext>
             </a:extLst>
           </p:cNvPr>
@@ -1640,7 +1787,7 @@
           <p:cNvPr id="6" name="Slide Number Placeholder 5">
             <a:extLst>
               <a:ext uri="{FF2B5EF4-FFF2-40B4-BE49-F238E27FC236}">
-                <a16:creationId xmlns:a16="http://schemas.microsoft.com/office/drawing/2014/main" xmlns="" id="{A23C462A-778B-4E12-8B75-4C13FF489E10}"/>
+                <a16:creationId xmlns="" xmlns:a16="http://schemas.microsoft.com/office/drawing/2014/main" id="{A23C462A-778B-4E12-8B75-4C13FF489E10}"/>
               </a:ext>
             </a:extLst>
           </p:cNvPr>
@@ -1699,7 +1846,7 @@
           <p:cNvPr id="2" name="Title 1">
             <a:extLst>
               <a:ext uri="{FF2B5EF4-FFF2-40B4-BE49-F238E27FC236}">
-                <a16:creationId xmlns:a16="http://schemas.microsoft.com/office/drawing/2014/main" xmlns="" id="{C21AB03A-5163-4DB5-BACE-7BD77DEE5569}"/>
+                <a16:creationId xmlns="" xmlns:a16="http://schemas.microsoft.com/office/drawing/2014/main" id="{C21AB03A-5163-4DB5-BACE-7BD77DEE5569}"/>
               </a:ext>
             </a:extLst>
           </p:cNvPr>
@@ -1736,7 +1883,7 @@
           <p:cNvPr id="3" name="Text Placeholder 2">
             <a:extLst>
               <a:ext uri="{FF2B5EF4-FFF2-40B4-BE49-F238E27FC236}">
-                <a16:creationId xmlns:a16="http://schemas.microsoft.com/office/drawing/2014/main" xmlns="" id="{9BB9DE6B-B594-42E2-AE30-81693CBFFB5D}"/>
+                <a16:creationId xmlns="" xmlns:a16="http://schemas.microsoft.com/office/drawing/2014/main" id="{9BB9DE6B-B594-42E2-AE30-81693CBFFB5D}"/>
               </a:ext>
             </a:extLst>
           </p:cNvPr>
@@ -1861,7 +2008,7 @@
           <p:cNvPr id="4" name="Date Placeholder 3">
             <a:extLst>
               <a:ext uri="{FF2B5EF4-FFF2-40B4-BE49-F238E27FC236}">
-                <a16:creationId xmlns:a16="http://schemas.microsoft.com/office/drawing/2014/main" xmlns="" id="{DD988C1A-6AD0-4567-82A4-4900F87F74C1}"/>
+                <a16:creationId xmlns="" xmlns:a16="http://schemas.microsoft.com/office/drawing/2014/main" id="{DD988C1A-6AD0-4567-82A4-4900F87F74C1}"/>
               </a:ext>
             </a:extLst>
           </p:cNvPr>
@@ -1890,7 +2037,7 @@
           <p:cNvPr id="5" name="Footer Placeholder 4">
             <a:extLst>
               <a:ext uri="{FF2B5EF4-FFF2-40B4-BE49-F238E27FC236}">
-                <a16:creationId xmlns:a16="http://schemas.microsoft.com/office/drawing/2014/main" xmlns="" id="{2B5337A4-4F51-4DF4-AD0F-71F5A11AE5B3}"/>
+                <a16:creationId xmlns="" xmlns:a16="http://schemas.microsoft.com/office/drawing/2014/main" id="{2B5337A4-4F51-4DF4-AD0F-71F5A11AE5B3}"/>
               </a:ext>
             </a:extLst>
           </p:cNvPr>
@@ -1915,7 +2062,7 @@
           <p:cNvPr id="6" name="Slide Number Placeholder 5">
             <a:extLst>
               <a:ext uri="{FF2B5EF4-FFF2-40B4-BE49-F238E27FC236}">
-                <a16:creationId xmlns:a16="http://schemas.microsoft.com/office/drawing/2014/main" xmlns="" id="{23DFB646-4790-41FE-8982-E6D240B24875}"/>
+                <a16:creationId xmlns="" xmlns:a16="http://schemas.microsoft.com/office/drawing/2014/main" id="{23DFB646-4790-41FE-8982-E6D240B24875}"/>
               </a:ext>
             </a:extLst>
           </p:cNvPr>
@@ -1974,7 +2121,7 @@
           <p:cNvPr id="2" name="Title 1">
             <a:extLst>
               <a:ext uri="{FF2B5EF4-FFF2-40B4-BE49-F238E27FC236}">
-                <a16:creationId xmlns:a16="http://schemas.microsoft.com/office/drawing/2014/main" xmlns="" id="{DF6DFC26-8597-4C51-A46D-AF7DEB51A19B}"/>
+                <a16:creationId xmlns="" xmlns:a16="http://schemas.microsoft.com/office/drawing/2014/main" id="{DF6DFC26-8597-4C51-A46D-AF7DEB51A19B}"/>
               </a:ext>
             </a:extLst>
           </p:cNvPr>
@@ -2002,7 +2149,7 @@
           <p:cNvPr id="3" name="Content Placeholder 2">
             <a:extLst>
               <a:ext uri="{FF2B5EF4-FFF2-40B4-BE49-F238E27FC236}">
-                <a16:creationId xmlns:a16="http://schemas.microsoft.com/office/drawing/2014/main" xmlns="" id="{37CDE896-C6A8-4479-B467-9A0EF68EF31A}"/>
+                <a16:creationId xmlns="" xmlns:a16="http://schemas.microsoft.com/office/drawing/2014/main" id="{37CDE896-C6A8-4479-B467-9A0EF68EF31A}"/>
               </a:ext>
             </a:extLst>
           </p:cNvPr>
@@ -2064,7 +2211,7 @@
           <p:cNvPr id="4" name="Content Placeholder 3">
             <a:extLst>
               <a:ext uri="{FF2B5EF4-FFF2-40B4-BE49-F238E27FC236}">
-                <a16:creationId xmlns:a16="http://schemas.microsoft.com/office/drawing/2014/main" xmlns="" id="{0E314CA3-D4D8-4BD4-9CE5-BA07A11FEA07}"/>
+                <a16:creationId xmlns="" xmlns:a16="http://schemas.microsoft.com/office/drawing/2014/main" id="{0E314CA3-D4D8-4BD4-9CE5-BA07A11FEA07}"/>
               </a:ext>
             </a:extLst>
           </p:cNvPr>
@@ -2126,7 +2273,7 @@
           <p:cNvPr id="5" name="Date Placeholder 4">
             <a:extLst>
               <a:ext uri="{FF2B5EF4-FFF2-40B4-BE49-F238E27FC236}">
-                <a16:creationId xmlns:a16="http://schemas.microsoft.com/office/drawing/2014/main" xmlns="" id="{3825C7E1-B72E-47B7-B24D-609059B4DA5A}"/>
+                <a16:creationId xmlns="" xmlns:a16="http://schemas.microsoft.com/office/drawing/2014/main" id="{3825C7E1-B72E-47B7-B24D-609059B4DA5A}"/>
               </a:ext>
             </a:extLst>
           </p:cNvPr>
@@ -2155,7 +2302,7 @@
           <p:cNvPr id="6" name="Footer Placeholder 5">
             <a:extLst>
               <a:ext uri="{FF2B5EF4-FFF2-40B4-BE49-F238E27FC236}">
-                <a16:creationId xmlns:a16="http://schemas.microsoft.com/office/drawing/2014/main" xmlns="" id="{3E87C878-6957-4EDF-B126-BEB3FE72AAF5}"/>
+                <a16:creationId xmlns="" xmlns:a16="http://schemas.microsoft.com/office/drawing/2014/main" id="{3E87C878-6957-4EDF-B126-BEB3FE72AAF5}"/>
               </a:ext>
             </a:extLst>
           </p:cNvPr>
@@ -2180,7 +2327,7 @@
           <p:cNvPr id="7" name="Slide Number Placeholder 6">
             <a:extLst>
               <a:ext uri="{FF2B5EF4-FFF2-40B4-BE49-F238E27FC236}">
-                <a16:creationId xmlns:a16="http://schemas.microsoft.com/office/drawing/2014/main" xmlns="" id="{95D8BCF6-DDBE-4490-92D2-63CBDC546A9F}"/>
+                <a16:creationId xmlns="" xmlns:a16="http://schemas.microsoft.com/office/drawing/2014/main" id="{95D8BCF6-DDBE-4490-92D2-63CBDC546A9F}"/>
               </a:ext>
             </a:extLst>
           </p:cNvPr>
@@ -2239,7 +2386,7 @@
           <p:cNvPr id="2" name="Title 1">
             <a:extLst>
               <a:ext uri="{FF2B5EF4-FFF2-40B4-BE49-F238E27FC236}">
-                <a16:creationId xmlns:a16="http://schemas.microsoft.com/office/drawing/2014/main" xmlns="" id="{3033022A-6DAE-4ADD-A989-4CB40E72D65B}"/>
+                <a16:creationId xmlns="" xmlns:a16="http://schemas.microsoft.com/office/drawing/2014/main" id="{3033022A-6DAE-4ADD-A989-4CB40E72D65B}"/>
               </a:ext>
             </a:extLst>
           </p:cNvPr>
@@ -2272,7 +2419,7 @@
           <p:cNvPr id="3" name="Text Placeholder 2">
             <a:extLst>
               <a:ext uri="{FF2B5EF4-FFF2-40B4-BE49-F238E27FC236}">
-                <a16:creationId xmlns:a16="http://schemas.microsoft.com/office/drawing/2014/main" xmlns="" id="{7090BFD6-1D2B-4F3B-BD02-B2E958E41E8A}"/>
+                <a16:creationId xmlns="" xmlns:a16="http://schemas.microsoft.com/office/drawing/2014/main" id="{7090BFD6-1D2B-4F3B-BD02-B2E958E41E8A}"/>
               </a:ext>
             </a:extLst>
           </p:cNvPr>
@@ -2343,7 +2490,7 @@
           <p:cNvPr id="4" name="Content Placeholder 3">
             <a:extLst>
               <a:ext uri="{FF2B5EF4-FFF2-40B4-BE49-F238E27FC236}">
-                <a16:creationId xmlns:a16="http://schemas.microsoft.com/office/drawing/2014/main" xmlns="" id="{8EE1DCFD-A632-4D46-82CF-8027FDBB3090}"/>
+                <a16:creationId xmlns="" xmlns:a16="http://schemas.microsoft.com/office/drawing/2014/main" id="{8EE1DCFD-A632-4D46-82CF-8027FDBB3090}"/>
               </a:ext>
             </a:extLst>
           </p:cNvPr>
@@ -2405,7 +2552,7 @@
           <p:cNvPr id="5" name="Text Placeholder 4">
             <a:extLst>
               <a:ext uri="{FF2B5EF4-FFF2-40B4-BE49-F238E27FC236}">
-                <a16:creationId xmlns:a16="http://schemas.microsoft.com/office/drawing/2014/main" xmlns="" id="{33CCC86D-ADE8-4EB1-A070-AFF7D6FAFDBF}"/>
+                <a16:creationId xmlns="" xmlns:a16="http://schemas.microsoft.com/office/drawing/2014/main" id="{33CCC86D-ADE8-4EB1-A070-AFF7D6FAFDBF}"/>
               </a:ext>
             </a:extLst>
           </p:cNvPr>
@@ -2476,7 +2623,7 @@
           <p:cNvPr id="6" name="Content Placeholder 5">
             <a:extLst>
               <a:ext uri="{FF2B5EF4-FFF2-40B4-BE49-F238E27FC236}">
-                <a16:creationId xmlns:a16="http://schemas.microsoft.com/office/drawing/2014/main" xmlns="" id="{25BD03A3-BBA4-492D-A3D6-9F610EAD7348}"/>
+                <a16:creationId xmlns="" xmlns:a16="http://schemas.microsoft.com/office/drawing/2014/main" id="{25BD03A3-BBA4-492D-A3D6-9F610EAD7348}"/>
               </a:ext>
             </a:extLst>
           </p:cNvPr>
@@ -2538,7 +2685,7 @@
           <p:cNvPr id="7" name="Date Placeholder 6">
             <a:extLst>
               <a:ext uri="{FF2B5EF4-FFF2-40B4-BE49-F238E27FC236}">
-                <a16:creationId xmlns:a16="http://schemas.microsoft.com/office/drawing/2014/main" xmlns="" id="{264C47B5-8D83-49A3-A157-B336F5830E5F}"/>
+                <a16:creationId xmlns="" xmlns:a16="http://schemas.microsoft.com/office/drawing/2014/main" id="{264C47B5-8D83-49A3-A157-B336F5830E5F}"/>
               </a:ext>
             </a:extLst>
           </p:cNvPr>
@@ -2567,7 +2714,7 @@
           <p:cNvPr id="8" name="Footer Placeholder 7">
             <a:extLst>
               <a:ext uri="{FF2B5EF4-FFF2-40B4-BE49-F238E27FC236}">
-                <a16:creationId xmlns:a16="http://schemas.microsoft.com/office/drawing/2014/main" xmlns="" id="{D5FFE58A-7B02-4CDB-B365-7B4F94813F47}"/>
+                <a16:creationId xmlns="" xmlns:a16="http://schemas.microsoft.com/office/drawing/2014/main" id="{D5FFE58A-7B02-4CDB-B365-7B4F94813F47}"/>
               </a:ext>
             </a:extLst>
           </p:cNvPr>
@@ -2592,7 +2739,7 @@
           <p:cNvPr id="9" name="Slide Number Placeholder 8">
             <a:extLst>
               <a:ext uri="{FF2B5EF4-FFF2-40B4-BE49-F238E27FC236}">
-                <a16:creationId xmlns:a16="http://schemas.microsoft.com/office/drawing/2014/main" xmlns="" id="{B8BE2945-1ACD-4EA5-BDB1-B692C475DAFD}"/>
+                <a16:creationId xmlns="" xmlns:a16="http://schemas.microsoft.com/office/drawing/2014/main" id="{B8BE2945-1ACD-4EA5-BDB1-B692C475DAFD}"/>
               </a:ext>
             </a:extLst>
           </p:cNvPr>
@@ -2651,7 +2798,7 @@
           <p:cNvPr id="2" name="Title 1">
             <a:extLst>
               <a:ext uri="{FF2B5EF4-FFF2-40B4-BE49-F238E27FC236}">
-                <a16:creationId xmlns:a16="http://schemas.microsoft.com/office/drawing/2014/main" xmlns="" id="{2C484472-5283-4757-A32A-8097260A3988}"/>
+                <a16:creationId xmlns="" xmlns:a16="http://schemas.microsoft.com/office/drawing/2014/main" id="{2C484472-5283-4757-A32A-8097260A3988}"/>
               </a:ext>
             </a:extLst>
           </p:cNvPr>
@@ -2679,7 +2826,7 @@
           <p:cNvPr id="3" name="Date Placeholder 2">
             <a:extLst>
               <a:ext uri="{FF2B5EF4-FFF2-40B4-BE49-F238E27FC236}">
-                <a16:creationId xmlns:a16="http://schemas.microsoft.com/office/drawing/2014/main" xmlns="" id="{94CB462C-3820-4073-99E3-A207C18FE9D7}"/>
+                <a16:creationId xmlns="" xmlns:a16="http://schemas.microsoft.com/office/drawing/2014/main" id="{94CB462C-3820-4073-99E3-A207C18FE9D7}"/>
               </a:ext>
             </a:extLst>
           </p:cNvPr>
@@ -2708,7 +2855,7 @@
           <p:cNvPr id="4" name="Footer Placeholder 3">
             <a:extLst>
               <a:ext uri="{FF2B5EF4-FFF2-40B4-BE49-F238E27FC236}">
-                <a16:creationId xmlns:a16="http://schemas.microsoft.com/office/drawing/2014/main" xmlns="" id="{1A25B9C8-21EE-4307-A932-02079C96F9FE}"/>
+                <a16:creationId xmlns="" xmlns:a16="http://schemas.microsoft.com/office/drawing/2014/main" id="{1A25B9C8-21EE-4307-A932-02079C96F9FE}"/>
               </a:ext>
             </a:extLst>
           </p:cNvPr>
@@ -2733,7 +2880,7 @@
           <p:cNvPr id="5" name="Slide Number Placeholder 4">
             <a:extLst>
               <a:ext uri="{FF2B5EF4-FFF2-40B4-BE49-F238E27FC236}">
-                <a16:creationId xmlns:a16="http://schemas.microsoft.com/office/drawing/2014/main" xmlns="" id="{C826FA60-9BF0-440B-8344-4D259393FE7F}"/>
+                <a16:creationId xmlns="" xmlns:a16="http://schemas.microsoft.com/office/drawing/2014/main" id="{C826FA60-9BF0-440B-8344-4D259393FE7F}"/>
               </a:ext>
             </a:extLst>
           </p:cNvPr>
@@ -2792,7 +2939,7 @@
           <p:cNvPr id="2" name="Date Placeholder 1">
             <a:extLst>
               <a:ext uri="{FF2B5EF4-FFF2-40B4-BE49-F238E27FC236}">
-                <a16:creationId xmlns:a16="http://schemas.microsoft.com/office/drawing/2014/main" xmlns="" id="{F7B9CD3C-573E-4184-BAAC-5D6B25B06EE2}"/>
+                <a16:creationId xmlns="" xmlns:a16="http://schemas.microsoft.com/office/drawing/2014/main" id="{F7B9CD3C-573E-4184-BAAC-5D6B25B06EE2}"/>
               </a:ext>
             </a:extLst>
           </p:cNvPr>
@@ -2821,7 +2968,7 @@
           <p:cNvPr id="3" name="Footer Placeholder 2">
             <a:extLst>
               <a:ext uri="{FF2B5EF4-FFF2-40B4-BE49-F238E27FC236}">
-                <a16:creationId xmlns:a16="http://schemas.microsoft.com/office/drawing/2014/main" xmlns="" id="{7703D78E-02FF-4530-8C2C-EB3FB9553415}"/>
+                <a16:creationId xmlns="" xmlns:a16="http://schemas.microsoft.com/office/drawing/2014/main" id="{7703D78E-02FF-4530-8C2C-EB3FB9553415}"/>
               </a:ext>
             </a:extLst>
           </p:cNvPr>
@@ -2846,7 +2993,7 @@
           <p:cNvPr id="4" name="Slide Number Placeholder 3">
             <a:extLst>
               <a:ext uri="{FF2B5EF4-FFF2-40B4-BE49-F238E27FC236}">
-                <a16:creationId xmlns:a16="http://schemas.microsoft.com/office/drawing/2014/main" xmlns="" id="{09E00EF9-6964-472E-9451-D32A18FA5631}"/>
+                <a16:creationId xmlns="" xmlns:a16="http://schemas.microsoft.com/office/drawing/2014/main" id="{09E00EF9-6964-472E-9451-D32A18FA5631}"/>
               </a:ext>
             </a:extLst>
           </p:cNvPr>
@@ -2905,7 +3052,7 @@
           <p:cNvPr id="2" name="Title 1">
             <a:extLst>
               <a:ext uri="{FF2B5EF4-FFF2-40B4-BE49-F238E27FC236}">
-                <a16:creationId xmlns:a16="http://schemas.microsoft.com/office/drawing/2014/main" xmlns="" id="{19CD81D7-629D-421E-9A84-E68E936F0B75}"/>
+                <a16:creationId xmlns="" xmlns:a16="http://schemas.microsoft.com/office/drawing/2014/main" id="{19CD81D7-629D-421E-9A84-E68E936F0B75}"/>
               </a:ext>
             </a:extLst>
           </p:cNvPr>
@@ -2942,7 +3089,7 @@
           <p:cNvPr id="3" name="Content Placeholder 2">
             <a:extLst>
               <a:ext uri="{FF2B5EF4-FFF2-40B4-BE49-F238E27FC236}">
-                <a16:creationId xmlns:a16="http://schemas.microsoft.com/office/drawing/2014/main" xmlns="" id="{045367A1-2AB2-4CAE-9CEB-806A9D9FBA53}"/>
+                <a16:creationId xmlns="" xmlns:a16="http://schemas.microsoft.com/office/drawing/2014/main" id="{045367A1-2AB2-4CAE-9CEB-806A9D9FBA53}"/>
               </a:ext>
             </a:extLst>
           </p:cNvPr>
@@ -3032,7 +3179,7 @@
           <p:cNvPr id="4" name="Text Placeholder 3">
             <a:extLst>
               <a:ext uri="{FF2B5EF4-FFF2-40B4-BE49-F238E27FC236}">
-                <a16:creationId xmlns:a16="http://schemas.microsoft.com/office/drawing/2014/main" xmlns="" id="{A0F97228-B34E-4449-8A2D-CF7AC215E5DE}"/>
+                <a16:creationId xmlns="" xmlns:a16="http://schemas.microsoft.com/office/drawing/2014/main" id="{A0F97228-B34E-4449-8A2D-CF7AC215E5DE}"/>
               </a:ext>
             </a:extLst>
           </p:cNvPr>
@@ -3103,7 +3250,7 @@
           <p:cNvPr id="5" name="Date Placeholder 4">
             <a:extLst>
               <a:ext uri="{FF2B5EF4-FFF2-40B4-BE49-F238E27FC236}">
-                <a16:creationId xmlns:a16="http://schemas.microsoft.com/office/drawing/2014/main" xmlns="" id="{884639D6-D865-44E6-B8D0-6FF5CE28CF00}"/>
+                <a16:creationId xmlns="" xmlns:a16="http://schemas.microsoft.com/office/drawing/2014/main" id="{884639D6-D865-44E6-B8D0-6FF5CE28CF00}"/>
               </a:ext>
             </a:extLst>
           </p:cNvPr>
@@ -3132,7 +3279,7 @@
           <p:cNvPr id="6" name="Footer Placeholder 5">
             <a:extLst>
               <a:ext uri="{FF2B5EF4-FFF2-40B4-BE49-F238E27FC236}">
-                <a16:creationId xmlns:a16="http://schemas.microsoft.com/office/drawing/2014/main" xmlns="" id="{3F9DDC88-A6B0-481F-97D0-2033BF020722}"/>
+                <a16:creationId xmlns="" xmlns:a16="http://schemas.microsoft.com/office/drawing/2014/main" id="{3F9DDC88-A6B0-481F-97D0-2033BF020722}"/>
               </a:ext>
             </a:extLst>
           </p:cNvPr>
@@ -3157,7 +3304,7 @@
           <p:cNvPr id="7" name="Slide Number Placeholder 6">
             <a:extLst>
               <a:ext uri="{FF2B5EF4-FFF2-40B4-BE49-F238E27FC236}">
-                <a16:creationId xmlns:a16="http://schemas.microsoft.com/office/drawing/2014/main" xmlns="" id="{6FBDCFA2-4984-459E-9507-050EA6575098}"/>
+                <a16:creationId xmlns="" xmlns:a16="http://schemas.microsoft.com/office/drawing/2014/main" id="{6FBDCFA2-4984-459E-9507-050EA6575098}"/>
               </a:ext>
             </a:extLst>
           </p:cNvPr>
@@ -3216,7 +3363,7 @@
           <p:cNvPr id="2" name="Title 1">
             <a:extLst>
               <a:ext uri="{FF2B5EF4-FFF2-40B4-BE49-F238E27FC236}">
-                <a16:creationId xmlns:a16="http://schemas.microsoft.com/office/drawing/2014/main" xmlns="" id="{87FA6640-DB08-415B-9E88-CA7A34042BD7}"/>
+                <a16:creationId xmlns="" xmlns:a16="http://schemas.microsoft.com/office/drawing/2014/main" id="{87FA6640-DB08-415B-9E88-CA7A34042BD7}"/>
               </a:ext>
             </a:extLst>
           </p:cNvPr>
@@ -3253,7 +3400,7 @@
           <p:cNvPr id="3" name="Picture Placeholder 2">
             <a:extLst>
               <a:ext uri="{FF2B5EF4-FFF2-40B4-BE49-F238E27FC236}">
-                <a16:creationId xmlns:a16="http://schemas.microsoft.com/office/drawing/2014/main" xmlns="" id="{F9343371-609E-4D5D-B910-DF5764C99F3D}"/>
+                <a16:creationId xmlns="" xmlns:a16="http://schemas.microsoft.com/office/drawing/2014/main" id="{F9343371-609E-4D5D-B910-DF5764C99F3D}"/>
               </a:ext>
             </a:extLst>
           </p:cNvPr>
@@ -3320,7 +3467,7 @@
           <p:cNvPr id="4" name="Text Placeholder 3">
             <a:extLst>
               <a:ext uri="{FF2B5EF4-FFF2-40B4-BE49-F238E27FC236}">
-                <a16:creationId xmlns:a16="http://schemas.microsoft.com/office/drawing/2014/main" xmlns="" id="{0A077FDD-B719-4E73-8598-F8ADBA9F1CDC}"/>
+                <a16:creationId xmlns="" xmlns:a16="http://schemas.microsoft.com/office/drawing/2014/main" id="{0A077FDD-B719-4E73-8598-F8ADBA9F1CDC}"/>
               </a:ext>
             </a:extLst>
           </p:cNvPr>
@@ -3391,7 +3538,7 @@
           <p:cNvPr id="5" name="Date Placeholder 4">
             <a:extLst>
               <a:ext uri="{FF2B5EF4-FFF2-40B4-BE49-F238E27FC236}">
-                <a16:creationId xmlns:a16="http://schemas.microsoft.com/office/drawing/2014/main" xmlns="" id="{D38F11EB-C52A-43E3-A749-48A52ECB57E7}"/>
+                <a16:creationId xmlns="" xmlns:a16="http://schemas.microsoft.com/office/drawing/2014/main" id="{D38F11EB-C52A-43E3-A749-48A52ECB57E7}"/>
               </a:ext>
             </a:extLst>
           </p:cNvPr>
@@ -3420,7 +3567,7 @@
           <p:cNvPr id="6" name="Footer Placeholder 5">
             <a:extLst>
               <a:ext uri="{FF2B5EF4-FFF2-40B4-BE49-F238E27FC236}">
-                <a16:creationId xmlns:a16="http://schemas.microsoft.com/office/drawing/2014/main" xmlns="" id="{95E53AFD-6BF0-4AD4-BAAB-1601B9CA07BB}"/>
+                <a16:creationId xmlns="" xmlns:a16="http://schemas.microsoft.com/office/drawing/2014/main" id="{95E53AFD-6BF0-4AD4-BAAB-1601B9CA07BB}"/>
               </a:ext>
             </a:extLst>
           </p:cNvPr>
@@ -3445,7 +3592,7 @@
           <p:cNvPr id="7" name="Slide Number Placeholder 6">
             <a:extLst>
               <a:ext uri="{FF2B5EF4-FFF2-40B4-BE49-F238E27FC236}">
-                <a16:creationId xmlns:a16="http://schemas.microsoft.com/office/drawing/2014/main" xmlns="" id="{C6B106A4-B317-4650-936D-746E66BF47B7}"/>
+                <a16:creationId xmlns="" xmlns:a16="http://schemas.microsoft.com/office/drawing/2014/main" id="{C6B106A4-B317-4650-936D-746E66BF47B7}"/>
               </a:ext>
             </a:extLst>
           </p:cNvPr>
@@ -3509,7 +3656,7 @@
           <p:cNvPr id="2" name="Title Placeholder 1">
             <a:extLst>
               <a:ext uri="{FF2B5EF4-FFF2-40B4-BE49-F238E27FC236}">
-                <a16:creationId xmlns:a16="http://schemas.microsoft.com/office/drawing/2014/main" xmlns="" id="{5B37EC8F-DDFC-4E6B-9427-5958FEB819A3}"/>
+                <a16:creationId xmlns="" xmlns:a16="http://schemas.microsoft.com/office/drawing/2014/main" id="{5B37EC8F-DDFC-4E6B-9427-5958FEB819A3}"/>
               </a:ext>
             </a:extLst>
           </p:cNvPr>
@@ -3547,7 +3694,7 @@
           <p:cNvPr id="3" name="Text Placeholder 2">
             <a:extLst>
               <a:ext uri="{FF2B5EF4-FFF2-40B4-BE49-F238E27FC236}">
-                <a16:creationId xmlns:a16="http://schemas.microsoft.com/office/drawing/2014/main" xmlns="" id="{A4507C0A-20B0-4700-A2B7-4A3FEAD839AC}"/>
+                <a16:creationId xmlns="" xmlns:a16="http://schemas.microsoft.com/office/drawing/2014/main" id="{A4507C0A-20B0-4700-A2B7-4A3FEAD839AC}"/>
               </a:ext>
             </a:extLst>
           </p:cNvPr>
@@ -3575,35 +3722,35 @@
           <a:p>
             <a:pPr lvl="0"/>
             <a:r>
-              <a:rPr lang="en-US"/>
+              <a:rPr lang="en-US" dirty="0"/>
               <a:t>Click to edit Master text styles</a:t>
             </a:r>
           </a:p>
           <a:p>
             <a:pPr lvl="1"/>
             <a:r>
-              <a:rPr lang="en-US"/>
+              <a:rPr lang="en-US" dirty="0"/>
               <a:t>Second level</a:t>
             </a:r>
           </a:p>
           <a:p>
             <a:pPr lvl="2"/>
             <a:r>
-              <a:rPr lang="en-US"/>
+              <a:rPr lang="en-US" dirty="0"/>
               <a:t>Third level</a:t>
             </a:r>
           </a:p>
           <a:p>
             <a:pPr lvl="3"/>
             <a:r>
-              <a:rPr lang="en-US"/>
+              <a:rPr lang="en-US" dirty="0"/>
               <a:t>Fourth level</a:t>
             </a:r>
           </a:p>
           <a:p>
             <a:pPr lvl="4"/>
             <a:r>
-              <a:rPr lang="en-US"/>
+              <a:rPr lang="en-US" dirty="0"/>
               <a:t>Fifth level</a:t>
             </a:r>
           </a:p>
@@ -3614,7 +3761,7 @@
           <p:cNvPr id="4" name="Date Placeholder 3">
             <a:extLst>
               <a:ext uri="{FF2B5EF4-FFF2-40B4-BE49-F238E27FC236}">
-                <a16:creationId xmlns:a16="http://schemas.microsoft.com/office/drawing/2014/main" xmlns="" id="{80CC83EA-98AA-4507-B323-A3EE4DA5DEC0}"/>
+                <a16:creationId xmlns="" xmlns:a16="http://schemas.microsoft.com/office/drawing/2014/main" id="{80CC83EA-98AA-4507-B323-A3EE4DA5DEC0}"/>
               </a:ext>
             </a:extLst>
           </p:cNvPr>
@@ -3661,7 +3808,7 @@
           <p:cNvPr id="5" name="Footer Placeholder 4">
             <a:extLst>
               <a:ext uri="{FF2B5EF4-FFF2-40B4-BE49-F238E27FC236}">
-                <a16:creationId xmlns:a16="http://schemas.microsoft.com/office/drawing/2014/main" xmlns="" id="{4327E618-AB88-4343-A7A0-DFA5373F8042}"/>
+                <a16:creationId xmlns="" xmlns:a16="http://schemas.microsoft.com/office/drawing/2014/main" id="{4327E618-AB88-4343-A7A0-DFA5373F8042}"/>
               </a:ext>
             </a:extLst>
           </p:cNvPr>
@@ -3704,7 +3851,7 @@
           <p:cNvPr id="6" name="Slide Number Placeholder 5">
             <a:extLst>
               <a:ext uri="{FF2B5EF4-FFF2-40B4-BE49-F238E27FC236}">
-                <a16:creationId xmlns:a16="http://schemas.microsoft.com/office/drawing/2014/main" xmlns="" id="{C0BB8A04-3323-466A-B057-0A128B13D72E}"/>
+                <a16:creationId xmlns="" xmlns:a16="http://schemas.microsoft.com/office/drawing/2014/main" id="{C0BB8A04-3323-466A-B057-0A128B13D72E}"/>
               </a:ext>
             </a:extLst>
           </p:cNvPr>
@@ -3788,7 +3935,7 @@
       </a:lvl1pPr>
     </p:titleStyle>
     <p:bodyStyle>
-      <a:lvl1pPr marL="228600" indent="-228600" algn="l" defTabSz="914400" rtl="0" eaLnBrk="1" latinLnBrk="0" hangingPunct="1">
+      <a:lvl1pPr marL="0" indent="0" algn="l" defTabSz="914400" rtl="0" eaLnBrk="1" latinLnBrk="0" hangingPunct="1">
         <a:lnSpc>
           <a:spcPct val="90000"/>
         </a:lnSpc>
@@ -3796,8 +3943,8 @@
           <a:spcPts val="1000"/>
         </a:spcBef>
         <a:buFont typeface="Arial" panose="020B0604020202020204" pitchFamily="34" charset="0"/>
-        <a:buChar char="•"/>
-        <a:defRPr sz="2400" kern="1200">
+        <a:buNone/>
+        <a:defRPr sz="2000" kern="1200">
           <a:solidFill>
             <a:schemeClr val="tx1"/>
           </a:solidFill>
@@ -3806,7 +3953,7 @@
           <a:cs typeface="+mn-cs"/>
         </a:defRPr>
       </a:lvl1pPr>
-      <a:lvl2pPr marL="685800" indent="-228600" algn="l" defTabSz="914400" rtl="0" eaLnBrk="1" latinLnBrk="0" hangingPunct="1">
+      <a:lvl2pPr marL="457200" indent="0" algn="l" defTabSz="914400" rtl="0" eaLnBrk="1" latinLnBrk="0" hangingPunct="1">
         <a:lnSpc>
           <a:spcPct val="90000"/>
         </a:lnSpc>
@@ -3814,8 +3961,8 @@
           <a:spcPts val="500"/>
         </a:spcBef>
         <a:buFont typeface="Arial" panose="020B0604020202020204" pitchFamily="34" charset="0"/>
-        <a:buChar char="•"/>
-        <a:defRPr sz="2000" kern="1200">
+        <a:buNone/>
+        <a:defRPr sz="1800" kern="1200">
           <a:solidFill>
             <a:schemeClr val="tx1"/>
           </a:solidFill>
@@ -3824,7 +3971,7 @@
           <a:cs typeface="+mn-cs"/>
         </a:defRPr>
       </a:lvl2pPr>
-      <a:lvl3pPr marL="1143000" indent="-228600" algn="l" defTabSz="914400" rtl="0" eaLnBrk="1" latinLnBrk="0" hangingPunct="1">
+      <a:lvl3pPr marL="914400" indent="0" algn="l" defTabSz="914400" rtl="0" eaLnBrk="1" latinLnBrk="0" hangingPunct="1">
         <a:lnSpc>
           <a:spcPct val="90000"/>
         </a:lnSpc>
@@ -3832,8 +3979,8 @@
           <a:spcPts val="500"/>
         </a:spcBef>
         <a:buFont typeface="Arial" panose="020B0604020202020204" pitchFamily="34" charset="0"/>
-        <a:buChar char="•"/>
-        <a:defRPr sz="1800" kern="1200">
+        <a:buNone/>
+        <a:defRPr sz="1600" kern="1200">
           <a:solidFill>
             <a:schemeClr val="tx1"/>
           </a:solidFill>
@@ -3842,7 +3989,7 @@
           <a:cs typeface="+mn-cs"/>
         </a:defRPr>
       </a:lvl3pPr>
-      <a:lvl4pPr marL="1600200" indent="-228600" algn="l" defTabSz="914400" rtl="0" eaLnBrk="1" latinLnBrk="0" hangingPunct="1">
+      <a:lvl4pPr marL="1371600" indent="0" algn="l" defTabSz="914400" rtl="0" eaLnBrk="1" latinLnBrk="0" hangingPunct="1">
         <a:lnSpc>
           <a:spcPct val="90000"/>
         </a:lnSpc>
@@ -3850,8 +3997,8 @@
           <a:spcPts val="500"/>
         </a:spcBef>
         <a:buFont typeface="Arial" panose="020B0604020202020204" pitchFamily="34" charset="0"/>
-        <a:buChar char="•"/>
-        <a:defRPr sz="1600" kern="1200">
+        <a:buNone/>
+        <a:defRPr sz="1400" kern="1200">
           <a:solidFill>
             <a:schemeClr val="tx1"/>
           </a:solidFill>
@@ -3860,7 +4007,7 @@
           <a:cs typeface="+mn-cs"/>
         </a:defRPr>
       </a:lvl4pPr>
-      <a:lvl5pPr marL="2057400" indent="-228600" algn="l" defTabSz="914400" rtl="0" eaLnBrk="1" latinLnBrk="0" hangingPunct="1">
+      <a:lvl5pPr marL="1828800" indent="0" algn="l" defTabSz="914400" rtl="0" eaLnBrk="1" latinLnBrk="0" hangingPunct="1">
         <a:lnSpc>
           <a:spcPct val="90000"/>
         </a:lnSpc>
@@ -3868,8 +4015,8 @@
           <a:spcPts val="500"/>
         </a:spcBef>
         <a:buFont typeface="Arial" panose="020B0604020202020204" pitchFamily="34" charset="0"/>
-        <a:buChar char="•"/>
-        <a:defRPr sz="1600" kern="1200">
+        <a:buNone/>
+        <a:defRPr sz="1400" kern="1200">
           <a:solidFill>
             <a:schemeClr val="tx1"/>
           </a:solidFill>
@@ -4072,7 +4219,7 @@
           <p:cNvPr id="2" name="Title 1">
             <a:extLst>
               <a:ext uri="{FF2B5EF4-FFF2-40B4-BE49-F238E27FC236}">
-                <a16:creationId xmlns:a16="http://schemas.microsoft.com/office/drawing/2014/main" xmlns="" id="{B292A5D3-4780-447A-8363-BE34D4C9F320}"/>
+                <a16:creationId xmlns="" xmlns:a16="http://schemas.microsoft.com/office/drawing/2014/main" id="{B292A5D3-4780-447A-8363-BE34D4C9F320}"/>
               </a:ext>
             </a:extLst>
           </p:cNvPr>
@@ -4121,7 +4268,7 @@
           <p:cNvPr id="3" name="Subtitle 2">
             <a:extLst>
               <a:ext uri="{FF2B5EF4-FFF2-40B4-BE49-F238E27FC236}">
-                <a16:creationId xmlns:a16="http://schemas.microsoft.com/office/drawing/2014/main" xmlns="" id="{0321455D-274D-48E8-A110-52137E159514}"/>
+                <a16:creationId xmlns="" xmlns:a16="http://schemas.microsoft.com/office/drawing/2014/main" id="{0321455D-274D-48E8-A110-52137E159514}"/>
               </a:ext>
             </a:extLst>
           </p:cNvPr>
@@ -4187,13 +4334,7 @@
       </p:grpSpPr>
       <p:sp>
         <p:nvSpPr>
-          <p:cNvPr id="5" name="Title 4">
-            <a:extLst>
-              <a:ext uri="{FF2B5EF4-FFF2-40B4-BE49-F238E27FC236}">
-                <a16:creationId xmlns:a16="http://schemas.microsoft.com/office/drawing/2014/main" xmlns="" id="{8C2109F9-4249-4B8A-9EAD-6207C1C528BE}"/>
-              </a:ext>
-            </a:extLst>
-          </p:cNvPr>
+          <p:cNvPr id="2" name="标题 1"/>
           <p:cNvSpPr>
             <a:spLocks noGrp="1"/>
           </p:cNvSpPr>
@@ -4207,74 +4348,67 @@
           <a:lstStyle/>
           <a:p>
             <a:r>
-              <a:rPr lang="en-US" sz="3200" dirty="0"/>
-              <a:t>Trace of trials average across mice</a:t>
-            </a:r>
-          </a:p>
-        </p:txBody>
-      </p:sp>
-      <p:pic>
-        <p:nvPicPr>
-          <p:cNvPr id="4" name="Content Placeholder 3"/>
-          <p:cNvPicPr>
-            <a:picLocks noGrp="1" noChangeAspect="1"/>
-          </p:cNvPicPr>
-          <p:nvPr>
-            <p:ph sz="half" idx="1"/>
-          </p:nvPr>
-        </p:nvPicPr>
-        <p:blipFill>
-          <a:blip r:embed="rId2">
-            <a:extLst>
-              <a:ext uri="{28A0092B-C50C-407E-A947-70E740481C1C}">
-                <a14:useLocalDpi xmlns:a14="http://schemas.microsoft.com/office/drawing/2010/main" val="0"/>
-              </a:ext>
-            </a:extLst>
-          </a:blip>
-          <a:stretch>
-            <a:fillRect/>
-          </a:stretch>
-        </p:blipFill>
-        <p:spPr>
-          <a:xfrm>
-            <a:off x="838200" y="2058934"/>
-            <a:ext cx="5181600" cy="3884719"/>
-          </a:xfrm>
-        </p:spPr>
-      </p:pic>
-      <p:pic>
-        <p:nvPicPr>
-          <p:cNvPr id="7" name="Content Placeholder 6"/>
-          <p:cNvPicPr>
-            <a:picLocks noGrp="1" noChangeAspect="1"/>
-          </p:cNvPicPr>
-          <p:nvPr>
-            <p:ph sz="half" idx="2"/>
-          </p:nvPr>
-        </p:nvPicPr>
-        <p:blipFill>
-          <a:blip r:embed="rId3">
-            <a:extLst>
-              <a:ext uri="{28A0092B-C50C-407E-A947-70E740481C1C}">
-                <a14:useLocalDpi xmlns:a14="http://schemas.microsoft.com/office/drawing/2010/main" val="0"/>
-              </a:ext>
-            </a:extLst>
-          </a:blip>
-          <a:stretch>
-            <a:fillRect/>
-          </a:stretch>
-        </p:blipFill>
-        <p:spPr>
-          <a:xfrm>
-            <a:off x="6172200" y="2058934"/>
-            <a:ext cx="5181600" cy="3884719"/>
-          </a:xfrm>
-        </p:spPr>
-      </p:pic>
+              <a:rPr lang="en-US" dirty="0" smtClean="0"/>
+              <a:t>Question</a:t>
+            </a:r>
+            <a:endParaRPr lang="en-US" dirty="0"/>
+          </a:p>
+        </p:txBody>
+      </p:sp>
+      <p:sp>
+        <p:nvSpPr>
+          <p:cNvPr id="3" name="内容占位符 2"/>
+          <p:cNvSpPr>
+            <a:spLocks noGrp="1"/>
+          </p:cNvSpPr>
+          <p:nvPr>
+            <p:ph idx="1"/>
+          </p:nvPr>
+        </p:nvSpPr>
+        <p:spPr/>
+        <p:txBody>
+          <a:bodyPr/>
+          <a:lstStyle/>
+          <a:p>
+            <a:r>
+              <a:rPr lang="en-US" dirty="0" smtClean="0"/>
+              <a:t>Jin et al. (2020) dataset </a:t>
+            </a:r>
+            <a:r>
+              <a:rPr lang="en-US" dirty="0"/>
+              <a:t>has been pooled over multiple mice</a:t>
+            </a:r>
+            <a:r>
+              <a:rPr lang="en-US" dirty="0" smtClean="0"/>
+              <a:t>. </a:t>
+            </a:r>
+            <a:r>
+              <a:rPr lang="en-US" dirty="0" smtClean="0"/>
+              <a:t>Any h</a:t>
+            </a:r>
+            <a:r>
+              <a:rPr lang="en-US" dirty="0" smtClean="0"/>
+              <a:t>idden variance between individual mouse?</a:t>
+            </a:r>
+          </a:p>
+          <a:p>
+            <a:endParaRPr lang="en-US" dirty="0"/>
+          </a:p>
+          <a:p>
+            <a:r>
+              <a:rPr lang="en-US" dirty="0"/>
+              <a:t>Does the magnitude of adaptation vary across naïve individuals as well as areas?</a:t>
+            </a:r>
+          </a:p>
+          <a:p>
+            <a:endParaRPr lang="en-US" dirty="0"/>
+          </a:p>
+        </p:txBody>
+      </p:sp>
     </p:spTree>
     <p:extLst>
       <p:ext uri="{BB962C8B-B14F-4D97-AF65-F5344CB8AC3E}">
-        <p14:creationId xmlns:p14="http://schemas.microsoft.com/office/powerpoint/2010/main" val="1638117626"/>
+        <p14:creationId xmlns:p14="http://schemas.microsoft.com/office/powerpoint/2010/main" val="3082718648"/>
       </p:ext>
     </p:extLst>
   </p:cSld>
@@ -4303,7 +4437,13 @@
       </p:grpSpPr>
       <p:sp>
         <p:nvSpPr>
-          <p:cNvPr id="2" name="Title 1"/>
+          <p:cNvPr id="5" name="Title 4">
+            <a:extLst>
+              <a:ext uri="{FF2B5EF4-FFF2-40B4-BE49-F238E27FC236}">
+                <a16:creationId xmlns="" xmlns:a16="http://schemas.microsoft.com/office/drawing/2014/main" id="{8C2109F9-4249-4B8A-9EAD-6207C1C528BE}"/>
+              </a:ext>
+            </a:extLst>
+          </p:cNvPr>
           <p:cNvSpPr>
             <a:spLocks noGrp="1"/>
           </p:cNvSpPr>
@@ -4318,19 +4458,19 @@
           <a:p>
             <a:r>
               <a:rPr lang="en-US" sz="3200" dirty="0"/>
-              <a:t>Adaptation index across mice</a:t>
+              <a:t>Trace of trials average across mice</a:t>
             </a:r>
           </a:p>
         </p:txBody>
       </p:sp>
       <p:pic>
         <p:nvPicPr>
-          <p:cNvPr id="3" name="Content Placeholder 2"/>
+          <p:cNvPr id="4" name="Content Placeholder 3"/>
           <p:cNvPicPr>
             <a:picLocks noGrp="1" noChangeAspect="1"/>
           </p:cNvPicPr>
           <p:nvPr>
-            <p:ph idx="1"/>
+            <p:ph sz="half" idx="1"/>
           </p:nvPr>
         </p:nvPicPr>
         <p:blipFill>
@@ -4347,15 +4487,90 @@
         </p:blipFill>
         <p:spPr>
           <a:xfrm>
-            <a:off x="1746862" y="1825625"/>
-            <a:ext cx="8698276" cy="4351338"/>
+            <a:off x="838200" y="2058934"/>
+            <a:ext cx="5181600" cy="3884719"/>
           </a:xfrm>
+        </p:spPr>
+      </p:pic>
+      <p:pic>
+        <p:nvPicPr>
+          <p:cNvPr id="7" name="Content Placeholder 6"/>
+          <p:cNvPicPr>
+            <a:picLocks noGrp="1" noChangeAspect="1"/>
+          </p:cNvPicPr>
+          <p:nvPr>
+            <p:ph sz="half" idx="2"/>
+          </p:nvPr>
+        </p:nvPicPr>
+        <p:blipFill>
+          <a:blip r:embed="rId3">
+            <a:extLst>
+              <a:ext uri="{28A0092B-C50C-407E-A947-70E740481C1C}">
+                <a14:useLocalDpi xmlns:a14="http://schemas.microsoft.com/office/drawing/2010/main" val="0"/>
+              </a:ext>
+            </a:extLst>
+          </a:blip>
+          <a:stretch>
+            <a:fillRect/>
+          </a:stretch>
+        </p:blipFill>
+        <p:spPr>
+          <a:xfrm>
+            <a:off x="6172200" y="2058934"/>
+            <a:ext cx="5181600" cy="3884719"/>
+          </a:xfrm>
+        </p:spPr>
+      </p:pic>
+      <p:pic>
+        <p:nvPicPr>
+          <p:cNvPr id="6" name="图片 3"/>
+          <p:cNvPicPr>
+            <a:picLocks noChangeAspect="1"/>
+          </p:cNvPicPr>
+          <p:nvPr/>
+        </p:nvPicPr>
+        <p:blipFill rotWithShape="1">
+          <a:blip r:embed="rId4"/>
+          <a:srcRect l="37820" t="1" r="36941" b="-20699"/>
+          <a:stretch/>
+        </p:blipFill>
+        <p:spPr>
+          <a:xfrm>
+            <a:off x="1455937" y="1690688"/>
+            <a:ext cx="674704" cy="560312"/>
+          </a:xfrm>
+          <a:prstGeom prst="rect">
+            <a:avLst/>
+          </a:prstGeom>
+        </p:spPr>
+      </p:pic>
+      <p:pic>
+        <p:nvPicPr>
+          <p:cNvPr id="8" name="图片 3"/>
+          <p:cNvPicPr>
+            <a:picLocks noChangeAspect="1"/>
+          </p:cNvPicPr>
+          <p:nvPr/>
+        </p:nvPicPr>
+        <p:blipFill rotWithShape="1">
+          <a:blip r:embed="rId4"/>
+          <a:srcRect l="76343"/>
+          <a:stretch/>
+        </p:blipFill>
+        <p:spPr>
+          <a:xfrm>
+            <a:off x="6764784" y="1690688"/>
+            <a:ext cx="632433" cy="464224"/>
+          </a:xfrm>
+          <a:prstGeom prst="rect">
+            <a:avLst/>
+          </a:prstGeom>
         </p:spPr>
       </p:pic>
     </p:spTree>
     <p:extLst>
       <p:ext uri="{BB962C8B-B14F-4D97-AF65-F5344CB8AC3E}">
-        <p14:creationId xmlns:p14="http://schemas.microsoft.com/office/powerpoint/2010/main" val="2226832994"/>
+        <p14:creationId xmlns:p14="http://schemas.microsoft.com/office/powerpoint/2010/main" val="1638117626"/>
       </p:ext>
     </p:extLst>
   </p:cSld>
@@ -4406,7 +4621,7 @@
       </p:sp>
       <p:pic>
         <p:nvPicPr>
-          <p:cNvPr id="5" name="Content Placeholder 4"/>
+          <p:cNvPr id="3" name="Content Placeholder 2"/>
           <p:cNvPicPr>
             <a:picLocks noGrp="1" noChangeAspect="1"/>
           </p:cNvPicPr>
@@ -4428,15 +4643,61 @@
         </p:blipFill>
         <p:spPr>
           <a:xfrm>
-            <a:off x="3194002" y="1825625"/>
-            <a:ext cx="5803995" cy="4351338"/>
+            <a:off x="1746862" y="1825625"/>
+            <a:ext cx="8698276" cy="4351338"/>
           </a:xfrm>
+        </p:spPr>
+      </p:pic>
+      <p:pic>
+        <p:nvPicPr>
+          <p:cNvPr id="4" name="图片 3"/>
+          <p:cNvPicPr>
+            <a:picLocks noChangeAspect="1"/>
+          </p:cNvPicPr>
+          <p:nvPr/>
+        </p:nvPicPr>
+        <p:blipFill rotWithShape="1">
+          <a:blip r:embed="rId3"/>
+          <a:srcRect l="37820" t="1" r="36941" b="-20699"/>
+          <a:stretch/>
+        </p:blipFill>
+        <p:spPr>
+          <a:xfrm>
+            <a:off x="2803044" y="1545469"/>
+            <a:ext cx="674704" cy="560312"/>
+          </a:xfrm>
+          <a:prstGeom prst="rect">
+            <a:avLst/>
+          </a:prstGeom>
+        </p:spPr>
+      </p:pic>
+      <p:pic>
+        <p:nvPicPr>
+          <p:cNvPr id="5" name="图片 3"/>
+          <p:cNvPicPr>
+            <a:picLocks noChangeAspect="1"/>
+          </p:cNvPicPr>
+          <p:nvPr/>
+        </p:nvPicPr>
+        <p:blipFill rotWithShape="1">
+          <a:blip r:embed="rId3"/>
+          <a:srcRect l="76343"/>
+          <a:stretch/>
+        </p:blipFill>
+        <p:spPr>
+          <a:xfrm>
+            <a:off x="6645226" y="1545469"/>
+            <a:ext cx="632433" cy="464224"/>
+          </a:xfrm>
+          <a:prstGeom prst="rect">
+            <a:avLst/>
+          </a:prstGeom>
         </p:spPr>
       </p:pic>
     </p:spTree>
     <p:extLst>
       <p:ext uri="{BB962C8B-B14F-4D97-AF65-F5344CB8AC3E}">
-        <p14:creationId xmlns:p14="http://schemas.microsoft.com/office/powerpoint/2010/main" val="2024718189"/>
+        <p14:creationId xmlns:p14="http://schemas.microsoft.com/office/powerpoint/2010/main" val="2226832994"/>
       </p:ext>
     </p:extLst>
   </p:cSld>
@@ -4465,10 +4726,91 @@
       </p:grpSpPr>
       <p:sp>
         <p:nvSpPr>
+          <p:cNvPr id="2" name="Title 1"/>
+          <p:cNvSpPr>
+            <a:spLocks noGrp="1"/>
+          </p:cNvSpPr>
+          <p:nvPr>
+            <p:ph type="title"/>
+          </p:nvPr>
+        </p:nvSpPr>
+        <p:spPr/>
+        <p:txBody>
+          <a:bodyPr/>
+          <a:lstStyle/>
+          <a:p>
+            <a:r>
+              <a:rPr lang="en-US" sz="3200" dirty="0"/>
+              <a:t>Adaptation index across mice</a:t>
+            </a:r>
+          </a:p>
+        </p:txBody>
+      </p:sp>
+      <p:pic>
+        <p:nvPicPr>
+          <p:cNvPr id="5" name="Content Placeholder 4"/>
+          <p:cNvPicPr>
+            <a:picLocks noGrp="1" noChangeAspect="1"/>
+          </p:cNvPicPr>
+          <p:nvPr>
+            <p:ph idx="1"/>
+          </p:nvPr>
+        </p:nvPicPr>
+        <p:blipFill>
+          <a:blip r:embed="rId2">
+            <a:extLst>
+              <a:ext uri="{28A0092B-C50C-407E-A947-70E740481C1C}">
+                <a14:useLocalDpi xmlns:a14="http://schemas.microsoft.com/office/drawing/2010/main" val="0"/>
+              </a:ext>
+            </a:extLst>
+          </a:blip>
+          <a:stretch>
+            <a:fillRect/>
+          </a:stretch>
+        </p:blipFill>
+        <p:spPr>
+          <a:xfrm>
+            <a:off x="3194002" y="1825625"/>
+            <a:ext cx="5803995" cy="4351338"/>
+          </a:xfrm>
+        </p:spPr>
+      </p:pic>
+    </p:spTree>
+    <p:extLst>
+      <p:ext uri="{BB962C8B-B14F-4D97-AF65-F5344CB8AC3E}">
+        <p14:creationId xmlns:p14="http://schemas.microsoft.com/office/powerpoint/2010/main" val="2024718189"/>
+      </p:ext>
+    </p:extLst>
+  </p:cSld>
+  <p:clrMapOvr>
+    <a:masterClrMapping/>
+  </p:clrMapOvr>
+</p:sld>
+</file>
+
+<file path=ppt/slides/slide14.xml><?xml version="1.0" encoding="utf-8"?>
+<p:sld xmlns:a="http://schemas.openxmlformats.org/drawingml/2006/main" xmlns:r="http://schemas.openxmlformats.org/officeDocument/2006/relationships" xmlns:p="http://schemas.openxmlformats.org/presentationml/2006/main" show="0">
+  <p:cSld>
+    <p:spTree>
+      <p:nvGrpSpPr>
+        <p:cNvPr id="1" name=""/>
+        <p:cNvGrpSpPr/>
+        <p:nvPr/>
+      </p:nvGrpSpPr>
+      <p:grpSpPr>
+        <a:xfrm>
+          <a:off x="0" y="0"/>
+          <a:ext cx="0" cy="0"/>
+          <a:chOff x="0" y="0"/>
+          <a:chExt cx="0" cy="0"/>
+        </a:xfrm>
+      </p:grpSpPr>
+      <p:sp>
+        <p:nvSpPr>
           <p:cNvPr id="5" name="Title 4">
             <a:extLst>
               <a:ext uri="{FF2B5EF4-FFF2-40B4-BE49-F238E27FC236}">
-                <a16:creationId xmlns:a16="http://schemas.microsoft.com/office/drawing/2014/main" xmlns="" id="{8C2109F9-4249-4B8A-9EAD-6207C1C528BE}"/>
+                <a16:creationId xmlns="" xmlns:a16="http://schemas.microsoft.com/office/drawing/2014/main" id="{8C2109F9-4249-4B8A-9EAD-6207C1C528BE}"/>
               </a:ext>
             </a:extLst>
           </p:cNvPr>
@@ -4549,6 +4891,52 @@
           </a:xfrm>
         </p:spPr>
       </p:pic>
+      <p:pic>
+        <p:nvPicPr>
+          <p:cNvPr id="6" name="图片 3"/>
+          <p:cNvPicPr>
+            <a:picLocks noChangeAspect="1"/>
+          </p:cNvPicPr>
+          <p:nvPr/>
+        </p:nvPicPr>
+        <p:blipFill rotWithShape="1">
+          <a:blip r:embed="rId4"/>
+          <a:srcRect l="37820" t="1" r="36941" b="-20699"/>
+          <a:stretch/>
+        </p:blipFill>
+        <p:spPr>
+          <a:xfrm>
+            <a:off x="1243667" y="2009693"/>
+            <a:ext cx="674704" cy="560312"/>
+          </a:xfrm>
+          <a:prstGeom prst="rect">
+            <a:avLst/>
+          </a:prstGeom>
+        </p:spPr>
+      </p:pic>
+      <p:pic>
+        <p:nvPicPr>
+          <p:cNvPr id="7" name="图片 3"/>
+          <p:cNvPicPr>
+            <a:picLocks noChangeAspect="1"/>
+          </p:cNvPicPr>
+          <p:nvPr/>
+        </p:nvPicPr>
+        <p:blipFill rotWithShape="1">
+          <a:blip r:embed="rId4"/>
+          <a:srcRect l="76343"/>
+          <a:stretch/>
+        </p:blipFill>
+        <p:spPr>
+          <a:xfrm>
+            <a:off x="1243667" y="4299148"/>
+            <a:ext cx="632433" cy="464224"/>
+          </a:xfrm>
+          <a:prstGeom prst="rect">
+            <a:avLst/>
+          </a:prstGeom>
+        </p:spPr>
+      </p:pic>
     </p:spTree>
     <p:extLst>
       <p:ext uri="{BB962C8B-B14F-4D97-AF65-F5344CB8AC3E}">
@@ -4559,11 +4947,19 @@
   <p:clrMapOvr>
     <a:masterClrMapping/>
   </p:clrMapOvr>
+  <mc:AlternateContent xmlns:mc="http://schemas.openxmlformats.org/markup-compatibility/2006">
+    <mc:Choice xmlns:p14="http://schemas.microsoft.com/office/powerpoint/2010/main" Requires="p14">
+      <p:transition spd="slow" p14:dur="2000"/>
+    </mc:Choice>
+    <mc:Fallback>
+      <p:transition spd="slow"/>
+    </mc:Fallback>
+  </mc:AlternateContent>
 </p:sld>
 </file>
 
-<file path=ppt/slides/slide14.xml><?xml version="1.0" encoding="utf-8"?>
-<p:sld xmlns:a="http://schemas.openxmlformats.org/drawingml/2006/main" xmlns:r="http://schemas.openxmlformats.org/officeDocument/2006/relationships" xmlns:p="http://schemas.openxmlformats.org/presentationml/2006/main">
+<file path=ppt/slides/slide15.xml><?xml version="1.0" encoding="utf-8"?>
+<p:sld xmlns:a="http://schemas.openxmlformats.org/drawingml/2006/main" xmlns:r="http://schemas.openxmlformats.org/officeDocument/2006/relationships" xmlns:p="http://schemas.openxmlformats.org/presentationml/2006/main" show="0">
   <p:cSld>
     <p:spTree>
       <p:nvGrpSpPr>
@@ -4630,6 +5026,52 @@
           </a:xfrm>
         </p:spPr>
       </p:pic>
+      <p:pic>
+        <p:nvPicPr>
+          <p:cNvPr id="4" name="图片 3"/>
+          <p:cNvPicPr>
+            <a:picLocks noChangeAspect="1"/>
+          </p:cNvPicPr>
+          <p:nvPr/>
+        </p:nvPicPr>
+        <p:blipFill rotWithShape="1">
+          <a:blip r:embed="rId3"/>
+          <a:srcRect l="37820" t="1" r="36941" b="-20699"/>
+          <a:stretch/>
+        </p:blipFill>
+        <p:spPr>
+          <a:xfrm>
+            <a:off x="1766179" y="2009693"/>
+            <a:ext cx="674704" cy="560312"/>
+          </a:xfrm>
+          <a:prstGeom prst="rect">
+            <a:avLst/>
+          </a:prstGeom>
+        </p:spPr>
+      </p:pic>
+      <p:pic>
+        <p:nvPicPr>
+          <p:cNvPr id="5" name="图片 3"/>
+          <p:cNvPicPr>
+            <a:picLocks noChangeAspect="1"/>
+          </p:cNvPicPr>
+          <p:nvPr/>
+        </p:nvPicPr>
+        <p:blipFill rotWithShape="1">
+          <a:blip r:embed="rId3"/>
+          <a:srcRect l="76343"/>
+          <a:stretch/>
+        </p:blipFill>
+        <p:spPr>
+          <a:xfrm>
+            <a:off x="1766179" y="4299148"/>
+            <a:ext cx="632433" cy="464224"/>
+          </a:xfrm>
+          <a:prstGeom prst="rect">
+            <a:avLst/>
+          </a:prstGeom>
+        </p:spPr>
+      </p:pic>
     </p:spTree>
     <p:extLst>
       <p:ext uri="{BB962C8B-B14F-4D97-AF65-F5344CB8AC3E}">
@@ -4640,11 +5082,19 @@
   <p:clrMapOvr>
     <a:masterClrMapping/>
   </p:clrMapOvr>
+  <mc:AlternateContent xmlns:mc="http://schemas.openxmlformats.org/markup-compatibility/2006">
+    <mc:Choice xmlns:p14="http://schemas.microsoft.com/office/powerpoint/2010/main" Requires="p14">
+      <p:transition spd="slow" p14:dur="2000"/>
+    </mc:Choice>
+    <mc:Fallback>
+      <p:transition spd="slow"/>
+    </mc:Fallback>
+  </mc:AlternateContent>
 </p:sld>
 </file>
 
-<file path=ppt/slides/slide15.xml><?xml version="1.0" encoding="utf-8"?>
-<p:sld xmlns:a="http://schemas.openxmlformats.org/drawingml/2006/main" xmlns:r="http://schemas.openxmlformats.org/officeDocument/2006/relationships" xmlns:p="http://schemas.openxmlformats.org/presentationml/2006/main">
+<file path=ppt/slides/slide16.xml><?xml version="1.0" encoding="utf-8"?>
+<p:sld xmlns:a="http://schemas.openxmlformats.org/drawingml/2006/main" xmlns:r="http://schemas.openxmlformats.org/officeDocument/2006/relationships" xmlns:p="http://schemas.openxmlformats.org/presentationml/2006/main" show="0">
   <p:cSld>
     <p:spTree>
       <p:nvGrpSpPr>
@@ -4721,79 +5171,14 @@
   <p:clrMapOvr>
     <a:masterClrMapping/>
   </p:clrMapOvr>
-</p:sld>
-</file>
-
-<file path=ppt/slides/slide16.xml><?xml version="1.0" encoding="utf-8"?>
-<p:sld xmlns:a="http://schemas.openxmlformats.org/drawingml/2006/main" xmlns:r="http://schemas.openxmlformats.org/officeDocument/2006/relationships" xmlns:p="http://schemas.openxmlformats.org/presentationml/2006/main">
-  <p:cSld>
-    <p:spTree>
-      <p:nvGrpSpPr>
-        <p:cNvPr id="1" name=""/>
-        <p:cNvGrpSpPr/>
-        <p:nvPr/>
-      </p:nvGrpSpPr>
-      <p:grpSpPr>
-        <a:xfrm>
-          <a:off x="0" y="0"/>
-          <a:ext cx="0" cy="0"/>
-          <a:chOff x="0" y="0"/>
-          <a:chExt cx="0" cy="0"/>
-        </a:xfrm>
-      </p:grpSpPr>
-      <p:sp>
-        <p:nvSpPr>
-          <p:cNvPr id="2" name="标题 1"/>
-          <p:cNvSpPr>
-            <a:spLocks noGrp="1"/>
-          </p:cNvSpPr>
-          <p:nvPr>
-            <p:ph type="title"/>
-          </p:nvPr>
-        </p:nvSpPr>
-        <p:spPr/>
-        <p:txBody>
-          <a:bodyPr>
-            <a:normAutofit/>
-          </a:bodyPr>
-          <a:lstStyle/>
-          <a:p>
-            <a:r>
-              <a:rPr lang="en-US" sz="3200"/>
-              <a:t>Conclusion</a:t>
-            </a:r>
-          </a:p>
-        </p:txBody>
-      </p:sp>
-      <p:sp>
-        <p:nvSpPr>
-          <p:cNvPr id="3" name="内容占位符 2"/>
-          <p:cNvSpPr>
-            <a:spLocks noGrp="1"/>
-          </p:cNvSpPr>
-          <p:nvPr>
-            <p:ph idx="1"/>
-          </p:nvPr>
-        </p:nvSpPr>
-        <p:spPr/>
-        <p:txBody>
-          <a:bodyPr/>
-          <a:lstStyle/>
-          <a:p>
-            <a:endParaRPr lang="en-US"/>
-          </a:p>
-        </p:txBody>
-      </p:sp>
-    </p:spTree>
-    <p:extLst>
-      <p:ext uri="{BB962C8B-B14F-4D97-AF65-F5344CB8AC3E}">
-        <p14:creationId xmlns:p14="http://schemas.microsoft.com/office/powerpoint/2010/main" val="1943492973"/>
-      </p:ext>
-    </p:extLst>
-  </p:cSld>
-  <p:clrMapOvr>
-    <a:masterClrMapping/>
-  </p:clrMapOvr>
+  <mc:AlternateContent xmlns:mc="http://schemas.openxmlformats.org/markup-compatibility/2006">
+    <mc:Choice xmlns:p14="http://schemas.microsoft.com/office/powerpoint/2010/main" Requires="p14">
+      <p:transition spd="slow" p14:dur="2000"/>
+    </mc:Choice>
+    <mc:Fallback>
+      <p:transition spd="slow"/>
+    </mc:Fallback>
+  </mc:AlternateContent>
 </p:sld>
 </file>
 
@@ -4833,15 +5218,113 @@
           <a:p>
             <a:r>
               <a:rPr lang="en-US" sz="3200"/>
+              <a:t>Conclusion</a:t>
+            </a:r>
+          </a:p>
+        </p:txBody>
+      </p:sp>
+      <p:sp>
+        <p:nvSpPr>
+          <p:cNvPr id="3" name="内容占位符 2"/>
+          <p:cNvSpPr>
+            <a:spLocks noGrp="1"/>
+          </p:cNvSpPr>
+          <p:nvPr>
+            <p:ph idx="1"/>
+          </p:nvPr>
+        </p:nvSpPr>
+        <p:spPr/>
+        <p:txBody>
+          <a:bodyPr/>
+          <a:lstStyle/>
+          <a:p>
+            <a:r>
+              <a:rPr lang="en-US" dirty="0" smtClean="0"/>
+              <a:t>Adaptation magnitude </a:t>
+            </a:r>
+            <a:r>
+              <a:rPr lang="en-US" dirty="0" smtClean="0"/>
+              <a:t>seems larger in LM &amp; LI than in V1</a:t>
+            </a:r>
+          </a:p>
+          <a:p>
+            <a:r>
+              <a:rPr lang="en-US" dirty="0"/>
+              <a:t>Adaptation magnitude </a:t>
+            </a:r>
+            <a:r>
+              <a:rPr lang="en-US" dirty="0" smtClean="0"/>
+              <a:t>looks similar across mice, even though the overall activity of a mouse </a:t>
+            </a:r>
+            <a:r>
+              <a:rPr lang="en-US" i="1" dirty="0" smtClean="0"/>
+              <a:t>might</a:t>
+            </a:r>
+            <a:r>
+              <a:rPr lang="en-US" dirty="0" smtClean="0"/>
+              <a:t> be higher than other mice</a:t>
+            </a:r>
+          </a:p>
+        </p:txBody>
+      </p:sp>
+    </p:spTree>
+    <p:extLst>
+      <p:ext uri="{BB962C8B-B14F-4D97-AF65-F5344CB8AC3E}">
+        <p14:creationId xmlns:p14="http://schemas.microsoft.com/office/powerpoint/2010/main" val="1943492973"/>
+      </p:ext>
+    </p:extLst>
+  </p:cSld>
+  <p:clrMapOvr>
+    <a:masterClrMapping/>
+  </p:clrMapOvr>
+</p:sld>
+</file>
+
+<file path=ppt/slides/slide18.xml><?xml version="1.0" encoding="utf-8"?>
+<p:sld xmlns:a="http://schemas.openxmlformats.org/drawingml/2006/main" xmlns:r="http://schemas.openxmlformats.org/officeDocument/2006/relationships" xmlns:p="http://schemas.openxmlformats.org/presentationml/2006/main">
+  <p:cSld>
+    <p:spTree>
+      <p:nvGrpSpPr>
+        <p:cNvPr id="1" name=""/>
+        <p:cNvGrpSpPr/>
+        <p:nvPr/>
+      </p:nvGrpSpPr>
+      <p:grpSpPr>
+        <a:xfrm>
+          <a:off x="0" y="0"/>
+          <a:ext cx="0" cy="0"/>
+          <a:chOff x="0" y="0"/>
+          <a:chExt cx="0" cy="0"/>
+        </a:xfrm>
+      </p:grpSpPr>
+      <p:sp>
+        <p:nvSpPr>
+          <p:cNvPr id="2" name="标题 1"/>
+          <p:cNvSpPr>
+            <a:spLocks noGrp="1"/>
+          </p:cNvSpPr>
+          <p:nvPr>
+            <p:ph type="title"/>
+          </p:nvPr>
+        </p:nvSpPr>
+        <p:spPr/>
+        <p:txBody>
+          <a:bodyPr>
+            <a:normAutofit/>
+          </a:bodyPr>
+          <a:lstStyle/>
+          <a:p>
+            <a:r>
+              <a:rPr lang="en-US" sz="3200" dirty="0"/>
               <a:t>F</a:t>
             </a:r>
             <a:r>
-              <a:rPr lang="en-US" sz="3200" smtClean="0"/>
+              <a:rPr lang="en-US" sz="3200" dirty="0" smtClean="0"/>
               <a:t>uture </a:t>
             </a:r>
             <a:r>
-              <a:rPr lang="en-US" sz="3200"/>
-              <a:t>directions for analysis and experiments </a:t>
+              <a:rPr lang="en-US" sz="3200" dirty="0"/>
+              <a:t>directions  </a:t>
             </a:r>
           </a:p>
         </p:txBody>
@@ -4861,7 +5344,79 @@
           <a:bodyPr/>
           <a:lstStyle/>
           <a:p>
-            <a:endParaRPr lang="en-US"/>
+            <a:r>
+              <a:rPr lang="en-US" dirty="0" smtClean="0"/>
+              <a:t>Two-way ANOVA / multiple comparison to test the significance of adaptation magnitude differences across areas and mice</a:t>
+            </a:r>
+          </a:p>
+          <a:p>
+            <a:r>
+              <a:rPr lang="en-US" dirty="0" smtClean="0"/>
+              <a:t>Get rid of corresponding outliers in average traces</a:t>
+            </a:r>
+          </a:p>
+          <a:p>
+            <a:endParaRPr lang="en-US" dirty="0"/>
+          </a:p>
+          <a:p>
+            <a:r>
+              <a:rPr lang="en-US" dirty="0" smtClean="0"/>
+              <a:t>More data to get a larger sample size N</a:t>
+            </a:r>
+          </a:p>
+          <a:p>
+            <a:r>
+              <a:rPr lang="en-US" dirty="0" smtClean="0"/>
+              <a:t>Integrate existing data from other HVAs (AL, PM, more neurons </a:t>
+            </a:r>
+            <a:r>
+              <a:rPr lang="en-US" dirty="0" smtClean="0"/>
+              <a:t>in </a:t>
+            </a:r>
+            <a:r>
+              <a:rPr lang="en-US" dirty="0" smtClean="0"/>
+              <a:t>LM)</a:t>
+            </a:r>
+          </a:p>
+          <a:p>
+            <a:r>
+              <a:rPr lang="en-US" dirty="0" smtClean="0"/>
+              <a:t>Time course of adaptation in HVAs</a:t>
+            </a:r>
+            <a:endParaRPr lang="en-US" dirty="0" smtClean="0"/>
+          </a:p>
+          <a:p>
+            <a:endParaRPr lang="en-US" dirty="0" smtClean="0"/>
+          </a:p>
+          <a:p>
+            <a:r>
+              <a:rPr lang="en-US" dirty="0"/>
+              <a:t>How does stimulus coding change </a:t>
+            </a:r>
+            <a:r>
+              <a:rPr lang="en-US" dirty="0" smtClean="0"/>
+              <a:t>with </a:t>
+            </a:r>
+            <a:r>
+              <a:rPr lang="en-US" dirty="0"/>
+              <a:t>different level / specificity of </a:t>
+            </a:r>
+            <a:r>
+              <a:rPr lang="en-US" dirty="0" smtClean="0"/>
+              <a:t>adaptation</a:t>
+            </a:r>
+            <a:r>
+              <a:rPr lang="en-US" dirty="0"/>
+              <a:t> in HVAs</a:t>
+            </a:r>
+            <a:r>
+              <a:rPr lang="en-US" dirty="0" smtClean="0"/>
+              <a:t>?</a:t>
+            </a:r>
+            <a:endParaRPr lang="en-US" dirty="0"/>
+          </a:p>
+          <a:p>
+            <a:endParaRPr lang="en-US" dirty="0"/>
           </a:p>
         </p:txBody>
       </p:sp>
@@ -4903,7 +5458,7 @@
         </p:nvGrpSpPr>
         <p:grpSpPr>
           <a:xfrm>
-            <a:off x="838200" y="3779914"/>
+            <a:off x="6607028" y="3470308"/>
             <a:ext cx="5334000" cy="2567760"/>
             <a:chOff x="3156036" y="3480246"/>
             <a:chExt cx="5879928" cy="3109399"/>
@@ -5001,7 +5556,6 @@
               <a:rPr lang="en-US" sz="3200" dirty="0"/>
               <a:t>Background</a:t>
             </a:r>
-            <a:endParaRPr lang="en-US" sz="3200" dirty="0"/>
           </a:p>
         </p:txBody>
       </p:sp>
@@ -5015,7 +5569,12 @@
             <p:ph idx="1"/>
           </p:nvPr>
         </p:nvSpPr>
-        <p:spPr/>
+        <p:spPr>
+          <a:xfrm>
+            <a:off x="838200" y="1512916"/>
+            <a:ext cx="10515600" cy="4664047"/>
+          </a:xfrm>
+        </p:spPr>
         <p:txBody>
           <a:bodyPr>
             <a:normAutofit/>
@@ -5023,52 +5582,71 @@
           <a:lstStyle/>
           <a:p>
             <a:r>
-              <a:rPr lang="en-US" sz="2400" dirty="0"/>
-              <a:t>Jin et </a:t>
-            </a:r>
-            <a:r>
-              <a:rPr lang="en-US" sz="2400" dirty="0" smtClean="0"/>
-              <a:t>al. </a:t>
-            </a:r>
-            <a:r>
-              <a:rPr lang="en-US" sz="2400" dirty="0"/>
-              <a:t>(2020) suggests that adaptation magnitude is similar across some visual areas </a:t>
-            </a:r>
-            <a:r>
-              <a:rPr lang="en-US" sz="2400" dirty="0" smtClean="0"/>
-              <a:t>(SC</a:t>
-            </a:r>
-            <a:r>
-              <a:rPr lang="en-US" sz="2400" dirty="0"/>
-              <a:t>, LM, AL, PM). However, the dataset has been pooled over multiple mice trained to discern orientation </a:t>
-            </a:r>
-            <a:r>
-              <a:rPr lang="en-US" sz="2400" dirty="0" smtClean="0"/>
-              <a:t>changes</a:t>
-            </a:r>
-          </a:p>
-          <a:p>
-            <a:r>
-              <a:rPr lang="en-US" sz="2400" dirty="0">
-                <a:solidFill>
-                  <a:srgbClr val="FF0000"/>
-                </a:solidFill>
-              </a:rPr>
-              <a:t>V1 is significantly different from the other areas- HVAs and SC are not different from each other</a:t>
-            </a:r>
-            <a:r>
-              <a:rPr lang="en-US" sz="2400" dirty="0" smtClean="0">
-                <a:solidFill>
-                  <a:srgbClr val="FF0000"/>
-                </a:solidFill>
-              </a:rPr>
-              <a:t>.</a:t>
-            </a:r>
-            <a:endParaRPr lang="en-US" sz="2400" dirty="0">
-              <a:solidFill>
-                <a:srgbClr val="FF0000"/>
-              </a:solidFill>
-            </a:endParaRPr>
+              <a:rPr lang="en-US" sz="2000" dirty="0" smtClean="0"/>
+              <a:t>Jin et al. (2020) measured adaptation magnitude across V1, SC, and 3 higher visual areas (HVA</a:t>
+            </a:r>
+            <a:r>
+              <a:rPr lang="en-US" sz="2000" dirty="0" smtClean="0"/>
+              <a:t>s): LM, AL, PM</a:t>
+            </a:r>
+          </a:p>
+          <a:p>
+            <a:r>
+              <a:rPr lang="en-US" sz="2000" dirty="0"/>
+              <a:t>A</a:t>
+            </a:r>
+            <a:r>
+              <a:rPr lang="en-US" sz="2000" dirty="0" smtClean="0"/>
+              <a:t>daptation </a:t>
+            </a:r>
+            <a:r>
+              <a:rPr lang="en-US" sz="2000" dirty="0"/>
+              <a:t>to paired </a:t>
+            </a:r>
+            <a:r>
+              <a:rPr lang="en-US" sz="2000" dirty="0" smtClean="0"/>
+              <a:t>iso-oriented </a:t>
+            </a:r>
+            <a:r>
+              <a:rPr lang="en-US" sz="2000" dirty="0"/>
+              <a:t>stimuli is prevalent across </a:t>
+            </a:r>
+            <a:r>
+              <a:rPr lang="en-US" sz="2000" dirty="0" smtClean="0"/>
+              <a:t>mouse </a:t>
+            </a:r>
+            <a:r>
+              <a:rPr lang="en-US" sz="2000" dirty="0"/>
+              <a:t>visual system </a:t>
+            </a:r>
+            <a:endParaRPr lang="en-US" sz="2000" dirty="0" smtClean="0"/>
+          </a:p>
+          <a:p>
+            <a:r>
+              <a:rPr lang="en-US" sz="2000" dirty="0"/>
+              <a:t>Adaptation </a:t>
+            </a:r>
+            <a:r>
+              <a:rPr lang="en-US" sz="2000" dirty="0" smtClean="0"/>
+              <a:t>is stronger in </a:t>
+            </a:r>
+            <a:r>
+              <a:rPr lang="en-US" sz="2000" dirty="0"/>
+              <a:t>HVAs and SC </a:t>
+            </a:r>
+            <a:r>
+              <a:rPr lang="en-US" sz="2000" dirty="0" smtClean="0"/>
+              <a:t>compared </a:t>
+            </a:r>
+            <a:r>
+              <a:rPr lang="en-US" sz="2000" dirty="0"/>
+              <a:t>to </a:t>
+            </a:r>
+            <a:r>
+              <a:rPr lang="en-US" sz="2000" dirty="0" smtClean="0"/>
+              <a:t>V1, but similar across HVAs and SC</a:t>
+            </a:r>
+            <a:endParaRPr lang="en-US" sz="2000" dirty="0"/>
           </a:p>
         </p:txBody>
       </p:sp>
@@ -5093,7 +5671,7 @@
         </p:blipFill>
         <p:spPr>
           <a:xfrm>
-            <a:off x="7334451" y="3751397"/>
+            <a:off x="3689772" y="3612643"/>
             <a:ext cx="2993456" cy="2387066"/>
           </a:xfrm>
           <a:prstGeom prst="rect">
@@ -5125,16 +5703,6 @@
           <a:p>
             <a:pPr algn="r"/>
             <a:r>
-              <a:rPr lang="en-US" dirty="0" err="1">
-                <a:solidFill>
-                  <a:schemeClr val="bg1">
-                    <a:lumMod val="75000"/>
-                  </a:schemeClr>
-                </a:solidFill>
-              </a:rPr>
-              <a:t>Jin</a:t>
-            </a:r>
-            <a:r>
               <a:rPr lang="en-US" dirty="0">
                 <a:solidFill>
                   <a:schemeClr val="bg1">
@@ -5142,7 +5710,7 @@
                   </a:schemeClr>
                 </a:solidFill>
               </a:rPr>
-              <a:t> et al. (2020</a:t>
+              <a:t>Jin et al. (2020</a:t>
             </a:r>
             <a:r>
               <a:rPr lang="en-US" dirty="0" smtClean="0">
@@ -5197,6 +5765,30 @@
           </a:p>
         </p:txBody>
       </p:sp>
+      <p:pic>
+        <p:nvPicPr>
+          <p:cNvPr id="6" name="Picture 5"/>
+          <p:cNvPicPr>
+            <a:picLocks noChangeAspect="1"/>
+          </p:cNvPicPr>
+          <p:nvPr/>
+        </p:nvPicPr>
+        <p:blipFill>
+          <a:blip r:embed="rId4"/>
+          <a:stretch>
+            <a:fillRect/>
+          </a:stretch>
+        </p:blipFill>
+        <p:spPr>
+          <a:xfrm>
+            <a:off x="838200" y="3984120"/>
+            <a:ext cx="2785889" cy="1563478"/>
+          </a:xfrm>
+          <a:prstGeom prst="rect">
+            <a:avLst/>
+          </a:prstGeom>
+        </p:spPr>
+      </p:pic>
     </p:spTree>
     <p:extLst>
       <p:ext uri="{BB962C8B-B14F-4D97-AF65-F5344CB8AC3E}">
@@ -5229,12 +5821,39 @@
       </p:grpSpPr>
       <p:sp>
         <p:nvSpPr>
-          <p:cNvPr id="2" name="标题 1"/>
+          <p:cNvPr id="2" name="Title 1"/>
           <p:cNvSpPr>
             <a:spLocks noGrp="1"/>
           </p:cNvSpPr>
           <p:nvPr>
             <p:ph type="title"/>
+          </p:nvPr>
+        </p:nvSpPr>
+        <p:spPr/>
+        <p:txBody>
+          <a:bodyPr/>
+          <a:lstStyle/>
+          <a:p>
+            <a:r>
+              <a:rPr lang="en-US" sz="3200" dirty="0">
+                <a:solidFill>
+                  <a:prstClr val="black"/>
+                </a:solidFill>
+              </a:rPr>
+              <a:t>Question</a:t>
+            </a:r>
+            <a:endParaRPr lang="en-US" dirty="0"/>
+          </a:p>
+        </p:txBody>
+      </p:sp>
+      <p:sp>
+        <p:nvSpPr>
+          <p:cNvPr id="3" name="Content Placeholder 2"/>
+          <p:cNvSpPr>
+            <a:spLocks noGrp="1"/>
+          </p:cNvSpPr>
+          <p:nvPr>
+            <p:ph idx="1"/>
           </p:nvPr>
         </p:nvSpPr>
         <p:spPr/>
@@ -5245,80 +5864,86 @@
           <a:lstStyle/>
           <a:p>
             <a:r>
-              <a:rPr lang="en-US" sz="3200" dirty="0"/>
-              <a:t>Question 1</a:t>
-            </a:r>
-            <a:endParaRPr lang="en-US" sz="3200" dirty="0"/>
-          </a:p>
-        </p:txBody>
-      </p:sp>
-      <p:sp>
-        <p:nvSpPr>
-          <p:cNvPr id="3" name="内容占位符 2"/>
-          <p:cNvSpPr>
-            <a:spLocks noGrp="1"/>
-          </p:cNvSpPr>
-          <p:nvPr>
-            <p:ph idx="1"/>
-          </p:nvPr>
-        </p:nvSpPr>
-        <p:spPr/>
-        <p:txBody>
-          <a:bodyPr/>
-          <a:lstStyle/>
-          <a:p>
+              <a:rPr lang="en-US" sz="2000" dirty="0"/>
+              <a:t>However, the dataset was collected from mice trained to discern orientation changes, and </a:t>
+            </a:r>
+            <a:r>
+              <a:rPr lang="en-US" sz="2000" dirty="0"/>
+              <a:t>trained behaving mice exhibit a larger adaptation with altered stimulus specificity compared to naïve mice</a:t>
+            </a:r>
+            <a:endParaRPr lang="en-US" sz="2000" dirty="0"/>
+          </a:p>
+          <a:p>
+            <a:r>
+              <a:rPr lang="en-US" dirty="0" smtClean="0"/>
+              <a:t>Is there a </a:t>
+            </a:r>
             <a:r>
               <a:rPr lang="en-US" dirty="0"/>
-              <a:t>Does the magnitude of adaptation vary across naïve individuals as well as areas?</a:t>
-            </a:r>
-          </a:p>
-          <a:p>
-            <a:endParaRPr lang="en-US" dirty="0" smtClean="0"/>
-          </a:p>
-          <a:p>
+              <a:t>difference in the amount of adaptation across </a:t>
+            </a:r>
             <a:r>
               <a:rPr lang="en-US" dirty="0" smtClean="0"/>
-              <a:t>expand </a:t>
+              <a:t>V1 and HVAs in naïve mice?</a:t>
+            </a:r>
+            <a:endParaRPr lang="en-US" sz="2000" dirty="0" smtClean="0"/>
+          </a:p>
+          <a:p>
+            <a:r>
+              <a:rPr lang="en-US" dirty="0" smtClean="0"/>
+              <a:t>(-&gt; A long-term question: how </a:t>
             </a:r>
             <a:r>
               <a:rPr lang="en-US" dirty="0"/>
-              <a:t>the question to cover some of the ideas that you’re integrating into your grant proposal- how does coding change in the HVAs (you’re not going to get there today, but eventually).  </a:t>
-            </a:r>
-            <a:endParaRPr lang="en-US" dirty="0" smtClean="0"/>
-          </a:p>
-          <a:p>
+              <a:t>does coding </a:t>
+            </a:r>
             <a:r>
               <a:rPr lang="en-US" dirty="0" smtClean="0"/>
-              <a:t>Make </a:t>
+              <a:t>change with adaptation </a:t>
             </a:r>
             <a:r>
               <a:rPr lang="en-US" dirty="0"/>
-              <a:t>it more clear what the richness of the questions you can address are</a:t>
+              <a:t>in the </a:t>
             </a:r>
             <a:r>
               <a:rPr lang="en-US" dirty="0" smtClean="0"/>
-              <a:t>.</a:t>
-            </a:r>
-          </a:p>
-          <a:p>
-            <a:endParaRPr lang="en-US" dirty="0" smtClean="0"/>
-          </a:p>
-          <a:p>
-            <a:r>
-              <a:rPr lang="en-US" dirty="0" smtClean="0"/>
-              <a:t>whether </a:t>
-            </a:r>
-            <a:r>
-              <a:rPr lang="en-US" dirty="0"/>
-              <a:t>there is a difference in the amount of adaptation across areas.  Show the grand average traces across areas, and the quantification of the adaptation index. </a:t>
-            </a:r>
-          </a:p>
-        </p:txBody>
-      </p:sp>
+              <a:t>HVAs, and what that means for stimulus encoding accuracy and efficiency?)</a:t>
+            </a:r>
+            <a:endParaRPr lang="en-US" sz="2000" dirty="0"/>
+          </a:p>
+          <a:p>
+            <a:endParaRPr lang="en-US" sz="2000" dirty="0"/>
+          </a:p>
+        </p:txBody>
+      </p:sp>
+      <p:pic>
+        <p:nvPicPr>
+          <p:cNvPr id="4" name="Picture 3"/>
+          <p:cNvPicPr>
+            <a:picLocks noChangeAspect="1"/>
+          </p:cNvPicPr>
+          <p:nvPr/>
+        </p:nvPicPr>
+        <p:blipFill>
+          <a:blip r:embed="rId2"/>
+          <a:stretch>
+            <a:fillRect/>
+          </a:stretch>
+        </p:blipFill>
+        <p:spPr>
+          <a:xfrm>
+            <a:off x="7428115" y="3996187"/>
+            <a:ext cx="3925685" cy="2315713"/>
+          </a:xfrm>
+          <a:prstGeom prst="rect">
+            <a:avLst/>
+          </a:prstGeom>
+        </p:spPr>
+      </p:pic>
     </p:spTree>
     <p:extLst>
       <p:ext uri="{BB962C8B-B14F-4D97-AF65-F5344CB8AC3E}">
-        <p14:creationId xmlns:p14="http://schemas.microsoft.com/office/powerpoint/2010/main" val="1674904575"/>
+        <p14:creationId xmlns:p14="http://schemas.microsoft.com/office/powerpoint/2010/main" val="3245731593"/>
       </p:ext>
     </p:extLst>
   </p:cSld>
@@ -5363,7 +5988,7 @@
         </p:blipFill>
         <p:spPr>
           <a:xfrm>
-            <a:off x="6172200" y="1923068"/>
+            <a:off x="5855516" y="4250175"/>
             <a:ext cx="5181600" cy="1686689"/>
           </a:xfrm>
           <a:prstGeom prst="rect">
@@ -5419,26 +6044,30 @@
           <a:p>
             <a:r>
               <a:rPr lang="en-US" sz="2000" dirty="0"/>
-              <a:t>Ca imaging from V1 &amp; higher visual areas (LM, LI) of </a:t>
-            </a:r>
-            <a:r>
-              <a:rPr lang="en-US" sz="2000"/>
-              <a:t>3 </a:t>
-            </a:r>
-            <a:r>
-              <a:rPr lang="en-US" sz="2000" smtClean="0"/>
+              <a:t>Ca imaging </a:t>
+            </a:r>
+            <a:r>
+              <a:rPr lang="en-US" sz="2000" dirty="0" smtClean="0"/>
+              <a:t>in V1 , LM,</a:t>
+            </a:r>
+            <a:r>
+              <a:rPr lang="en-US" dirty="0" smtClean="0"/>
+              <a:t> &amp;</a:t>
+            </a:r>
+            <a:r>
+              <a:rPr lang="en-US" sz="2000" dirty="0" smtClean="0"/>
+              <a:t> LI </a:t>
+            </a:r>
+            <a:r>
+              <a:rPr lang="en-US" sz="2000" dirty="0"/>
+              <a:t>of 3 </a:t>
+            </a:r>
+            <a:r>
+              <a:rPr lang="en-US" sz="2000" dirty="0" smtClean="0"/>
               <a:t>mice</a:t>
             </a:r>
           </a:p>
           <a:p>
-            <a:r>
-              <a:rPr lang="en-US" sz="2000" smtClean="0">
-                <a:solidFill>
-                  <a:srgbClr val="FF0000"/>
-                </a:solidFill>
-              </a:rPr>
-              <a:t>why LI?</a:t>
-            </a:r>
             <a:endParaRPr lang="en-US" sz="2000" dirty="0">
               <a:solidFill>
                 <a:srgbClr val="FF0000"/>
@@ -5447,21 +6076,6 @@
           </a:p>
           <a:p>
             <a:r>
-              <a:rPr lang="en-US" sz="2000">
-                <a:solidFill>
-                  <a:srgbClr val="FF0000"/>
-                </a:solidFill>
-              </a:rPr>
-              <a:t>explain why you chose these stimulus conditions</a:t>
-            </a:r>
-            <a:endParaRPr lang="en-US" sz="2000" dirty="0">
-              <a:solidFill>
-                <a:srgbClr val="FF0000"/>
-              </a:solidFill>
-            </a:endParaRPr>
-          </a:p>
-          <a:p>
-            <a:r>
               <a:rPr lang="en-US" sz="2000" dirty="0"/>
               <a:t>adapter: </a:t>
             </a:r>
@@ -5519,7 +6133,7 @@
         </p:nvSpPr>
         <p:spPr>
           <a:xfrm>
-            <a:off x="10528851" y="2835987"/>
+            <a:off x="10212167" y="5163094"/>
             <a:ext cx="795132" cy="302349"/>
           </a:xfrm>
           <a:prstGeom prst="rect">
@@ -5585,8 +6199,8 @@
         </p:blipFill>
         <p:spPr>
           <a:xfrm>
-            <a:off x="7507705" y="3609757"/>
-            <a:ext cx="2935706" cy="2541070"/>
+            <a:off x="7342963" y="1690688"/>
+            <a:ext cx="2386878" cy="2066019"/>
           </a:xfrm>
           <a:prstGeom prst="rect">
             <a:avLst/>
@@ -5617,16 +6231,6 @@
           <a:p>
             <a:pPr algn="r"/>
             <a:r>
-              <a:rPr lang="en-US" dirty="0" err="1">
-                <a:solidFill>
-                  <a:schemeClr val="bg1">
-                    <a:lumMod val="75000"/>
-                  </a:schemeClr>
-                </a:solidFill>
-              </a:rPr>
-              <a:t>Jin</a:t>
-            </a:r>
-            <a:r>
               <a:rPr lang="en-US" dirty="0">
                 <a:solidFill>
                   <a:schemeClr val="bg1">
@@ -5634,7 +6238,7 @@
                   </a:schemeClr>
                 </a:solidFill>
               </a:rPr>
-              <a:t> et al. </a:t>
+              <a:t>Jin et al. </a:t>
             </a:r>
             <a:r>
               <a:rPr lang="en-US" dirty="0" smtClean="0">
@@ -5875,7 +6479,7 @@
 </file>
 
 <file path=ppt/slides/slide6.xml><?xml version="1.0" encoding="utf-8"?>
-<p:sld xmlns:a="http://schemas.openxmlformats.org/drawingml/2006/main" xmlns:r="http://schemas.openxmlformats.org/officeDocument/2006/relationships" xmlns:p="http://schemas.openxmlformats.org/presentationml/2006/main">
+<p:sld xmlns:a="http://schemas.openxmlformats.org/drawingml/2006/main" xmlns:r="http://schemas.openxmlformats.org/officeDocument/2006/relationships" xmlns:p="http://schemas.openxmlformats.org/presentationml/2006/main" show="0">
   <p:cSld>
     <p:spTree>
       <p:nvGrpSpPr>
@@ -5893,13 +6497,7 @@
       </p:grpSpPr>
       <p:sp>
         <p:nvSpPr>
-          <p:cNvPr id="5" name="Title 4">
-            <a:extLst>
-              <a:ext uri="{FF2B5EF4-FFF2-40B4-BE49-F238E27FC236}">
-                <a16:creationId xmlns:a16="http://schemas.microsoft.com/office/drawing/2014/main" xmlns="" id="{8C2109F9-4249-4B8A-9EAD-6207C1C528BE}"/>
-              </a:ext>
-            </a:extLst>
-          </p:cNvPr>
+          <p:cNvPr id="6" name="Title 5"/>
           <p:cNvSpPr>
             <a:spLocks noGrp="1"/>
           </p:cNvSpPr>
@@ -5909,24 +6507,43 @@
         </p:nvSpPr>
         <p:spPr/>
         <p:txBody>
-          <a:bodyPr/>
-          <a:lstStyle/>
-          <a:p>
-            <a:r>
-              <a:rPr lang="en-US" sz="3200" dirty="0"/>
-              <a:t>Trace of trials average across areas</a:t>
-            </a:r>
+          <a:bodyPr>
+            <a:normAutofit/>
+          </a:bodyPr>
+          <a:lstStyle/>
+          <a:p>
+            <a:r>
+              <a:rPr lang="en-US" sz="2800" dirty="0">
+                <a:solidFill>
+                  <a:prstClr val="black"/>
+                </a:solidFill>
+              </a:rPr>
+              <a:t>Time course of recovery after </a:t>
+            </a:r>
+            <a:r>
+              <a:rPr lang="en-US" sz="2800" dirty="0" smtClean="0">
+                <a:solidFill>
+                  <a:prstClr val="black"/>
+                </a:solidFill>
+              </a:rPr>
+              <a:t>adaptation (V1, mouse 1324)</a:t>
+            </a:r>
+            <a:endParaRPr lang="en-US" sz="2800" dirty="0">
+              <a:solidFill>
+                <a:prstClr val="black"/>
+              </a:solidFill>
+            </a:endParaRPr>
           </a:p>
         </p:txBody>
       </p:sp>
       <p:pic>
         <p:nvPicPr>
-          <p:cNvPr id="4" name="Content Placeholder 3"/>
+          <p:cNvPr id="5" name="Content Placeholder 4"/>
           <p:cNvPicPr>
             <a:picLocks noGrp="1" noChangeAspect="1"/>
           </p:cNvPicPr>
           <p:nvPr>
-            <p:ph sz="half" idx="1"/>
+            <p:ph idx="1"/>
           </p:nvPr>
         </p:nvPicPr>
         <p:blipFill>
@@ -5943,50 +6560,29 @@
         </p:blipFill>
         <p:spPr>
           <a:xfrm>
-            <a:off x="838200" y="2058934"/>
-            <a:ext cx="5181600" cy="3884719"/>
-          </a:xfrm>
-        </p:spPr>
-      </p:pic>
-      <p:pic>
-        <p:nvPicPr>
-          <p:cNvPr id="7" name="Content Placeholder 6"/>
-          <p:cNvPicPr>
-            <a:picLocks noGrp="1" noChangeAspect="1"/>
-          </p:cNvPicPr>
-          <p:nvPr>
-            <p:ph sz="half" idx="2"/>
-          </p:nvPr>
-        </p:nvPicPr>
-        <p:blipFill>
-          <a:blip r:embed="rId3">
-            <a:extLst>
-              <a:ext uri="{28A0092B-C50C-407E-A947-70E740481C1C}">
-                <a14:useLocalDpi xmlns:a14="http://schemas.microsoft.com/office/drawing/2010/main" val="0"/>
-              </a:ext>
-            </a:extLst>
-          </a:blip>
-          <a:stretch>
-            <a:fillRect/>
-          </a:stretch>
-        </p:blipFill>
-        <p:spPr>
-          <a:xfrm>
-            <a:off x="6172200" y="2058934"/>
-            <a:ext cx="5181600" cy="3884719"/>
+            <a:off x="3194002" y="1825625"/>
+            <a:ext cx="5803995" cy="4351338"/>
           </a:xfrm>
         </p:spPr>
       </p:pic>
     </p:spTree>
     <p:extLst>
       <p:ext uri="{BB962C8B-B14F-4D97-AF65-F5344CB8AC3E}">
-        <p14:creationId xmlns:p14="http://schemas.microsoft.com/office/powerpoint/2010/main" val="2712719263"/>
+        <p14:creationId xmlns:p14="http://schemas.microsoft.com/office/powerpoint/2010/main" val="2246572602"/>
       </p:ext>
     </p:extLst>
   </p:cSld>
   <p:clrMapOvr>
     <a:masterClrMapping/>
   </p:clrMapOvr>
+  <mc:AlternateContent xmlns:mc="http://schemas.openxmlformats.org/markup-compatibility/2006">
+    <mc:Choice xmlns:p14="http://schemas.microsoft.com/office/powerpoint/2010/main" Requires="p14">
+      <p:transition spd="slow" p14:dur="2000"/>
+    </mc:Choice>
+    <mc:Fallback>
+      <p:transition spd="slow"/>
+    </mc:Fallback>
+  </mc:AlternateContent>
 </p:sld>
 </file>
 
@@ -6009,7 +6605,13 @@
       </p:grpSpPr>
       <p:sp>
         <p:nvSpPr>
-          <p:cNvPr id="4" name="Title 3"/>
+          <p:cNvPr id="5" name="Title 4">
+            <a:extLst>
+              <a:ext uri="{FF2B5EF4-FFF2-40B4-BE49-F238E27FC236}">
+                <a16:creationId xmlns="" xmlns:a16="http://schemas.microsoft.com/office/drawing/2014/main" id="{8C2109F9-4249-4B8A-9EAD-6207C1C528BE}"/>
+              </a:ext>
+            </a:extLst>
+          </p:cNvPr>
           <p:cNvSpPr>
             <a:spLocks noGrp="1"/>
           </p:cNvSpPr>
@@ -6024,19 +6626,19 @@
           <a:p>
             <a:r>
               <a:rPr lang="en-US" sz="3200" dirty="0"/>
-              <a:t>Adaptation index across areas</a:t>
+              <a:t>Trace of trials average across areas</a:t>
             </a:r>
           </a:p>
         </p:txBody>
       </p:sp>
       <p:pic>
         <p:nvPicPr>
-          <p:cNvPr id="2" name="Content Placeholder 1"/>
+          <p:cNvPr id="4" name="Content Placeholder 3"/>
           <p:cNvPicPr>
             <a:picLocks noGrp="1" noChangeAspect="1"/>
           </p:cNvPicPr>
           <p:nvPr>
-            <p:ph idx="1"/>
+            <p:ph sz="half" idx="1"/>
           </p:nvPr>
         </p:nvPicPr>
         <p:blipFill>
@@ -6053,15 +6655,90 @@
         </p:blipFill>
         <p:spPr>
           <a:xfrm>
-            <a:off x="1746862" y="1825625"/>
-            <a:ext cx="8698276" cy="4351338"/>
+            <a:off x="838200" y="2058934"/>
+            <a:ext cx="5181600" cy="3884719"/>
           </a:xfrm>
+        </p:spPr>
+      </p:pic>
+      <p:pic>
+        <p:nvPicPr>
+          <p:cNvPr id="7" name="Content Placeholder 6"/>
+          <p:cNvPicPr>
+            <a:picLocks noGrp="1" noChangeAspect="1"/>
+          </p:cNvPicPr>
+          <p:nvPr>
+            <p:ph sz="half" idx="2"/>
+          </p:nvPr>
+        </p:nvPicPr>
+        <p:blipFill>
+          <a:blip r:embed="rId4">
+            <a:extLst>
+              <a:ext uri="{28A0092B-C50C-407E-A947-70E740481C1C}">
+                <a14:useLocalDpi xmlns:a14="http://schemas.microsoft.com/office/drawing/2010/main" val="0"/>
+              </a:ext>
+            </a:extLst>
+          </a:blip>
+          <a:stretch>
+            <a:fillRect/>
+          </a:stretch>
+        </p:blipFill>
+        <p:spPr>
+          <a:xfrm>
+            <a:off x="6172200" y="2058934"/>
+            <a:ext cx="5181600" cy="3884719"/>
+          </a:xfrm>
+        </p:spPr>
+      </p:pic>
+      <p:pic>
+        <p:nvPicPr>
+          <p:cNvPr id="6" name="图片 3"/>
+          <p:cNvPicPr>
+            <a:picLocks noChangeAspect="1"/>
+          </p:cNvPicPr>
+          <p:nvPr/>
+        </p:nvPicPr>
+        <p:blipFill rotWithShape="1">
+          <a:blip r:embed="rId5"/>
+          <a:srcRect l="37820" t="1" r="36941" b="-20699"/>
+          <a:stretch/>
+        </p:blipFill>
+        <p:spPr>
+          <a:xfrm>
+            <a:off x="1455937" y="1690688"/>
+            <a:ext cx="674704" cy="560312"/>
+          </a:xfrm>
+          <a:prstGeom prst="rect">
+            <a:avLst/>
+          </a:prstGeom>
+        </p:spPr>
+      </p:pic>
+      <p:pic>
+        <p:nvPicPr>
+          <p:cNvPr id="8" name="图片 3"/>
+          <p:cNvPicPr>
+            <a:picLocks noChangeAspect="1"/>
+          </p:cNvPicPr>
+          <p:nvPr/>
+        </p:nvPicPr>
+        <p:blipFill rotWithShape="1">
+          <a:blip r:embed="rId5"/>
+          <a:srcRect l="76343"/>
+          <a:stretch/>
+        </p:blipFill>
+        <p:spPr>
+          <a:xfrm>
+            <a:off x="6764784" y="1690688"/>
+            <a:ext cx="632433" cy="464224"/>
+          </a:xfrm>
+          <a:prstGeom prst="rect">
+            <a:avLst/>
+          </a:prstGeom>
         </p:spPr>
       </p:pic>
     </p:spTree>
     <p:extLst>
       <p:ext uri="{BB962C8B-B14F-4D97-AF65-F5344CB8AC3E}">
-        <p14:creationId xmlns:p14="http://schemas.microsoft.com/office/powerpoint/2010/main" val="1075168120"/>
+        <p14:creationId xmlns:p14="http://schemas.microsoft.com/office/powerpoint/2010/main" val="2712719263"/>
       </p:ext>
     </p:extLst>
   </p:cSld>
@@ -6112,7 +6789,7 @@
       </p:sp>
       <p:pic>
         <p:nvPicPr>
-          <p:cNvPr id="5" name="Content Placeholder 4"/>
+          <p:cNvPr id="2" name="Content Placeholder 1"/>
           <p:cNvPicPr>
             <a:picLocks noGrp="1" noChangeAspect="1"/>
           </p:cNvPicPr>
@@ -6134,15 +6811,61 @@
         </p:blipFill>
         <p:spPr>
           <a:xfrm>
-            <a:off x="3194002" y="1825625"/>
-            <a:ext cx="5803995" cy="4351338"/>
+            <a:off x="1746862" y="1825625"/>
+            <a:ext cx="8698276" cy="4351338"/>
           </a:xfrm>
+        </p:spPr>
+      </p:pic>
+      <p:pic>
+        <p:nvPicPr>
+          <p:cNvPr id="5" name="图片 3"/>
+          <p:cNvPicPr>
+            <a:picLocks noChangeAspect="1"/>
+          </p:cNvPicPr>
+          <p:nvPr/>
+        </p:nvPicPr>
+        <p:blipFill rotWithShape="1">
+          <a:blip r:embed="rId4"/>
+          <a:srcRect l="37820" t="1" r="36941" b="-20699"/>
+          <a:stretch/>
+        </p:blipFill>
+        <p:spPr>
+          <a:xfrm>
+            <a:off x="2803044" y="1545469"/>
+            <a:ext cx="674704" cy="560312"/>
+          </a:xfrm>
+          <a:prstGeom prst="rect">
+            <a:avLst/>
+          </a:prstGeom>
+        </p:spPr>
+      </p:pic>
+      <p:pic>
+        <p:nvPicPr>
+          <p:cNvPr id="6" name="图片 3"/>
+          <p:cNvPicPr>
+            <a:picLocks noChangeAspect="1"/>
+          </p:cNvPicPr>
+          <p:nvPr/>
+        </p:nvPicPr>
+        <p:blipFill rotWithShape="1">
+          <a:blip r:embed="rId4"/>
+          <a:srcRect l="76343"/>
+          <a:stretch/>
+        </p:blipFill>
+        <p:spPr>
+          <a:xfrm>
+            <a:off x="6645226" y="1545469"/>
+            <a:ext cx="632433" cy="464224"/>
+          </a:xfrm>
+          <a:prstGeom prst="rect">
+            <a:avLst/>
+          </a:prstGeom>
         </p:spPr>
       </p:pic>
     </p:spTree>
     <p:extLst>
       <p:ext uri="{BB962C8B-B14F-4D97-AF65-F5344CB8AC3E}">
-        <p14:creationId xmlns:p14="http://schemas.microsoft.com/office/powerpoint/2010/main" val="2422670441"/>
+        <p14:creationId xmlns:p14="http://schemas.microsoft.com/office/powerpoint/2010/main" val="1075168120"/>
       </p:ext>
     </p:extLst>
   </p:cSld>
@@ -6171,7 +6894,7 @@
       </p:grpSpPr>
       <p:sp>
         <p:nvSpPr>
-          <p:cNvPr id="2" name="标题 1"/>
+          <p:cNvPr id="4" name="Title 3"/>
           <p:cNvSpPr>
             <a:spLocks noGrp="1"/>
           </p:cNvSpPr>
@@ -6185,62 +6908,45 @@
           <a:lstStyle/>
           <a:p>
             <a:r>
-              <a:rPr lang="en-US" smtClean="0"/>
-              <a:t>Q2</a:t>
-            </a:r>
-            <a:endParaRPr lang="en-US"/>
-          </a:p>
-        </p:txBody>
-      </p:sp>
-      <p:sp>
-        <p:nvSpPr>
-          <p:cNvPr id="3" name="内容占位符 2"/>
-          <p:cNvSpPr>
-            <a:spLocks noGrp="1"/>
-          </p:cNvSpPr>
+              <a:rPr lang="en-US" sz="3200" dirty="0"/>
+              <a:t>Adaptation index across areas</a:t>
+            </a:r>
+          </a:p>
+        </p:txBody>
+      </p:sp>
+      <p:pic>
+        <p:nvPicPr>
+          <p:cNvPr id="5" name="Content Placeholder 4"/>
+          <p:cNvPicPr>
+            <a:picLocks noGrp="1" noChangeAspect="1"/>
+          </p:cNvPicPr>
           <p:nvPr>
             <p:ph idx="1"/>
           </p:nvPr>
-        </p:nvSpPr>
-        <p:spPr/>
-        <p:txBody>
-          <a:bodyPr/>
-          <a:lstStyle/>
-          <a:p>
-            <a:r>
-              <a:rPr lang="en-US" dirty="0"/>
-              <a:t>motivation for inter-individual </a:t>
-            </a:r>
-            <a:r>
-              <a:rPr lang="en-US" dirty="0" smtClean="0"/>
-              <a:t>variability</a:t>
-            </a:r>
-            <a:r>
-              <a:rPr lang="en-US" dirty="0"/>
-              <a:t>:</a:t>
-            </a:r>
-            <a:endParaRPr lang="en-US" dirty="0" smtClean="0"/>
-          </a:p>
-          <a:p>
-            <a:r>
-              <a:rPr lang="en-US" dirty="0" smtClean="0"/>
-              <a:t>Why mirror image?</a:t>
-            </a:r>
-            <a:endParaRPr lang="en-US" dirty="0"/>
-          </a:p>
-          <a:p>
-            <a:r>
-              <a:rPr lang="en-US" dirty="0" smtClean="0"/>
-              <a:t>Averaged over areas. Hidden variance?</a:t>
-            </a:r>
-            <a:endParaRPr lang="en-US" dirty="0"/>
-          </a:p>
-        </p:txBody>
-      </p:sp>
+        </p:nvPicPr>
+        <p:blipFill>
+          <a:blip r:embed="rId3">
+            <a:extLst>
+              <a:ext uri="{28A0092B-C50C-407E-A947-70E740481C1C}">
+                <a14:useLocalDpi xmlns:a14="http://schemas.microsoft.com/office/drawing/2010/main" val="0"/>
+              </a:ext>
+            </a:extLst>
+          </a:blip>
+          <a:stretch>
+            <a:fillRect/>
+          </a:stretch>
+        </p:blipFill>
+        <p:spPr>
+          <a:xfrm>
+            <a:off x="3194002" y="1825625"/>
+            <a:ext cx="5803995" cy="4351338"/>
+          </a:xfrm>
+        </p:spPr>
+      </p:pic>
     </p:spTree>
     <p:extLst>
       <p:ext uri="{BB962C8B-B14F-4D97-AF65-F5344CB8AC3E}">
-        <p14:creationId xmlns:p14="http://schemas.microsoft.com/office/powerpoint/2010/main" val="3082718648"/>
+        <p14:creationId xmlns:p14="http://schemas.microsoft.com/office/powerpoint/2010/main" val="2422670441"/>
       </p:ext>
     </p:extLst>
   </p:cSld>

--- a/code/Jin2020/200903_LL.pptx
+++ b/code/Jin2020/200903_LL.pptx
@@ -544,31 +544,7 @@
                 <a:ea typeface="+mn-ea"/>
                 <a:cs typeface="+mn-cs"/>
               </a:rPr>
-              <a:t>Borderline area </a:t>
-            </a:r>
-            <a:r>
-              <a:rPr lang="en-US" sz="1200" b="0" i="0" kern="1200" dirty="0" smtClean="0">
-                <a:solidFill>
-                  <a:schemeClr val="tx1"/>
-                </a:solidFill>
-                <a:effectLst/>
-                <a:latin typeface="+mn-lt"/>
-                <a:ea typeface="+mn-ea"/>
-                <a:cs typeface="+mn-cs"/>
-              </a:rPr>
-              <a:t>LI responds to both visual and auditory </a:t>
-            </a:r>
-            <a:r>
-              <a:rPr lang="en-US" sz="1200" b="0" i="0" kern="1200" dirty="0" smtClean="0">
-                <a:solidFill>
-                  <a:schemeClr val="tx1"/>
-                </a:solidFill>
-                <a:effectLst/>
-                <a:latin typeface="+mn-lt"/>
-                <a:ea typeface="+mn-ea"/>
-                <a:cs typeface="+mn-cs"/>
-              </a:rPr>
-              <a:t>stimuli. Hardly recorded from</a:t>
+              <a:t>Borderline area LI responds to both visual and auditory stimuli. Hardly recorded from</a:t>
             </a:r>
           </a:p>
           <a:p>
@@ -1022,7 +998,7 @@
           <p:cNvPr id="2" name="Title 1">
             <a:extLst>
               <a:ext uri="{FF2B5EF4-FFF2-40B4-BE49-F238E27FC236}">
-                <a16:creationId xmlns="" xmlns:a16="http://schemas.microsoft.com/office/drawing/2014/main" id="{A7CE5BBC-8679-4CAB-ADA3-E82FD780B073}"/>
+                <a16:creationId xmlns:a16="http://schemas.microsoft.com/office/drawing/2014/main" xmlns="" id="{A7CE5BBC-8679-4CAB-ADA3-E82FD780B073}"/>
               </a:ext>
             </a:extLst>
           </p:cNvPr>
@@ -1059,7 +1035,7 @@
           <p:cNvPr id="3" name="Subtitle 2">
             <a:extLst>
               <a:ext uri="{FF2B5EF4-FFF2-40B4-BE49-F238E27FC236}">
-                <a16:creationId xmlns="" xmlns:a16="http://schemas.microsoft.com/office/drawing/2014/main" id="{8A423BA8-8C29-4C64-AD10-1959DBE1ADB1}"/>
+                <a16:creationId xmlns:a16="http://schemas.microsoft.com/office/drawing/2014/main" xmlns="" id="{8A423BA8-8C29-4C64-AD10-1959DBE1ADB1}"/>
               </a:ext>
             </a:extLst>
           </p:cNvPr>
@@ -1129,7 +1105,7 @@
           <p:cNvPr id="4" name="Date Placeholder 3">
             <a:extLst>
               <a:ext uri="{FF2B5EF4-FFF2-40B4-BE49-F238E27FC236}">
-                <a16:creationId xmlns="" xmlns:a16="http://schemas.microsoft.com/office/drawing/2014/main" id="{44E87AA2-F5E5-4930-9BE3-CC05B3AF118D}"/>
+                <a16:creationId xmlns:a16="http://schemas.microsoft.com/office/drawing/2014/main" xmlns="" id="{44E87AA2-F5E5-4930-9BE3-CC05B3AF118D}"/>
               </a:ext>
             </a:extLst>
           </p:cNvPr>
@@ -1158,7 +1134,7 @@
           <p:cNvPr id="5" name="Footer Placeholder 4">
             <a:extLst>
               <a:ext uri="{FF2B5EF4-FFF2-40B4-BE49-F238E27FC236}">
-                <a16:creationId xmlns="" xmlns:a16="http://schemas.microsoft.com/office/drawing/2014/main" id="{60A6912B-0169-4CC0-9784-AEE7032A7A7C}"/>
+                <a16:creationId xmlns:a16="http://schemas.microsoft.com/office/drawing/2014/main" xmlns="" id="{60A6912B-0169-4CC0-9784-AEE7032A7A7C}"/>
               </a:ext>
             </a:extLst>
           </p:cNvPr>
@@ -1183,7 +1159,7 @@
           <p:cNvPr id="6" name="Slide Number Placeholder 5">
             <a:extLst>
               <a:ext uri="{FF2B5EF4-FFF2-40B4-BE49-F238E27FC236}">
-                <a16:creationId xmlns="" xmlns:a16="http://schemas.microsoft.com/office/drawing/2014/main" id="{F483307B-F85F-4006-B81E-CDAB23DCFF2F}"/>
+                <a16:creationId xmlns:a16="http://schemas.microsoft.com/office/drawing/2014/main" xmlns="" id="{F483307B-F85F-4006-B81E-CDAB23DCFF2F}"/>
               </a:ext>
             </a:extLst>
           </p:cNvPr>
@@ -1242,7 +1218,7 @@
           <p:cNvPr id="2" name="Title 1">
             <a:extLst>
               <a:ext uri="{FF2B5EF4-FFF2-40B4-BE49-F238E27FC236}">
-                <a16:creationId xmlns="" xmlns:a16="http://schemas.microsoft.com/office/drawing/2014/main" id="{C68634BF-6FC9-4C39-8871-9B4AD20A53D6}"/>
+                <a16:creationId xmlns:a16="http://schemas.microsoft.com/office/drawing/2014/main" xmlns="" id="{C68634BF-6FC9-4C39-8871-9B4AD20A53D6}"/>
               </a:ext>
             </a:extLst>
           </p:cNvPr>
@@ -1270,7 +1246,7 @@
           <p:cNvPr id="3" name="Vertical Text Placeholder 2">
             <a:extLst>
               <a:ext uri="{FF2B5EF4-FFF2-40B4-BE49-F238E27FC236}">
-                <a16:creationId xmlns="" xmlns:a16="http://schemas.microsoft.com/office/drawing/2014/main" id="{9EDB868B-9AF3-4DB1-8398-BAA8C081147D}"/>
+                <a16:creationId xmlns:a16="http://schemas.microsoft.com/office/drawing/2014/main" xmlns="" id="{9EDB868B-9AF3-4DB1-8398-BAA8C081147D}"/>
               </a:ext>
             </a:extLst>
           </p:cNvPr>
@@ -1327,7 +1303,7 @@
           <p:cNvPr id="4" name="Date Placeholder 3">
             <a:extLst>
               <a:ext uri="{FF2B5EF4-FFF2-40B4-BE49-F238E27FC236}">
-                <a16:creationId xmlns="" xmlns:a16="http://schemas.microsoft.com/office/drawing/2014/main" id="{FAEAF1E5-24EE-4519-A844-EC9AA6F448BE}"/>
+                <a16:creationId xmlns:a16="http://schemas.microsoft.com/office/drawing/2014/main" xmlns="" id="{FAEAF1E5-24EE-4519-A844-EC9AA6F448BE}"/>
               </a:ext>
             </a:extLst>
           </p:cNvPr>
@@ -1356,7 +1332,7 @@
           <p:cNvPr id="5" name="Footer Placeholder 4">
             <a:extLst>
               <a:ext uri="{FF2B5EF4-FFF2-40B4-BE49-F238E27FC236}">
-                <a16:creationId xmlns="" xmlns:a16="http://schemas.microsoft.com/office/drawing/2014/main" id="{D8881E09-021C-472B-AF26-9A4EF6B7B4DC}"/>
+                <a16:creationId xmlns:a16="http://schemas.microsoft.com/office/drawing/2014/main" xmlns="" id="{D8881E09-021C-472B-AF26-9A4EF6B7B4DC}"/>
               </a:ext>
             </a:extLst>
           </p:cNvPr>
@@ -1381,7 +1357,7 @@
           <p:cNvPr id="6" name="Slide Number Placeholder 5">
             <a:extLst>
               <a:ext uri="{FF2B5EF4-FFF2-40B4-BE49-F238E27FC236}">
-                <a16:creationId xmlns="" xmlns:a16="http://schemas.microsoft.com/office/drawing/2014/main" id="{14CBEC48-7435-4ADF-8A88-52134D478303}"/>
+                <a16:creationId xmlns:a16="http://schemas.microsoft.com/office/drawing/2014/main" xmlns="" id="{14CBEC48-7435-4ADF-8A88-52134D478303}"/>
               </a:ext>
             </a:extLst>
           </p:cNvPr>
@@ -1440,7 +1416,7 @@
           <p:cNvPr id="2" name="Vertical Title 1">
             <a:extLst>
               <a:ext uri="{FF2B5EF4-FFF2-40B4-BE49-F238E27FC236}">
-                <a16:creationId xmlns="" xmlns:a16="http://schemas.microsoft.com/office/drawing/2014/main" id="{196A7924-95E1-4016-B152-3DC640AF0444}"/>
+                <a16:creationId xmlns:a16="http://schemas.microsoft.com/office/drawing/2014/main" xmlns="" id="{196A7924-95E1-4016-B152-3DC640AF0444}"/>
               </a:ext>
             </a:extLst>
           </p:cNvPr>
@@ -1473,7 +1449,7 @@
           <p:cNvPr id="3" name="Vertical Text Placeholder 2">
             <a:extLst>
               <a:ext uri="{FF2B5EF4-FFF2-40B4-BE49-F238E27FC236}">
-                <a16:creationId xmlns="" xmlns:a16="http://schemas.microsoft.com/office/drawing/2014/main" id="{243EA662-18D2-46B8-A31B-0B5C15889802}"/>
+                <a16:creationId xmlns:a16="http://schemas.microsoft.com/office/drawing/2014/main" xmlns="" id="{243EA662-18D2-46B8-A31B-0B5C15889802}"/>
               </a:ext>
             </a:extLst>
           </p:cNvPr>
@@ -1535,7 +1511,7 @@
           <p:cNvPr id="4" name="Date Placeholder 3">
             <a:extLst>
               <a:ext uri="{FF2B5EF4-FFF2-40B4-BE49-F238E27FC236}">
-                <a16:creationId xmlns="" xmlns:a16="http://schemas.microsoft.com/office/drawing/2014/main" id="{A678274F-956F-49E8-A272-7AB252B50042}"/>
+                <a16:creationId xmlns:a16="http://schemas.microsoft.com/office/drawing/2014/main" xmlns="" id="{A678274F-956F-49E8-A272-7AB252B50042}"/>
               </a:ext>
             </a:extLst>
           </p:cNvPr>
@@ -1564,7 +1540,7 @@
           <p:cNvPr id="5" name="Footer Placeholder 4">
             <a:extLst>
               <a:ext uri="{FF2B5EF4-FFF2-40B4-BE49-F238E27FC236}">
-                <a16:creationId xmlns="" xmlns:a16="http://schemas.microsoft.com/office/drawing/2014/main" id="{F01C5228-1BC4-49A5-A77B-EE901A3A5B60}"/>
+                <a16:creationId xmlns:a16="http://schemas.microsoft.com/office/drawing/2014/main" xmlns="" id="{F01C5228-1BC4-49A5-A77B-EE901A3A5B60}"/>
               </a:ext>
             </a:extLst>
           </p:cNvPr>
@@ -1589,7 +1565,7 @@
           <p:cNvPr id="6" name="Slide Number Placeholder 5">
             <a:extLst>
               <a:ext uri="{FF2B5EF4-FFF2-40B4-BE49-F238E27FC236}">
-                <a16:creationId xmlns="" xmlns:a16="http://schemas.microsoft.com/office/drawing/2014/main" id="{9907DE84-88DE-4091-8471-A95709D81DCB}"/>
+                <a16:creationId xmlns:a16="http://schemas.microsoft.com/office/drawing/2014/main" xmlns="" id="{9907DE84-88DE-4091-8471-A95709D81DCB}"/>
               </a:ext>
             </a:extLst>
           </p:cNvPr>
@@ -1648,7 +1624,7 @@
           <p:cNvPr id="2" name="Title 1">
             <a:extLst>
               <a:ext uri="{FF2B5EF4-FFF2-40B4-BE49-F238E27FC236}">
-                <a16:creationId xmlns="" xmlns:a16="http://schemas.microsoft.com/office/drawing/2014/main" id="{4C6EAACD-AC22-4E4D-92C6-9D8ACD362D12}"/>
+                <a16:creationId xmlns:a16="http://schemas.microsoft.com/office/drawing/2014/main" xmlns="" id="{4C6EAACD-AC22-4E4D-92C6-9D8ACD362D12}"/>
               </a:ext>
             </a:extLst>
           </p:cNvPr>
@@ -1676,7 +1652,7 @@
           <p:cNvPr id="3" name="Content Placeholder 2">
             <a:extLst>
               <a:ext uri="{FF2B5EF4-FFF2-40B4-BE49-F238E27FC236}">
-                <a16:creationId xmlns="" xmlns:a16="http://schemas.microsoft.com/office/drawing/2014/main" id="{B995CC02-3DAA-4FDB-A858-C849CABED160}"/>
+                <a16:creationId xmlns:a16="http://schemas.microsoft.com/office/drawing/2014/main" xmlns="" id="{B995CC02-3DAA-4FDB-A858-C849CABED160}"/>
               </a:ext>
             </a:extLst>
           </p:cNvPr>
@@ -1733,7 +1709,7 @@
           <p:cNvPr id="4" name="Date Placeholder 3">
             <a:extLst>
               <a:ext uri="{FF2B5EF4-FFF2-40B4-BE49-F238E27FC236}">
-                <a16:creationId xmlns="" xmlns:a16="http://schemas.microsoft.com/office/drawing/2014/main" id="{942CE80B-9298-4E75-AAF1-6A242C0701E5}"/>
+                <a16:creationId xmlns:a16="http://schemas.microsoft.com/office/drawing/2014/main" xmlns="" id="{942CE80B-9298-4E75-AAF1-6A242C0701E5}"/>
               </a:ext>
             </a:extLst>
           </p:cNvPr>
@@ -1762,7 +1738,7 @@
           <p:cNvPr id="5" name="Footer Placeholder 4">
             <a:extLst>
               <a:ext uri="{FF2B5EF4-FFF2-40B4-BE49-F238E27FC236}">
-                <a16:creationId xmlns="" xmlns:a16="http://schemas.microsoft.com/office/drawing/2014/main" id="{9F069C18-FF55-4F5A-90C6-76400473B248}"/>
+                <a16:creationId xmlns:a16="http://schemas.microsoft.com/office/drawing/2014/main" xmlns="" id="{9F069C18-FF55-4F5A-90C6-76400473B248}"/>
               </a:ext>
             </a:extLst>
           </p:cNvPr>
@@ -1787,7 +1763,7 @@
           <p:cNvPr id="6" name="Slide Number Placeholder 5">
             <a:extLst>
               <a:ext uri="{FF2B5EF4-FFF2-40B4-BE49-F238E27FC236}">
-                <a16:creationId xmlns="" xmlns:a16="http://schemas.microsoft.com/office/drawing/2014/main" id="{A23C462A-778B-4E12-8B75-4C13FF489E10}"/>
+                <a16:creationId xmlns:a16="http://schemas.microsoft.com/office/drawing/2014/main" xmlns="" id="{A23C462A-778B-4E12-8B75-4C13FF489E10}"/>
               </a:ext>
             </a:extLst>
           </p:cNvPr>
@@ -1846,7 +1822,7 @@
           <p:cNvPr id="2" name="Title 1">
             <a:extLst>
               <a:ext uri="{FF2B5EF4-FFF2-40B4-BE49-F238E27FC236}">
-                <a16:creationId xmlns="" xmlns:a16="http://schemas.microsoft.com/office/drawing/2014/main" id="{C21AB03A-5163-4DB5-BACE-7BD77DEE5569}"/>
+                <a16:creationId xmlns:a16="http://schemas.microsoft.com/office/drawing/2014/main" xmlns="" id="{C21AB03A-5163-4DB5-BACE-7BD77DEE5569}"/>
               </a:ext>
             </a:extLst>
           </p:cNvPr>
@@ -1883,7 +1859,7 @@
           <p:cNvPr id="3" name="Text Placeholder 2">
             <a:extLst>
               <a:ext uri="{FF2B5EF4-FFF2-40B4-BE49-F238E27FC236}">
-                <a16:creationId xmlns="" xmlns:a16="http://schemas.microsoft.com/office/drawing/2014/main" id="{9BB9DE6B-B594-42E2-AE30-81693CBFFB5D}"/>
+                <a16:creationId xmlns:a16="http://schemas.microsoft.com/office/drawing/2014/main" xmlns="" id="{9BB9DE6B-B594-42E2-AE30-81693CBFFB5D}"/>
               </a:ext>
             </a:extLst>
           </p:cNvPr>
@@ -2008,7 +1984,7 @@
           <p:cNvPr id="4" name="Date Placeholder 3">
             <a:extLst>
               <a:ext uri="{FF2B5EF4-FFF2-40B4-BE49-F238E27FC236}">
-                <a16:creationId xmlns="" xmlns:a16="http://schemas.microsoft.com/office/drawing/2014/main" id="{DD988C1A-6AD0-4567-82A4-4900F87F74C1}"/>
+                <a16:creationId xmlns:a16="http://schemas.microsoft.com/office/drawing/2014/main" xmlns="" id="{DD988C1A-6AD0-4567-82A4-4900F87F74C1}"/>
               </a:ext>
             </a:extLst>
           </p:cNvPr>
@@ -2037,7 +2013,7 @@
           <p:cNvPr id="5" name="Footer Placeholder 4">
             <a:extLst>
               <a:ext uri="{FF2B5EF4-FFF2-40B4-BE49-F238E27FC236}">
-                <a16:creationId xmlns="" xmlns:a16="http://schemas.microsoft.com/office/drawing/2014/main" id="{2B5337A4-4F51-4DF4-AD0F-71F5A11AE5B3}"/>
+                <a16:creationId xmlns:a16="http://schemas.microsoft.com/office/drawing/2014/main" xmlns="" id="{2B5337A4-4F51-4DF4-AD0F-71F5A11AE5B3}"/>
               </a:ext>
             </a:extLst>
           </p:cNvPr>
@@ -2062,7 +2038,7 @@
           <p:cNvPr id="6" name="Slide Number Placeholder 5">
             <a:extLst>
               <a:ext uri="{FF2B5EF4-FFF2-40B4-BE49-F238E27FC236}">
-                <a16:creationId xmlns="" xmlns:a16="http://schemas.microsoft.com/office/drawing/2014/main" id="{23DFB646-4790-41FE-8982-E6D240B24875}"/>
+                <a16:creationId xmlns:a16="http://schemas.microsoft.com/office/drawing/2014/main" xmlns="" id="{23DFB646-4790-41FE-8982-E6D240B24875}"/>
               </a:ext>
             </a:extLst>
           </p:cNvPr>
@@ -2121,7 +2097,7 @@
           <p:cNvPr id="2" name="Title 1">
             <a:extLst>
               <a:ext uri="{FF2B5EF4-FFF2-40B4-BE49-F238E27FC236}">
-                <a16:creationId xmlns="" xmlns:a16="http://schemas.microsoft.com/office/drawing/2014/main" id="{DF6DFC26-8597-4C51-A46D-AF7DEB51A19B}"/>
+                <a16:creationId xmlns:a16="http://schemas.microsoft.com/office/drawing/2014/main" xmlns="" id="{DF6DFC26-8597-4C51-A46D-AF7DEB51A19B}"/>
               </a:ext>
             </a:extLst>
           </p:cNvPr>
@@ -2149,7 +2125,7 @@
           <p:cNvPr id="3" name="Content Placeholder 2">
             <a:extLst>
               <a:ext uri="{FF2B5EF4-FFF2-40B4-BE49-F238E27FC236}">
-                <a16:creationId xmlns="" xmlns:a16="http://schemas.microsoft.com/office/drawing/2014/main" id="{37CDE896-C6A8-4479-B467-9A0EF68EF31A}"/>
+                <a16:creationId xmlns:a16="http://schemas.microsoft.com/office/drawing/2014/main" xmlns="" id="{37CDE896-C6A8-4479-B467-9A0EF68EF31A}"/>
               </a:ext>
             </a:extLst>
           </p:cNvPr>
@@ -2211,7 +2187,7 @@
           <p:cNvPr id="4" name="Content Placeholder 3">
             <a:extLst>
               <a:ext uri="{FF2B5EF4-FFF2-40B4-BE49-F238E27FC236}">
-                <a16:creationId xmlns="" xmlns:a16="http://schemas.microsoft.com/office/drawing/2014/main" id="{0E314CA3-D4D8-4BD4-9CE5-BA07A11FEA07}"/>
+                <a16:creationId xmlns:a16="http://schemas.microsoft.com/office/drawing/2014/main" xmlns="" id="{0E314CA3-D4D8-4BD4-9CE5-BA07A11FEA07}"/>
               </a:ext>
             </a:extLst>
           </p:cNvPr>
@@ -2273,7 +2249,7 @@
           <p:cNvPr id="5" name="Date Placeholder 4">
             <a:extLst>
               <a:ext uri="{FF2B5EF4-FFF2-40B4-BE49-F238E27FC236}">
-                <a16:creationId xmlns="" xmlns:a16="http://schemas.microsoft.com/office/drawing/2014/main" id="{3825C7E1-B72E-47B7-B24D-609059B4DA5A}"/>
+                <a16:creationId xmlns:a16="http://schemas.microsoft.com/office/drawing/2014/main" xmlns="" id="{3825C7E1-B72E-47B7-B24D-609059B4DA5A}"/>
               </a:ext>
             </a:extLst>
           </p:cNvPr>
@@ -2302,7 +2278,7 @@
           <p:cNvPr id="6" name="Footer Placeholder 5">
             <a:extLst>
               <a:ext uri="{FF2B5EF4-FFF2-40B4-BE49-F238E27FC236}">
-                <a16:creationId xmlns="" xmlns:a16="http://schemas.microsoft.com/office/drawing/2014/main" id="{3E87C878-6957-4EDF-B126-BEB3FE72AAF5}"/>
+                <a16:creationId xmlns:a16="http://schemas.microsoft.com/office/drawing/2014/main" xmlns="" id="{3E87C878-6957-4EDF-B126-BEB3FE72AAF5}"/>
               </a:ext>
             </a:extLst>
           </p:cNvPr>
@@ -2327,7 +2303,7 @@
           <p:cNvPr id="7" name="Slide Number Placeholder 6">
             <a:extLst>
               <a:ext uri="{FF2B5EF4-FFF2-40B4-BE49-F238E27FC236}">
-                <a16:creationId xmlns="" xmlns:a16="http://schemas.microsoft.com/office/drawing/2014/main" id="{95D8BCF6-DDBE-4490-92D2-63CBDC546A9F}"/>
+                <a16:creationId xmlns:a16="http://schemas.microsoft.com/office/drawing/2014/main" xmlns="" id="{95D8BCF6-DDBE-4490-92D2-63CBDC546A9F}"/>
               </a:ext>
             </a:extLst>
           </p:cNvPr>
@@ -2386,7 +2362,7 @@
           <p:cNvPr id="2" name="Title 1">
             <a:extLst>
               <a:ext uri="{FF2B5EF4-FFF2-40B4-BE49-F238E27FC236}">
-                <a16:creationId xmlns="" xmlns:a16="http://schemas.microsoft.com/office/drawing/2014/main" id="{3033022A-6DAE-4ADD-A989-4CB40E72D65B}"/>
+                <a16:creationId xmlns:a16="http://schemas.microsoft.com/office/drawing/2014/main" xmlns="" id="{3033022A-6DAE-4ADD-A989-4CB40E72D65B}"/>
               </a:ext>
             </a:extLst>
           </p:cNvPr>
@@ -2419,7 +2395,7 @@
           <p:cNvPr id="3" name="Text Placeholder 2">
             <a:extLst>
               <a:ext uri="{FF2B5EF4-FFF2-40B4-BE49-F238E27FC236}">
-                <a16:creationId xmlns="" xmlns:a16="http://schemas.microsoft.com/office/drawing/2014/main" id="{7090BFD6-1D2B-4F3B-BD02-B2E958E41E8A}"/>
+                <a16:creationId xmlns:a16="http://schemas.microsoft.com/office/drawing/2014/main" xmlns="" id="{7090BFD6-1D2B-4F3B-BD02-B2E958E41E8A}"/>
               </a:ext>
             </a:extLst>
           </p:cNvPr>
@@ -2490,7 +2466,7 @@
           <p:cNvPr id="4" name="Content Placeholder 3">
             <a:extLst>
               <a:ext uri="{FF2B5EF4-FFF2-40B4-BE49-F238E27FC236}">
-                <a16:creationId xmlns="" xmlns:a16="http://schemas.microsoft.com/office/drawing/2014/main" id="{8EE1DCFD-A632-4D46-82CF-8027FDBB3090}"/>
+                <a16:creationId xmlns:a16="http://schemas.microsoft.com/office/drawing/2014/main" xmlns="" id="{8EE1DCFD-A632-4D46-82CF-8027FDBB3090}"/>
               </a:ext>
             </a:extLst>
           </p:cNvPr>
@@ -2552,7 +2528,7 @@
           <p:cNvPr id="5" name="Text Placeholder 4">
             <a:extLst>
               <a:ext uri="{FF2B5EF4-FFF2-40B4-BE49-F238E27FC236}">
-                <a16:creationId xmlns="" xmlns:a16="http://schemas.microsoft.com/office/drawing/2014/main" id="{33CCC86D-ADE8-4EB1-A070-AFF7D6FAFDBF}"/>
+                <a16:creationId xmlns:a16="http://schemas.microsoft.com/office/drawing/2014/main" xmlns="" id="{33CCC86D-ADE8-4EB1-A070-AFF7D6FAFDBF}"/>
               </a:ext>
             </a:extLst>
           </p:cNvPr>
@@ -2623,7 +2599,7 @@
           <p:cNvPr id="6" name="Content Placeholder 5">
             <a:extLst>
               <a:ext uri="{FF2B5EF4-FFF2-40B4-BE49-F238E27FC236}">
-                <a16:creationId xmlns="" xmlns:a16="http://schemas.microsoft.com/office/drawing/2014/main" id="{25BD03A3-BBA4-492D-A3D6-9F610EAD7348}"/>
+                <a16:creationId xmlns:a16="http://schemas.microsoft.com/office/drawing/2014/main" xmlns="" id="{25BD03A3-BBA4-492D-A3D6-9F610EAD7348}"/>
               </a:ext>
             </a:extLst>
           </p:cNvPr>
@@ -2685,7 +2661,7 @@
           <p:cNvPr id="7" name="Date Placeholder 6">
             <a:extLst>
               <a:ext uri="{FF2B5EF4-FFF2-40B4-BE49-F238E27FC236}">
-                <a16:creationId xmlns="" xmlns:a16="http://schemas.microsoft.com/office/drawing/2014/main" id="{264C47B5-8D83-49A3-A157-B336F5830E5F}"/>
+                <a16:creationId xmlns:a16="http://schemas.microsoft.com/office/drawing/2014/main" xmlns="" id="{264C47B5-8D83-49A3-A157-B336F5830E5F}"/>
               </a:ext>
             </a:extLst>
           </p:cNvPr>
@@ -2714,7 +2690,7 @@
           <p:cNvPr id="8" name="Footer Placeholder 7">
             <a:extLst>
               <a:ext uri="{FF2B5EF4-FFF2-40B4-BE49-F238E27FC236}">
-                <a16:creationId xmlns="" xmlns:a16="http://schemas.microsoft.com/office/drawing/2014/main" id="{D5FFE58A-7B02-4CDB-B365-7B4F94813F47}"/>
+                <a16:creationId xmlns:a16="http://schemas.microsoft.com/office/drawing/2014/main" xmlns="" id="{D5FFE58A-7B02-4CDB-B365-7B4F94813F47}"/>
               </a:ext>
             </a:extLst>
           </p:cNvPr>
@@ -2739,7 +2715,7 @@
           <p:cNvPr id="9" name="Slide Number Placeholder 8">
             <a:extLst>
               <a:ext uri="{FF2B5EF4-FFF2-40B4-BE49-F238E27FC236}">
-                <a16:creationId xmlns="" xmlns:a16="http://schemas.microsoft.com/office/drawing/2014/main" id="{B8BE2945-1ACD-4EA5-BDB1-B692C475DAFD}"/>
+                <a16:creationId xmlns:a16="http://schemas.microsoft.com/office/drawing/2014/main" xmlns="" id="{B8BE2945-1ACD-4EA5-BDB1-B692C475DAFD}"/>
               </a:ext>
             </a:extLst>
           </p:cNvPr>
@@ -2798,7 +2774,7 @@
           <p:cNvPr id="2" name="Title 1">
             <a:extLst>
               <a:ext uri="{FF2B5EF4-FFF2-40B4-BE49-F238E27FC236}">
-                <a16:creationId xmlns="" xmlns:a16="http://schemas.microsoft.com/office/drawing/2014/main" id="{2C484472-5283-4757-A32A-8097260A3988}"/>
+                <a16:creationId xmlns:a16="http://schemas.microsoft.com/office/drawing/2014/main" xmlns="" id="{2C484472-5283-4757-A32A-8097260A3988}"/>
               </a:ext>
             </a:extLst>
           </p:cNvPr>
@@ -2826,7 +2802,7 @@
           <p:cNvPr id="3" name="Date Placeholder 2">
             <a:extLst>
               <a:ext uri="{FF2B5EF4-FFF2-40B4-BE49-F238E27FC236}">
-                <a16:creationId xmlns="" xmlns:a16="http://schemas.microsoft.com/office/drawing/2014/main" id="{94CB462C-3820-4073-99E3-A207C18FE9D7}"/>
+                <a16:creationId xmlns:a16="http://schemas.microsoft.com/office/drawing/2014/main" xmlns="" id="{94CB462C-3820-4073-99E3-A207C18FE9D7}"/>
               </a:ext>
             </a:extLst>
           </p:cNvPr>
@@ -2855,7 +2831,7 @@
           <p:cNvPr id="4" name="Footer Placeholder 3">
             <a:extLst>
               <a:ext uri="{FF2B5EF4-FFF2-40B4-BE49-F238E27FC236}">
-                <a16:creationId xmlns="" xmlns:a16="http://schemas.microsoft.com/office/drawing/2014/main" id="{1A25B9C8-21EE-4307-A932-02079C96F9FE}"/>
+                <a16:creationId xmlns:a16="http://schemas.microsoft.com/office/drawing/2014/main" xmlns="" id="{1A25B9C8-21EE-4307-A932-02079C96F9FE}"/>
               </a:ext>
             </a:extLst>
           </p:cNvPr>
@@ -2880,7 +2856,7 @@
           <p:cNvPr id="5" name="Slide Number Placeholder 4">
             <a:extLst>
               <a:ext uri="{FF2B5EF4-FFF2-40B4-BE49-F238E27FC236}">
-                <a16:creationId xmlns="" xmlns:a16="http://schemas.microsoft.com/office/drawing/2014/main" id="{C826FA60-9BF0-440B-8344-4D259393FE7F}"/>
+                <a16:creationId xmlns:a16="http://schemas.microsoft.com/office/drawing/2014/main" xmlns="" id="{C826FA60-9BF0-440B-8344-4D259393FE7F}"/>
               </a:ext>
             </a:extLst>
           </p:cNvPr>
@@ -2939,7 +2915,7 @@
           <p:cNvPr id="2" name="Date Placeholder 1">
             <a:extLst>
               <a:ext uri="{FF2B5EF4-FFF2-40B4-BE49-F238E27FC236}">
-                <a16:creationId xmlns="" xmlns:a16="http://schemas.microsoft.com/office/drawing/2014/main" id="{F7B9CD3C-573E-4184-BAAC-5D6B25B06EE2}"/>
+                <a16:creationId xmlns:a16="http://schemas.microsoft.com/office/drawing/2014/main" xmlns="" id="{F7B9CD3C-573E-4184-BAAC-5D6B25B06EE2}"/>
               </a:ext>
             </a:extLst>
           </p:cNvPr>
@@ -2968,7 +2944,7 @@
           <p:cNvPr id="3" name="Footer Placeholder 2">
             <a:extLst>
               <a:ext uri="{FF2B5EF4-FFF2-40B4-BE49-F238E27FC236}">
-                <a16:creationId xmlns="" xmlns:a16="http://schemas.microsoft.com/office/drawing/2014/main" id="{7703D78E-02FF-4530-8C2C-EB3FB9553415}"/>
+                <a16:creationId xmlns:a16="http://schemas.microsoft.com/office/drawing/2014/main" xmlns="" id="{7703D78E-02FF-4530-8C2C-EB3FB9553415}"/>
               </a:ext>
             </a:extLst>
           </p:cNvPr>
@@ -2993,7 +2969,7 @@
           <p:cNvPr id="4" name="Slide Number Placeholder 3">
             <a:extLst>
               <a:ext uri="{FF2B5EF4-FFF2-40B4-BE49-F238E27FC236}">
-                <a16:creationId xmlns="" xmlns:a16="http://schemas.microsoft.com/office/drawing/2014/main" id="{09E00EF9-6964-472E-9451-D32A18FA5631}"/>
+                <a16:creationId xmlns:a16="http://schemas.microsoft.com/office/drawing/2014/main" xmlns="" id="{09E00EF9-6964-472E-9451-D32A18FA5631}"/>
               </a:ext>
             </a:extLst>
           </p:cNvPr>
@@ -3052,7 +3028,7 @@
           <p:cNvPr id="2" name="Title 1">
             <a:extLst>
               <a:ext uri="{FF2B5EF4-FFF2-40B4-BE49-F238E27FC236}">
-                <a16:creationId xmlns="" xmlns:a16="http://schemas.microsoft.com/office/drawing/2014/main" id="{19CD81D7-629D-421E-9A84-E68E936F0B75}"/>
+                <a16:creationId xmlns:a16="http://schemas.microsoft.com/office/drawing/2014/main" xmlns="" id="{19CD81D7-629D-421E-9A84-E68E936F0B75}"/>
               </a:ext>
             </a:extLst>
           </p:cNvPr>
@@ -3089,7 +3065,7 @@
           <p:cNvPr id="3" name="Content Placeholder 2">
             <a:extLst>
               <a:ext uri="{FF2B5EF4-FFF2-40B4-BE49-F238E27FC236}">
-                <a16:creationId xmlns="" xmlns:a16="http://schemas.microsoft.com/office/drawing/2014/main" id="{045367A1-2AB2-4CAE-9CEB-806A9D9FBA53}"/>
+                <a16:creationId xmlns:a16="http://schemas.microsoft.com/office/drawing/2014/main" xmlns="" id="{045367A1-2AB2-4CAE-9CEB-806A9D9FBA53}"/>
               </a:ext>
             </a:extLst>
           </p:cNvPr>
@@ -3179,7 +3155,7 @@
           <p:cNvPr id="4" name="Text Placeholder 3">
             <a:extLst>
               <a:ext uri="{FF2B5EF4-FFF2-40B4-BE49-F238E27FC236}">
-                <a16:creationId xmlns="" xmlns:a16="http://schemas.microsoft.com/office/drawing/2014/main" id="{A0F97228-B34E-4449-8A2D-CF7AC215E5DE}"/>
+                <a16:creationId xmlns:a16="http://schemas.microsoft.com/office/drawing/2014/main" xmlns="" id="{A0F97228-B34E-4449-8A2D-CF7AC215E5DE}"/>
               </a:ext>
             </a:extLst>
           </p:cNvPr>
@@ -3250,7 +3226,7 @@
           <p:cNvPr id="5" name="Date Placeholder 4">
             <a:extLst>
               <a:ext uri="{FF2B5EF4-FFF2-40B4-BE49-F238E27FC236}">
-                <a16:creationId xmlns="" xmlns:a16="http://schemas.microsoft.com/office/drawing/2014/main" id="{884639D6-D865-44E6-B8D0-6FF5CE28CF00}"/>
+                <a16:creationId xmlns:a16="http://schemas.microsoft.com/office/drawing/2014/main" xmlns="" id="{884639D6-D865-44E6-B8D0-6FF5CE28CF00}"/>
               </a:ext>
             </a:extLst>
           </p:cNvPr>
@@ -3279,7 +3255,7 @@
           <p:cNvPr id="6" name="Footer Placeholder 5">
             <a:extLst>
               <a:ext uri="{FF2B5EF4-FFF2-40B4-BE49-F238E27FC236}">
-                <a16:creationId xmlns="" xmlns:a16="http://schemas.microsoft.com/office/drawing/2014/main" id="{3F9DDC88-A6B0-481F-97D0-2033BF020722}"/>
+                <a16:creationId xmlns:a16="http://schemas.microsoft.com/office/drawing/2014/main" xmlns="" id="{3F9DDC88-A6B0-481F-97D0-2033BF020722}"/>
               </a:ext>
             </a:extLst>
           </p:cNvPr>
@@ -3304,7 +3280,7 @@
           <p:cNvPr id="7" name="Slide Number Placeholder 6">
             <a:extLst>
               <a:ext uri="{FF2B5EF4-FFF2-40B4-BE49-F238E27FC236}">
-                <a16:creationId xmlns="" xmlns:a16="http://schemas.microsoft.com/office/drawing/2014/main" id="{6FBDCFA2-4984-459E-9507-050EA6575098}"/>
+                <a16:creationId xmlns:a16="http://schemas.microsoft.com/office/drawing/2014/main" xmlns="" id="{6FBDCFA2-4984-459E-9507-050EA6575098}"/>
               </a:ext>
             </a:extLst>
           </p:cNvPr>
@@ -3363,7 +3339,7 @@
           <p:cNvPr id="2" name="Title 1">
             <a:extLst>
               <a:ext uri="{FF2B5EF4-FFF2-40B4-BE49-F238E27FC236}">
-                <a16:creationId xmlns="" xmlns:a16="http://schemas.microsoft.com/office/drawing/2014/main" id="{87FA6640-DB08-415B-9E88-CA7A34042BD7}"/>
+                <a16:creationId xmlns:a16="http://schemas.microsoft.com/office/drawing/2014/main" xmlns="" id="{87FA6640-DB08-415B-9E88-CA7A34042BD7}"/>
               </a:ext>
             </a:extLst>
           </p:cNvPr>
@@ -3400,7 +3376,7 @@
           <p:cNvPr id="3" name="Picture Placeholder 2">
             <a:extLst>
               <a:ext uri="{FF2B5EF4-FFF2-40B4-BE49-F238E27FC236}">
-                <a16:creationId xmlns="" xmlns:a16="http://schemas.microsoft.com/office/drawing/2014/main" id="{F9343371-609E-4D5D-B910-DF5764C99F3D}"/>
+                <a16:creationId xmlns:a16="http://schemas.microsoft.com/office/drawing/2014/main" xmlns="" id="{F9343371-609E-4D5D-B910-DF5764C99F3D}"/>
               </a:ext>
             </a:extLst>
           </p:cNvPr>
@@ -3467,7 +3443,7 @@
           <p:cNvPr id="4" name="Text Placeholder 3">
             <a:extLst>
               <a:ext uri="{FF2B5EF4-FFF2-40B4-BE49-F238E27FC236}">
-                <a16:creationId xmlns="" xmlns:a16="http://schemas.microsoft.com/office/drawing/2014/main" id="{0A077FDD-B719-4E73-8598-F8ADBA9F1CDC}"/>
+                <a16:creationId xmlns:a16="http://schemas.microsoft.com/office/drawing/2014/main" xmlns="" id="{0A077FDD-B719-4E73-8598-F8ADBA9F1CDC}"/>
               </a:ext>
             </a:extLst>
           </p:cNvPr>
@@ -3538,7 +3514,7 @@
           <p:cNvPr id="5" name="Date Placeholder 4">
             <a:extLst>
               <a:ext uri="{FF2B5EF4-FFF2-40B4-BE49-F238E27FC236}">
-                <a16:creationId xmlns="" xmlns:a16="http://schemas.microsoft.com/office/drawing/2014/main" id="{D38F11EB-C52A-43E3-A749-48A52ECB57E7}"/>
+                <a16:creationId xmlns:a16="http://schemas.microsoft.com/office/drawing/2014/main" xmlns="" id="{D38F11EB-C52A-43E3-A749-48A52ECB57E7}"/>
               </a:ext>
             </a:extLst>
           </p:cNvPr>
@@ -3567,7 +3543,7 @@
           <p:cNvPr id="6" name="Footer Placeholder 5">
             <a:extLst>
               <a:ext uri="{FF2B5EF4-FFF2-40B4-BE49-F238E27FC236}">
-                <a16:creationId xmlns="" xmlns:a16="http://schemas.microsoft.com/office/drawing/2014/main" id="{95E53AFD-6BF0-4AD4-BAAB-1601B9CA07BB}"/>
+                <a16:creationId xmlns:a16="http://schemas.microsoft.com/office/drawing/2014/main" xmlns="" id="{95E53AFD-6BF0-4AD4-BAAB-1601B9CA07BB}"/>
               </a:ext>
             </a:extLst>
           </p:cNvPr>
@@ -3592,7 +3568,7 @@
           <p:cNvPr id="7" name="Slide Number Placeholder 6">
             <a:extLst>
               <a:ext uri="{FF2B5EF4-FFF2-40B4-BE49-F238E27FC236}">
-                <a16:creationId xmlns="" xmlns:a16="http://schemas.microsoft.com/office/drawing/2014/main" id="{C6B106A4-B317-4650-936D-746E66BF47B7}"/>
+                <a16:creationId xmlns:a16="http://schemas.microsoft.com/office/drawing/2014/main" xmlns="" id="{C6B106A4-B317-4650-936D-746E66BF47B7}"/>
               </a:ext>
             </a:extLst>
           </p:cNvPr>
@@ -3656,7 +3632,7 @@
           <p:cNvPr id="2" name="Title Placeholder 1">
             <a:extLst>
               <a:ext uri="{FF2B5EF4-FFF2-40B4-BE49-F238E27FC236}">
-                <a16:creationId xmlns="" xmlns:a16="http://schemas.microsoft.com/office/drawing/2014/main" id="{5B37EC8F-DDFC-4E6B-9427-5958FEB819A3}"/>
+                <a16:creationId xmlns:a16="http://schemas.microsoft.com/office/drawing/2014/main" xmlns="" id="{5B37EC8F-DDFC-4E6B-9427-5958FEB819A3}"/>
               </a:ext>
             </a:extLst>
           </p:cNvPr>
@@ -3694,7 +3670,7 @@
           <p:cNvPr id="3" name="Text Placeholder 2">
             <a:extLst>
               <a:ext uri="{FF2B5EF4-FFF2-40B4-BE49-F238E27FC236}">
-                <a16:creationId xmlns="" xmlns:a16="http://schemas.microsoft.com/office/drawing/2014/main" id="{A4507C0A-20B0-4700-A2B7-4A3FEAD839AC}"/>
+                <a16:creationId xmlns:a16="http://schemas.microsoft.com/office/drawing/2014/main" xmlns="" id="{A4507C0A-20B0-4700-A2B7-4A3FEAD839AC}"/>
               </a:ext>
             </a:extLst>
           </p:cNvPr>
@@ -3761,7 +3737,7 @@
           <p:cNvPr id="4" name="Date Placeholder 3">
             <a:extLst>
               <a:ext uri="{FF2B5EF4-FFF2-40B4-BE49-F238E27FC236}">
-                <a16:creationId xmlns="" xmlns:a16="http://schemas.microsoft.com/office/drawing/2014/main" id="{80CC83EA-98AA-4507-B323-A3EE4DA5DEC0}"/>
+                <a16:creationId xmlns:a16="http://schemas.microsoft.com/office/drawing/2014/main" xmlns="" id="{80CC83EA-98AA-4507-B323-A3EE4DA5DEC0}"/>
               </a:ext>
             </a:extLst>
           </p:cNvPr>
@@ -3808,7 +3784,7 @@
           <p:cNvPr id="5" name="Footer Placeholder 4">
             <a:extLst>
               <a:ext uri="{FF2B5EF4-FFF2-40B4-BE49-F238E27FC236}">
-                <a16:creationId xmlns="" xmlns:a16="http://schemas.microsoft.com/office/drawing/2014/main" id="{4327E618-AB88-4343-A7A0-DFA5373F8042}"/>
+                <a16:creationId xmlns:a16="http://schemas.microsoft.com/office/drawing/2014/main" xmlns="" id="{4327E618-AB88-4343-A7A0-DFA5373F8042}"/>
               </a:ext>
             </a:extLst>
           </p:cNvPr>
@@ -3851,7 +3827,7 @@
           <p:cNvPr id="6" name="Slide Number Placeholder 5">
             <a:extLst>
               <a:ext uri="{FF2B5EF4-FFF2-40B4-BE49-F238E27FC236}">
-                <a16:creationId xmlns="" xmlns:a16="http://schemas.microsoft.com/office/drawing/2014/main" id="{C0BB8A04-3323-466A-B057-0A128B13D72E}"/>
+                <a16:creationId xmlns:a16="http://schemas.microsoft.com/office/drawing/2014/main" xmlns="" id="{C0BB8A04-3323-466A-B057-0A128B13D72E}"/>
               </a:ext>
             </a:extLst>
           </p:cNvPr>
@@ -4219,7 +4195,7 @@
           <p:cNvPr id="2" name="Title 1">
             <a:extLst>
               <a:ext uri="{FF2B5EF4-FFF2-40B4-BE49-F238E27FC236}">
-                <a16:creationId xmlns="" xmlns:a16="http://schemas.microsoft.com/office/drawing/2014/main" id="{B292A5D3-4780-447A-8363-BE34D4C9F320}"/>
+                <a16:creationId xmlns:a16="http://schemas.microsoft.com/office/drawing/2014/main" xmlns="" id="{B292A5D3-4780-447A-8363-BE34D4C9F320}"/>
               </a:ext>
             </a:extLst>
           </p:cNvPr>
@@ -4268,7 +4244,7 @@
           <p:cNvPr id="3" name="Subtitle 2">
             <a:extLst>
               <a:ext uri="{FF2B5EF4-FFF2-40B4-BE49-F238E27FC236}">
-                <a16:creationId xmlns="" xmlns:a16="http://schemas.microsoft.com/office/drawing/2014/main" id="{0321455D-274D-48E8-A110-52137E159514}"/>
+                <a16:creationId xmlns:a16="http://schemas.microsoft.com/office/drawing/2014/main" xmlns="" id="{0321455D-274D-48E8-A110-52137E159514}"/>
               </a:ext>
             </a:extLst>
           </p:cNvPr>
@@ -4312,6 +4288,13 @@
   <p:clrMapOvr>
     <a:masterClrMapping/>
   </p:clrMapOvr>
+  <p:timing>
+    <p:tnLst>
+      <p:par>
+        <p:cTn id="1" dur="indefinite" restart="never" nodeType="tmRoot"/>
+      </p:par>
+    </p:tnLst>
+  </p:timing>
 </p:sld>
 </file>
 
@@ -4380,15 +4363,7 @@
             </a:r>
             <a:r>
               <a:rPr lang="en-US" dirty="0" smtClean="0"/>
-              <a:t>. </a:t>
-            </a:r>
-            <a:r>
-              <a:rPr lang="en-US" dirty="0" smtClean="0"/>
-              <a:t>Any h</a:t>
-            </a:r>
-            <a:r>
-              <a:rPr lang="en-US" dirty="0" smtClean="0"/>
-              <a:t>idden variance between individual mouse?</a:t>
+              <a:t>. Any hidden variance between individual mouse?</a:t>
             </a:r>
           </a:p>
           <a:p>
@@ -4415,6 +4390,13 @@
   <p:clrMapOvr>
     <a:masterClrMapping/>
   </p:clrMapOvr>
+  <p:timing>
+    <p:tnLst>
+      <p:par>
+        <p:cTn id="1" dur="indefinite" restart="never" nodeType="tmRoot"/>
+      </p:par>
+    </p:tnLst>
+  </p:timing>
 </p:sld>
 </file>
 
@@ -4440,7 +4422,7 @@
           <p:cNvPr id="5" name="Title 4">
             <a:extLst>
               <a:ext uri="{FF2B5EF4-FFF2-40B4-BE49-F238E27FC236}">
-                <a16:creationId xmlns="" xmlns:a16="http://schemas.microsoft.com/office/drawing/2014/main" id="{8C2109F9-4249-4B8A-9EAD-6207C1C528BE}"/>
+                <a16:creationId xmlns:a16="http://schemas.microsoft.com/office/drawing/2014/main" xmlns="" id="{8C2109F9-4249-4B8A-9EAD-6207C1C528BE}"/>
               </a:ext>
             </a:extLst>
           </p:cNvPr>
@@ -4521,52 +4503,128 @@
           </a:xfrm>
         </p:spPr>
       </p:pic>
-      <p:pic>
-        <p:nvPicPr>
-          <p:cNvPr id="6" name="图片 3"/>
-          <p:cNvPicPr>
-            <a:picLocks noChangeAspect="1"/>
-          </p:cNvPicPr>
+      <p:grpSp>
+        <p:nvGrpSpPr>
+          <p:cNvPr id="9" name="Group 8"/>
+          <p:cNvGrpSpPr/>
           <p:nvPr/>
-        </p:nvPicPr>
-        <p:blipFill rotWithShape="1">
-          <a:blip r:embed="rId4"/>
-          <a:srcRect l="37820" t="1" r="36941" b="-20699"/>
-          <a:stretch/>
-        </p:blipFill>
-        <p:spPr>
+        </p:nvGrpSpPr>
+        <p:grpSpPr>
           <a:xfrm>
-            <a:off x="1455937" y="1690688"/>
+            <a:off x="1394560" y="1594655"/>
             <a:ext cx="674704" cy="560312"/>
+            <a:chOff x="2803044" y="1545469"/>
+            <a:chExt cx="674704" cy="560312"/>
           </a:xfrm>
-          <a:prstGeom prst="rect">
-            <a:avLst/>
-          </a:prstGeom>
-        </p:spPr>
-      </p:pic>
-      <p:pic>
-        <p:nvPicPr>
-          <p:cNvPr id="8" name="图片 3"/>
-          <p:cNvPicPr>
-            <a:picLocks noChangeAspect="1"/>
-          </p:cNvPicPr>
+        </p:grpSpPr>
+        <p:pic>
+          <p:nvPicPr>
+            <p:cNvPr id="10" name="图片 3"/>
+            <p:cNvPicPr>
+              <a:picLocks noChangeAspect="1"/>
+            </p:cNvPicPr>
+            <p:nvPr/>
+          </p:nvPicPr>
+          <p:blipFill rotWithShape="1">
+            <a:blip r:embed="rId4"/>
+            <a:srcRect l="37820" t="1" r="36941" b="-20699"/>
+            <a:stretch/>
+          </p:blipFill>
+          <p:spPr>
+            <a:xfrm>
+              <a:off x="2803044" y="1545469"/>
+              <a:ext cx="674704" cy="560312"/>
+            </a:xfrm>
+            <a:prstGeom prst="rect">
+              <a:avLst/>
+            </a:prstGeom>
+          </p:spPr>
+        </p:pic>
+        <p:pic>
+          <p:nvPicPr>
+            <p:cNvPr id="11" name="图片 2"/>
+            <p:cNvPicPr>
+              <a:picLocks noChangeAspect="1"/>
+            </p:cNvPicPr>
+            <p:nvPr/>
+          </p:nvPicPr>
+          <p:blipFill rotWithShape="1">
+            <a:blip r:embed="rId5"/>
+            <a:srcRect r="650" b="90962"/>
+            <a:stretch/>
+          </p:blipFill>
+          <p:spPr>
+            <a:xfrm>
+              <a:off x="3140948" y="1715180"/>
+              <a:ext cx="320471" cy="329032"/>
+            </a:xfrm>
+            <a:prstGeom prst="rect">
+              <a:avLst/>
+            </a:prstGeom>
+          </p:spPr>
+        </p:pic>
+      </p:grpSp>
+      <p:grpSp>
+        <p:nvGrpSpPr>
+          <p:cNvPr id="12" name="Group 11"/>
+          <p:cNvGrpSpPr/>
           <p:nvPr/>
-        </p:nvPicPr>
-        <p:blipFill rotWithShape="1">
-          <a:blip r:embed="rId4"/>
-          <a:srcRect l="76343"/>
-          <a:stretch/>
-        </p:blipFill>
-        <p:spPr>
+        </p:nvGrpSpPr>
+        <p:grpSpPr>
           <a:xfrm>
-            <a:off x="6764784" y="1690688"/>
-            <a:ext cx="632433" cy="464224"/>
+            <a:off x="6645226" y="1545469"/>
+            <a:ext cx="656686" cy="491857"/>
+            <a:chOff x="6645226" y="1545469"/>
+            <a:chExt cx="656686" cy="491857"/>
           </a:xfrm>
-          <a:prstGeom prst="rect">
-            <a:avLst/>
-          </a:prstGeom>
-        </p:spPr>
-      </p:pic>
+        </p:grpSpPr>
+        <p:pic>
+          <p:nvPicPr>
+            <p:cNvPr id="13" name="图片 3"/>
+            <p:cNvPicPr>
+              <a:picLocks noChangeAspect="1"/>
+            </p:cNvPicPr>
+            <p:nvPr/>
+          </p:nvPicPr>
+          <p:blipFill rotWithShape="1">
+            <a:blip r:embed="rId4"/>
+            <a:srcRect l="76343"/>
+            <a:stretch/>
+          </p:blipFill>
+          <p:spPr>
+            <a:xfrm>
+              <a:off x="6645226" y="1545469"/>
+              <a:ext cx="632433" cy="464224"/>
+            </a:xfrm>
+            <a:prstGeom prst="rect">
+              <a:avLst/>
+            </a:prstGeom>
+          </p:spPr>
+        </p:pic>
+        <p:pic>
+          <p:nvPicPr>
+            <p:cNvPr id="14" name="图片 2"/>
+            <p:cNvPicPr>
+              <a:picLocks noChangeAspect="1"/>
+            </p:cNvPicPr>
+            <p:nvPr/>
+          </p:nvPicPr>
+          <p:blipFill rotWithShape="1">
+            <a:blip r:embed="rId5"/>
+            <a:srcRect r="650" b="90962"/>
+            <a:stretch/>
+          </p:blipFill>
+          <p:spPr>
+            <a:xfrm>
+              <a:off x="6981441" y="1708294"/>
+              <a:ext cx="320471" cy="329032"/>
+            </a:xfrm>
+            <a:prstGeom prst="rect">
+              <a:avLst/>
+            </a:prstGeom>
+          </p:spPr>
+        </p:pic>
+      </p:grpSp>
     </p:spTree>
     <p:extLst>
       <p:ext uri="{BB962C8B-B14F-4D97-AF65-F5344CB8AC3E}">
@@ -4577,6 +4635,13 @@
   <p:clrMapOvr>
     <a:masterClrMapping/>
   </p:clrMapOvr>
+  <p:timing>
+    <p:tnLst>
+      <p:par>
+        <p:cTn id="1" dur="indefinite" restart="never" nodeType="tmRoot"/>
+      </p:par>
+    </p:tnLst>
+  </p:timing>
 </p:sld>
 </file>
 
@@ -4648,52 +4713,128 @@
           </a:xfrm>
         </p:spPr>
       </p:pic>
-      <p:pic>
-        <p:nvPicPr>
-          <p:cNvPr id="4" name="图片 3"/>
-          <p:cNvPicPr>
-            <a:picLocks noChangeAspect="1"/>
-          </p:cNvPicPr>
+      <p:grpSp>
+        <p:nvGrpSpPr>
+          <p:cNvPr id="6" name="Group 5"/>
+          <p:cNvGrpSpPr/>
           <p:nvPr/>
-        </p:nvPicPr>
-        <p:blipFill rotWithShape="1">
-          <a:blip r:embed="rId3"/>
-          <a:srcRect l="37820" t="1" r="36941" b="-20699"/>
-          <a:stretch/>
-        </p:blipFill>
-        <p:spPr>
+        </p:nvGrpSpPr>
+        <p:grpSpPr>
           <a:xfrm>
             <a:off x="2803044" y="1545469"/>
             <a:ext cx="674704" cy="560312"/>
+            <a:chOff x="2803044" y="1545469"/>
+            <a:chExt cx="674704" cy="560312"/>
           </a:xfrm>
-          <a:prstGeom prst="rect">
-            <a:avLst/>
-          </a:prstGeom>
-        </p:spPr>
-      </p:pic>
-      <p:pic>
-        <p:nvPicPr>
-          <p:cNvPr id="5" name="图片 3"/>
-          <p:cNvPicPr>
-            <a:picLocks noChangeAspect="1"/>
-          </p:cNvPicPr>
+        </p:grpSpPr>
+        <p:pic>
+          <p:nvPicPr>
+            <p:cNvPr id="7" name="图片 3"/>
+            <p:cNvPicPr>
+              <a:picLocks noChangeAspect="1"/>
+            </p:cNvPicPr>
+            <p:nvPr/>
+          </p:nvPicPr>
+          <p:blipFill rotWithShape="1">
+            <a:blip r:embed="rId3"/>
+            <a:srcRect l="37820" t="1" r="36941" b="-20699"/>
+            <a:stretch/>
+          </p:blipFill>
+          <p:spPr>
+            <a:xfrm>
+              <a:off x="2803044" y="1545469"/>
+              <a:ext cx="674704" cy="560312"/>
+            </a:xfrm>
+            <a:prstGeom prst="rect">
+              <a:avLst/>
+            </a:prstGeom>
+          </p:spPr>
+        </p:pic>
+        <p:pic>
+          <p:nvPicPr>
+            <p:cNvPr id="8" name="图片 2"/>
+            <p:cNvPicPr>
+              <a:picLocks noChangeAspect="1"/>
+            </p:cNvPicPr>
+            <p:nvPr/>
+          </p:nvPicPr>
+          <p:blipFill rotWithShape="1">
+            <a:blip r:embed="rId4"/>
+            <a:srcRect r="650" b="90962"/>
+            <a:stretch/>
+          </p:blipFill>
+          <p:spPr>
+            <a:xfrm>
+              <a:off x="3140948" y="1715180"/>
+              <a:ext cx="320471" cy="329032"/>
+            </a:xfrm>
+            <a:prstGeom prst="rect">
+              <a:avLst/>
+            </a:prstGeom>
+          </p:spPr>
+        </p:pic>
+      </p:grpSp>
+      <p:grpSp>
+        <p:nvGrpSpPr>
+          <p:cNvPr id="9" name="Group 8"/>
+          <p:cNvGrpSpPr/>
           <p:nvPr/>
-        </p:nvPicPr>
-        <p:blipFill rotWithShape="1">
-          <a:blip r:embed="rId3"/>
-          <a:srcRect l="76343"/>
-          <a:stretch/>
-        </p:blipFill>
-        <p:spPr>
+        </p:nvGrpSpPr>
+        <p:grpSpPr>
           <a:xfrm>
             <a:off x="6645226" y="1545469"/>
-            <a:ext cx="632433" cy="464224"/>
+            <a:ext cx="656686" cy="491857"/>
+            <a:chOff x="6645226" y="1545469"/>
+            <a:chExt cx="656686" cy="491857"/>
           </a:xfrm>
-          <a:prstGeom prst="rect">
-            <a:avLst/>
-          </a:prstGeom>
-        </p:spPr>
-      </p:pic>
+        </p:grpSpPr>
+        <p:pic>
+          <p:nvPicPr>
+            <p:cNvPr id="10" name="图片 3"/>
+            <p:cNvPicPr>
+              <a:picLocks noChangeAspect="1"/>
+            </p:cNvPicPr>
+            <p:nvPr/>
+          </p:nvPicPr>
+          <p:blipFill rotWithShape="1">
+            <a:blip r:embed="rId3"/>
+            <a:srcRect l="76343"/>
+            <a:stretch/>
+          </p:blipFill>
+          <p:spPr>
+            <a:xfrm>
+              <a:off x="6645226" y="1545469"/>
+              <a:ext cx="632433" cy="464224"/>
+            </a:xfrm>
+            <a:prstGeom prst="rect">
+              <a:avLst/>
+            </a:prstGeom>
+          </p:spPr>
+        </p:pic>
+        <p:pic>
+          <p:nvPicPr>
+            <p:cNvPr id="11" name="图片 2"/>
+            <p:cNvPicPr>
+              <a:picLocks noChangeAspect="1"/>
+            </p:cNvPicPr>
+            <p:nvPr/>
+          </p:nvPicPr>
+          <p:blipFill rotWithShape="1">
+            <a:blip r:embed="rId4"/>
+            <a:srcRect r="650" b="90962"/>
+            <a:stretch/>
+          </p:blipFill>
+          <p:spPr>
+            <a:xfrm>
+              <a:off x="6981441" y="1708294"/>
+              <a:ext cx="320471" cy="329032"/>
+            </a:xfrm>
+            <a:prstGeom prst="rect">
+              <a:avLst/>
+            </a:prstGeom>
+          </p:spPr>
+        </p:pic>
+      </p:grpSp>
     </p:spTree>
     <p:extLst>
       <p:ext uri="{BB962C8B-B14F-4D97-AF65-F5344CB8AC3E}">
@@ -4704,6 +4845,13 @@
   <p:clrMapOvr>
     <a:masterClrMapping/>
   </p:clrMapOvr>
+  <p:timing>
+    <p:tnLst>
+      <p:par>
+        <p:cTn id="1" dur="indefinite" restart="never" nodeType="tmRoot"/>
+      </p:par>
+    </p:tnLst>
+  </p:timing>
 </p:sld>
 </file>
 
@@ -4785,6 +4933,13 @@
   <p:clrMapOvr>
     <a:masterClrMapping/>
   </p:clrMapOvr>
+  <p:timing>
+    <p:tnLst>
+      <p:par>
+        <p:cTn id="1" dur="indefinite" restart="never" nodeType="tmRoot"/>
+      </p:par>
+    </p:tnLst>
+  </p:timing>
 </p:sld>
 </file>
 
@@ -4810,7 +4965,7 @@
           <p:cNvPr id="5" name="Title 4">
             <a:extLst>
               <a:ext uri="{FF2B5EF4-FFF2-40B4-BE49-F238E27FC236}">
-                <a16:creationId xmlns="" xmlns:a16="http://schemas.microsoft.com/office/drawing/2014/main" id="{8C2109F9-4249-4B8A-9EAD-6207C1C528BE}"/>
+                <a16:creationId xmlns:a16="http://schemas.microsoft.com/office/drawing/2014/main" xmlns="" id="{8C2109F9-4249-4B8A-9EAD-6207C1C528BE}"/>
               </a:ext>
             </a:extLst>
           </p:cNvPr>
@@ -4947,14 +5102,21 @@
   <p:clrMapOvr>
     <a:masterClrMapping/>
   </p:clrMapOvr>
-  <mc:AlternateContent xmlns:mc="http://schemas.openxmlformats.org/markup-compatibility/2006">
-    <mc:Choice xmlns:p14="http://schemas.microsoft.com/office/powerpoint/2010/main" Requires="p14">
+  <mc:AlternateContent xmlns:mc="http://schemas.openxmlformats.org/markup-compatibility/2006" xmlns:p14="http://schemas.microsoft.com/office/powerpoint/2010/main">
+    <mc:Choice Requires="p14">
       <p:transition spd="slow" p14:dur="2000"/>
     </mc:Choice>
-    <mc:Fallback>
+    <mc:Fallback xmlns="">
       <p:transition spd="slow"/>
     </mc:Fallback>
   </mc:AlternateContent>
+  <p:timing>
+    <p:tnLst>
+      <p:par>
+        <p:cTn id="1" dur="indefinite" restart="never" nodeType="tmRoot"/>
+      </p:par>
+    </p:tnLst>
+  </p:timing>
 </p:sld>
 </file>
 
@@ -5082,11 +5244,11 @@
   <p:clrMapOvr>
     <a:masterClrMapping/>
   </p:clrMapOvr>
-  <mc:AlternateContent xmlns:mc="http://schemas.openxmlformats.org/markup-compatibility/2006">
-    <mc:Choice xmlns:p14="http://schemas.microsoft.com/office/powerpoint/2010/main" Requires="p14">
+  <mc:AlternateContent xmlns:mc="http://schemas.openxmlformats.org/markup-compatibility/2006" xmlns:p14="http://schemas.microsoft.com/office/powerpoint/2010/main">
+    <mc:Choice Requires="p14">
       <p:transition spd="slow" p14:dur="2000"/>
     </mc:Choice>
-    <mc:Fallback>
+    <mc:Fallback xmlns="">
       <p:transition spd="slow"/>
     </mc:Fallback>
   </mc:AlternateContent>
@@ -5171,14 +5333,21 @@
   <p:clrMapOvr>
     <a:masterClrMapping/>
   </p:clrMapOvr>
-  <mc:AlternateContent xmlns:mc="http://schemas.openxmlformats.org/markup-compatibility/2006">
-    <mc:Choice xmlns:p14="http://schemas.microsoft.com/office/powerpoint/2010/main" Requires="p14">
+  <mc:AlternateContent xmlns:mc="http://schemas.openxmlformats.org/markup-compatibility/2006" xmlns:p14="http://schemas.microsoft.com/office/powerpoint/2010/main">
+    <mc:Choice Requires="p14">
       <p:transition spd="slow" p14:dur="2000"/>
     </mc:Choice>
-    <mc:Fallback>
+    <mc:Fallback xmlns="">
       <p:transition spd="slow"/>
     </mc:Fallback>
   </mc:AlternateContent>
+  <p:timing>
+    <p:tnLst>
+      <p:par>
+        <p:cTn id="1" dur="indefinite" restart="never" nodeType="tmRoot"/>
+      </p:par>
+    </p:tnLst>
+  </p:timing>
 </p:sld>
 </file>
 
@@ -5240,11 +5409,7 @@
           <a:p>
             <a:r>
               <a:rPr lang="en-US" dirty="0" smtClean="0"/>
-              <a:t>Adaptation magnitude </a:t>
-            </a:r>
-            <a:r>
-              <a:rPr lang="en-US" dirty="0" smtClean="0"/>
-              <a:t>seems larger in LM &amp; LI than in V1</a:t>
+              <a:t>Adaptation magnitude seems larger in LM &amp; LI than in V1</a:t>
             </a:r>
           </a:p>
           <a:p>
@@ -5254,7 +5419,19 @@
             </a:r>
             <a:r>
               <a:rPr lang="en-US" dirty="0" smtClean="0"/>
-              <a:t>looks similar across mice, even though the overall activity of a mouse </a:t>
+              <a:t>looks similar across mice, even though the overall </a:t>
+            </a:r>
+            <a:r>
+              <a:rPr lang="en-US" dirty="0" smtClean="0"/>
+              <a:t>visually driven neural </a:t>
+            </a:r>
+            <a:r>
+              <a:rPr lang="en-US" dirty="0" smtClean="0"/>
+              <a:t>activity </a:t>
+            </a:r>
+            <a:r>
+              <a:rPr lang="en-US" dirty="0" smtClean="0"/>
+              <a:t>of a mouse </a:t>
             </a:r>
             <a:r>
               <a:rPr lang="en-US" i="1" dirty="0" smtClean="0"/>
@@ -5277,6 +5454,13 @@
   <p:clrMapOvr>
     <a:masterClrMapping/>
   </p:clrMapOvr>
+  <p:timing>
+    <p:tnLst>
+      <p:par>
+        <p:cTn id="1" dur="indefinite" restart="never" nodeType="tmRoot"/>
+      </p:par>
+    </p:tnLst>
+  </p:timing>
 </p:sld>
 </file>
 
@@ -5346,13 +5530,33 @@
           <a:p>
             <a:r>
               <a:rPr lang="en-US" dirty="0" smtClean="0"/>
-              <a:t>Two-way ANOVA / multiple comparison to test the significance of adaptation magnitude differences across areas and mice</a:t>
-            </a:r>
-          </a:p>
-          <a:p>
+              <a:t>Two-way ANOVA / multiple comparison to test the significance of adaptation magnitude differences across areas and </a:t>
+            </a:r>
             <a:r>
               <a:rPr lang="en-US" dirty="0" smtClean="0"/>
-              <a:t>Get rid of corresponding outliers in average traces</a:t>
+              <a:t>mice</a:t>
+            </a:r>
+          </a:p>
+          <a:p>
+            <a:r>
+              <a:rPr lang="en-US" dirty="0" smtClean="0"/>
+              <a:t>What is happening when ISI = 750 ms</a:t>
+            </a:r>
+            <a:r>
+              <a:rPr lang="en-US" dirty="0" smtClean="0"/>
+              <a:t>? </a:t>
+            </a:r>
+            <a:r>
+              <a:rPr lang="en-US" dirty="0" smtClean="0"/>
+              <a:t>Get </a:t>
+            </a:r>
+            <a:r>
+              <a:rPr lang="en-US" dirty="0" smtClean="0"/>
+              <a:t>rid of corresponding outliers in average </a:t>
+            </a:r>
+            <a:r>
+              <a:rPr lang="en-US" dirty="0" smtClean="0"/>
+              <a:t>traces to verify if there really is facilitation after adaptation, or find better way to deal with outliers</a:t>
             </a:r>
           </a:p>
           <a:p>
@@ -5361,27 +5565,27 @@
           <a:p>
             <a:r>
               <a:rPr lang="en-US" dirty="0" smtClean="0"/>
-              <a:t>More data to get a larger sample size N</a:t>
-            </a:r>
-          </a:p>
-          <a:p>
+              <a:t>Get </a:t>
+            </a:r>
             <a:r>
               <a:rPr lang="en-US" dirty="0" smtClean="0"/>
-              <a:t>Integrate existing data from other HVAs (AL, PM, more neurons </a:t>
-            </a:r>
+              <a:t>a larger sample size N</a:t>
+            </a:r>
+          </a:p>
+          <a:p>
             <a:r>
               <a:rPr lang="en-US" dirty="0" smtClean="0"/>
-              <a:t>in </a:t>
-            </a:r>
+              <a:t>Integrate existing data from other HVAs (AL, PM, more neurons in LM)</a:t>
+            </a:r>
+          </a:p>
+          <a:p>
             <a:r>
               <a:rPr lang="en-US" dirty="0" smtClean="0"/>
-              <a:t>LM)</a:t>
-            </a:r>
-          </a:p>
-          <a:p>
+              <a:t>Time course of adaptation </a:t>
+            </a:r>
             <a:r>
               <a:rPr lang="en-US" dirty="0" smtClean="0"/>
-              <a:t>Time course of adaptation in HVAs</a:t>
+              <a:t>across HVAs</a:t>
             </a:r>
             <a:endParaRPr lang="en-US" dirty="0" smtClean="0"/>
           </a:p>
@@ -5430,6 +5634,13 @@
   <p:clrMapOvr>
     <a:masterClrMapping/>
   </p:clrMapOvr>
+  <p:timing>
+    <p:tnLst>
+      <p:par>
+        <p:cTn id="1" dur="indefinite" restart="never" nodeType="tmRoot"/>
+      </p:par>
+    </p:tnLst>
+  </p:timing>
 </p:sld>
 </file>
 
@@ -5583,11 +5794,7 @@
           <a:p>
             <a:r>
               <a:rPr lang="en-US" sz="2000" dirty="0" smtClean="0"/>
-              <a:t>Jin et al. (2020) measured adaptation magnitude across V1, SC, and 3 higher visual areas (HVA</a:t>
-            </a:r>
-            <a:r>
-              <a:rPr lang="en-US" sz="2000" dirty="0" smtClean="0"/>
-              <a:t>s): LM, AL, PM</a:t>
+              <a:t>Jin et al. (2020) measured adaptation magnitude across V1, SC, and 3 higher visual areas (HVAs): LM, AL, PM</a:t>
             </a:r>
           </a:p>
           <a:p>
@@ -5799,6 +6006,13 @@
   <p:clrMapOvr>
     <a:masterClrMapping/>
   </p:clrMapOvr>
+  <p:timing>
+    <p:tnLst>
+      <p:par>
+        <p:cTn id="1" dur="indefinite" restart="never" nodeType="tmRoot"/>
+      </p:par>
+    </p:tnLst>
+  </p:timing>
 </p:sld>
 </file>
 
@@ -5865,13 +6079,8 @@
           <a:p>
             <a:r>
               <a:rPr lang="en-US" sz="2000" dirty="0"/>
-              <a:t>However, the dataset was collected from mice trained to discern orientation changes, and </a:t>
-            </a:r>
-            <a:r>
-              <a:rPr lang="en-US" sz="2000" dirty="0"/>
-              <a:t>trained behaving mice exhibit a larger adaptation with altered stimulus specificity compared to naïve mice</a:t>
-            </a:r>
-            <a:endParaRPr lang="en-US" sz="2000" dirty="0"/>
+              <a:t>However, the dataset was collected from mice trained to discern orientation changes, and trained behaving mice exhibit a larger adaptation with altered stimulus specificity compared to naïve mice</a:t>
+            </a:r>
           </a:p>
           <a:p>
             <a:r>
@@ -5950,6 +6159,13 @@
   <p:clrMapOvr>
     <a:masterClrMapping/>
   </p:clrMapOvr>
+  <p:timing>
+    <p:tnLst>
+      <p:par>
+        <p:cTn id="1" dur="indefinite" restart="never" nodeType="tmRoot"/>
+      </p:par>
+    </p:tnLst>
+  </p:timing>
 </p:sld>
 </file>
 
@@ -6286,6 +6502,13 @@
   <p:clrMapOvr>
     <a:masterClrMapping/>
   </p:clrMapOvr>
+  <p:timing>
+    <p:tnLst>
+      <p:par>
+        <p:cTn id="1" dur="indefinite" restart="never" nodeType="tmRoot"/>
+      </p:par>
+    </p:tnLst>
+  </p:timing>
 </p:sld>
 </file>
 
@@ -6475,6 +6698,13 @@
   <p:clrMapOvr>
     <a:masterClrMapping/>
   </p:clrMapOvr>
+  <p:timing>
+    <p:tnLst>
+      <p:par>
+        <p:cTn id="1" dur="indefinite" restart="never" nodeType="tmRoot"/>
+      </p:par>
+    </p:tnLst>
+  </p:timing>
 </p:sld>
 </file>
 
@@ -6575,14 +6805,21 @@
   <p:clrMapOvr>
     <a:masterClrMapping/>
   </p:clrMapOvr>
-  <mc:AlternateContent xmlns:mc="http://schemas.openxmlformats.org/markup-compatibility/2006">
-    <mc:Choice xmlns:p14="http://schemas.microsoft.com/office/powerpoint/2010/main" Requires="p14">
+  <mc:AlternateContent xmlns:mc="http://schemas.openxmlformats.org/markup-compatibility/2006" xmlns:p14="http://schemas.microsoft.com/office/powerpoint/2010/main">
+    <mc:Choice Requires="p14">
       <p:transition spd="slow" p14:dur="2000"/>
     </mc:Choice>
-    <mc:Fallback>
+    <mc:Fallback xmlns="">
       <p:transition spd="slow"/>
     </mc:Fallback>
   </mc:AlternateContent>
+  <p:timing>
+    <p:tnLst>
+      <p:par>
+        <p:cTn id="1" dur="indefinite" restart="never" nodeType="tmRoot"/>
+      </p:par>
+    </p:tnLst>
+  </p:timing>
 </p:sld>
 </file>
 
@@ -6608,7 +6845,7 @@
           <p:cNvPr id="5" name="Title 4">
             <a:extLst>
               <a:ext uri="{FF2B5EF4-FFF2-40B4-BE49-F238E27FC236}">
-                <a16:creationId xmlns="" xmlns:a16="http://schemas.microsoft.com/office/drawing/2014/main" id="{8C2109F9-4249-4B8A-9EAD-6207C1C528BE}"/>
+                <a16:creationId xmlns:a16="http://schemas.microsoft.com/office/drawing/2014/main" xmlns="" id="{8C2109F9-4249-4B8A-9EAD-6207C1C528BE}"/>
               </a:ext>
             </a:extLst>
           </p:cNvPr>
@@ -6689,52 +6926,128 @@
           </a:xfrm>
         </p:spPr>
       </p:pic>
-      <p:pic>
-        <p:nvPicPr>
-          <p:cNvPr id="6" name="图片 3"/>
-          <p:cNvPicPr>
-            <a:picLocks noChangeAspect="1"/>
-          </p:cNvPicPr>
+      <p:grpSp>
+        <p:nvGrpSpPr>
+          <p:cNvPr id="9" name="Group 8"/>
+          <p:cNvGrpSpPr/>
           <p:nvPr/>
-        </p:nvPicPr>
-        <p:blipFill rotWithShape="1">
-          <a:blip r:embed="rId5"/>
-          <a:srcRect l="37820" t="1" r="36941" b="-20699"/>
-          <a:stretch/>
-        </p:blipFill>
-        <p:spPr>
+        </p:nvGrpSpPr>
+        <p:grpSpPr>
           <a:xfrm>
-            <a:off x="1455937" y="1690688"/>
+            <a:off x="1394560" y="1594655"/>
             <a:ext cx="674704" cy="560312"/>
+            <a:chOff x="2803044" y="1545469"/>
+            <a:chExt cx="674704" cy="560312"/>
           </a:xfrm>
-          <a:prstGeom prst="rect">
-            <a:avLst/>
-          </a:prstGeom>
-        </p:spPr>
-      </p:pic>
-      <p:pic>
-        <p:nvPicPr>
-          <p:cNvPr id="8" name="图片 3"/>
-          <p:cNvPicPr>
-            <a:picLocks noChangeAspect="1"/>
-          </p:cNvPicPr>
+        </p:grpSpPr>
+        <p:pic>
+          <p:nvPicPr>
+            <p:cNvPr id="10" name="图片 3"/>
+            <p:cNvPicPr>
+              <a:picLocks noChangeAspect="1"/>
+            </p:cNvPicPr>
+            <p:nvPr/>
+          </p:nvPicPr>
+          <p:blipFill rotWithShape="1">
+            <a:blip r:embed="rId5"/>
+            <a:srcRect l="37820" t="1" r="36941" b="-20699"/>
+            <a:stretch/>
+          </p:blipFill>
+          <p:spPr>
+            <a:xfrm>
+              <a:off x="2803044" y="1545469"/>
+              <a:ext cx="674704" cy="560312"/>
+            </a:xfrm>
+            <a:prstGeom prst="rect">
+              <a:avLst/>
+            </a:prstGeom>
+          </p:spPr>
+        </p:pic>
+        <p:pic>
+          <p:nvPicPr>
+            <p:cNvPr id="11" name="图片 2"/>
+            <p:cNvPicPr>
+              <a:picLocks noChangeAspect="1"/>
+            </p:cNvPicPr>
+            <p:nvPr/>
+          </p:nvPicPr>
+          <p:blipFill rotWithShape="1">
+            <a:blip r:embed="rId6"/>
+            <a:srcRect r="650" b="90962"/>
+            <a:stretch/>
+          </p:blipFill>
+          <p:spPr>
+            <a:xfrm>
+              <a:off x="3140948" y="1715180"/>
+              <a:ext cx="320471" cy="329032"/>
+            </a:xfrm>
+            <a:prstGeom prst="rect">
+              <a:avLst/>
+            </a:prstGeom>
+          </p:spPr>
+        </p:pic>
+      </p:grpSp>
+      <p:grpSp>
+        <p:nvGrpSpPr>
+          <p:cNvPr id="12" name="Group 11"/>
+          <p:cNvGrpSpPr/>
           <p:nvPr/>
-        </p:nvPicPr>
-        <p:blipFill rotWithShape="1">
-          <a:blip r:embed="rId5"/>
-          <a:srcRect l="76343"/>
-          <a:stretch/>
-        </p:blipFill>
-        <p:spPr>
+        </p:nvGrpSpPr>
+        <p:grpSpPr>
           <a:xfrm>
-            <a:off x="6764784" y="1690688"/>
-            <a:ext cx="632433" cy="464224"/>
+            <a:off x="6645226" y="1545469"/>
+            <a:ext cx="656686" cy="491857"/>
+            <a:chOff x="6645226" y="1545469"/>
+            <a:chExt cx="656686" cy="491857"/>
           </a:xfrm>
-          <a:prstGeom prst="rect">
-            <a:avLst/>
-          </a:prstGeom>
-        </p:spPr>
-      </p:pic>
+        </p:grpSpPr>
+        <p:pic>
+          <p:nvPicPr>
+            <p:cNvPr id="13" name="图片 3"/>
+            <p:cNvPicPr>
+              <a:picLocks noChangeAspect="1"/>
+            </p:cNvPicPr>
+            <p:nvPr/>
+          </p:nvPicPr>
+          <p:blipFill rotWithShape="1">
+            <a:blip r:embed="rId5"/>
+            <a:srcRect l="76343"/>
+            <a:stretch/>
+          </p:blipFill>
+          <p:spPr>
+            <a:xfrm>
+              <a:off x="6645226" y="1545469"/>
+              <a:ext cx="632433" cy="464224"/>
+            </a:xfrm>
+            <a:prstGeom prst="rect">
+              <a:avLst/>
+            </a:prstGeom>
+          </p:spPr>
+        </p:pic>
+        <p:pic>
+          <p:nvPicPr>
+            <p:cNvPr id="14" name="图片 2"/>
+            <p:cNvPicPr>
+              <a:picLocks noChangeAspect="1"/>
+            </p:cNvPicPr>
+            <p:nvPr/>
+          </p:nvPicPr>
+          <p:blipFill rotWithShape="1">
+            <a:blip r:embed="rId6"/>
+            <a:srcRect r="650" b="90962"/>
+            <a:stretch/>
+          </p:blipFill>
+          <p:spPr>
+            <a:xfrm>
+              <a:off x="6981441" y="1708294"/>
+              <a:ext cx="320471" cy="329032"/>
+            </a:xfrm>
+            <a:prstGeom prst="rect">
+              <a:avLst/>
+            </a:prstGeom>
+          </p:spPr>
+        </p:pic>
+      </p:grpSp>
     </p:spTree>
     <p:extLst>
       <p:ext uri="{BB962C8B-B14F-4D97-AF65-F5344CB8AC3E}">
@@ -6745,6 +7058,13 @@
   <p:clrMapOvr>
     <a:masterClrMapping/>
   </p:clrMapOvr>
+  <p:timing>
+    <p:tnLst>
+      <p:par>
+        <p:cTn id="1" dur="indefinite" restart="never" nodeType="tmRoot"/>
+      </p:par>
+    </p:tnLst>
+  </p:timing>
 </p:sld>
 </file>
 
@@ -6816,52 +7136,158 @@
           </a:xfrm>
         </p:spPr>
       </p:pic>
-      <p:pic>
-        <p:nvPicPr>
-          <p:cNvPr id="5" name="图片 3"/>
-          <p:cNvPicPr>
-            <a:picLocks noChangeAspect="1"/>
-          </p:cNvPicPr>
+      <p:grpSp>
+        <p:nvGrpSpPr>
+          <p:cNvPr id="3" name="Group 2"/>
+          <p:cNvGrpSpPr/>
           <p:nvPr/>
-        </p:nvPicPr>
-        <p:blipFill rotWithShape="1">
-          <a:blip r:embed="rId4"/>
-          <a:srcRect l="37820" t="1" r="36941" b="-20699"/>
-          <a:stretch/>
-        </p:blipFill>
-        <p:spPr>
+        </p:nvGrpSpPr>
+        <p:grpSpPr>
           <a:xfrm>
             <a:off x="2803044" y="1545469"/>
             <a:ext cx="674704" cy="560312"/>
+            <a:chOff x="2803044" y="1545469"/>
+            <a:chExt cx="674704" cy="560312"/>
+          </a:xfrm>
+        </p:grpSpPr>
+        <p:pic>
+          <p:nvPicPr>
+            <p:cNvPr id="5" name="图片 3"/>
+            <p:cNvPicPr>
+              <a:picLocks noChangeAspect="1"/>
+            </p:cNvPicPr>
+            <p:nvPr/>
+          </p:nvPicPr>
+          <p:blipFill rotWithShape="1">
+            <a:blip r:embed="rId4"/>
+            <a:srcRect l="37820" t="1" r="36941" b="-20699"/>
+            <a:stretch/>
+          </p:blipFill>
+          <p:spPr>
+            <a:xfrm>
+              <a:off x="2803044" y="1545469"/>
+              <a:ext cx="674704" cy="560312"/>
+            </a:xfrm>
+            <a:prstGeom prst="rect">
+              <a:avLst/>
+            </a:prstGeom>
+          </p:spPr>
+        </p:pic>
+        <p:pic>
+          <p:nvPicPr>
+            <p:cNvPr id="7" name="图片 2"/>
+            <p:cNvPicPr>
+              <a:picLocks noChangeAspect="1"/>
+            </p:cNvPicPr>
+            <p:nvPr/>
+          </p:nvPicPr>
+          <p:blipFill rotWithShape="1">
+            <a:blip r:embed="rId5"/>
+            <a:srcRect r="650" b="90962"/>
+            <a:stretch/>
+          </p:blipFill>
+          <p:spPr>
+            <a:xfrm>
+              <a:off x="3140948" y="1715180"/>
+              <a:ext cx="320471" cy="329032"/>
+            </a:xfrm>
+            <a:prstGeom prst="rect">
+              <a:avLst/>
+            </a:prstGeom>
+          </p:spPr>
+        </p:pic>
+      </p:grpSp>
+      <p:grpSp>
+        <p:nvGrpSpPr>
+          <p:cNvPr id="10" name="Group 9"/>
+          <p:cNvGrpSpPr/>
+          <p:nvPr/>
+        </p:nvGrpSpPr>
+        <p:grpSpPr>
+          <a:xfrm>
+            <a:off x="6645226" y="1545469"/>
+            <a:ext cx="656686" cy="491857"/>
+            <a:chOff x="6645226" y="1545469"/>
+            <a:chExt cx="656686" cy="491857"/>
+          </a:xfrm>
+        </p:grpSpPr>
+        <p:pic>
+          <p:nvPicPr>
+            <p:cNvPr id="6" name="图片 3"/>
+            <p:cNvPicPr>
+              <a:picLocks noChangeAspect="1"/>
+            </p:cNvPicPr>
+            <p:nvPr/>
+          </p:nvPicPr>
+          <p:blipFill rotWithShape="1">
+            <a:blip r:embed="rId4"/>
+            <a:srcRect l="76343"/>
+            <a:stretch/>
+          </p:blipFill>
+          <p:spPr>
+            <a:xfrm>
+              <a:off x="6645226" y="1545469"/>
+              <a:ext cx="632433" cy="464224"/>
+            </a:xfrm>
+            <a:prstGeom prst="rect">
+              <a:avLst/>
+            </a:prstGeom>
+          </p:spPr>
+        </p:pic>
+        <p:pic>
+          <p:nvPicPr>
+            <p:cNvPr id="9" name="图片 2"/>
+            <p:cNvPicPr>
+              <a:picLocks noChangeAspect="1"/>
+            </p:cNvPicPr>
+            <p:nvPr/>
+          </p:nvPicPr>
+          <p:blipFill rotWithShape="1">
+            <a:blip r:embed="rId5"/>
+            <a:srcRect r="650" b="90962"/>
+            <a:stretch/>
+          </p:blipFill>
+          <p:spPr>
+            <a:xfrm>
+              <a:off x="6981441" y="1708294"/>
+              <a:ext cx="320471" cy="329032"/>
+            </a:xfrm>
+            <a:prstGeom prst="rect">
+              <a:avLst/>
+            </a:prstGeom>
+          </p:spPr>
+        </p:pic>
+      </p:grpSp>
+      <p:sp>
+        <p:nvSpPr>
+          <p:cNvPr id="11" name="TextBox 10"/>
+          <p:cNvSpPr txBox="1"/>
+          <p:nvPr/>
+        </p:nvSpPr>
+        <p:spPr>
+          <a:xfrm>
+            <a:off x="2228914" y="6176963"/>
+            <a:ext cx="8216224" cy="369332"/>
           </a:xfrm>
           <a:prstGeom prst="rect">
             <a:avLst/>
           </a:prstGeom>
+          <a:noFill/>
         </p:spPr>
-      </p:pic>
-      <p:pic>
-        <p:nvPicPr>
-          <p:cNvPr id="6" name="图片 3"/>
-          <p:cNvPicPr>
-            <a:picLocks noChangeAspect="1"/>
-          </p:cNvPicPr>
-          <p:nvPr/>
-        </p:nvPicPr>
-        <p:blipFill rotWithShape="1">
-          <a:blip r:embed="rId4"/>
-          <a:srcRect l="76343"/>
-          <a:stretch/>
-        </p:blipFill>
-        <p:spPr>
-          <a:xfrm>
-            <a:off x="6645226" y="1545469"/>
-            <a:ext cx="632433" cy="464224"/>
-          </a:xfrm>
-          <a:prstGeom prst="rect">
-            <a:avLst/>
-          </a:prstGeom>
-        </p:spPr>
-      </p:pic>
+        <p:txBody>
+          <a:bodyPr wrap="none" rtlCol="0">
+            <a:spAutoFit/>
+          </a:bodyPr>
+          <a:lstStyle/>
+          <a:p>
+            <a:r>
+              <a:rPr lang="en-US" dirty="0" smtClean="0"/>
+              <a:t>Adaptation index = ( resp_targ_0deg - resp_adapter ) / resp_adapter for the same cell</a:t>
+            </a:r>
+            <a:endParaRPr lang="en-US" dirty="0"/>
+          </a:p>
+        </p:txBody>
+      </p:sp>
     </p:spTree>
     <p:extLst>
       <p:ext uri="{BB962C8B-B14F-4D97-AF65-F5344CB8AC3E}">
@@ -6872,6 +7298,13 @@
   <p:clrMapOvr>
     <a:masterClrMapping/>
   </p:clrMapOvr>
+  <p:timing>
+    <p:tnLst>
+      <p:par>
+        <p:cTn id="1" dur="indefinite" restart="never" nodeType="tmRoot"/>
+      </p:par>
+    </p:tnLst>
+  </p:timing>
 </p:sld>
 </file>
 
@@ -6953,6 +7386,13 @@
   <p:clrMapOvr>
     <a:masterClrMapping/>
   </p:clrMapOvr>
+  <p:timing>
+    <p:tnLst>
+      <p:par>
+        <p:cTn id="1" dur="indefinite" restart="never" nodeType="tmRoot"/>
+      </p:par>
+    </p:tnLst>
+  </p:timing>
 </p:sld>
 </file>
 
